--- a/1일차/1026-1-오리엔테이션.pptx
+++ b/1일차/1026-1-오리엔테이션.pptx
@@ -19,28 +19,28 @@
     <p:sldId id="454" r:id="rId10"/>
     <p:sldId id="456" r:id="rId11"/>
     <p:sldId id="452" r:id="rId12"/>
-    <p:sldId id="453" r:id="rId13"/>
-    <p:sldId id="455" r:id="rId14"/>
-    <p:sldId id="457" r:id="rId15"/>
-    <p:sldId id="467" r:id="rId16"/>
-    <p:sldId id="459" r:id="rId17"/>
-    <p:sldId id="468" r:id="rId18"/>
-    <p:sldId id="469" r:id="rId19"/>
-    <p:sldId id="479" r:id="rId20"/>
-    <p:sldId id="480" r:id="rId21"/>
-    <p:sldId id="481" r:id="rId22"/>
-    <p:sldId id="482" r:id="rId23"/>
-    <p:sldId id="483" r:id="rId24"/>
-    <p:sldId id="460" r:id="rId25"/>
-    <p:sldId id="484" r:id="rId26"/>
-    <p:sldId id="470" r:id="rId27"/>
-    <p:sldId id="476" r:id="rId28"/>
-    <p:sldId id="474" r:id="rId29"/>
-    <p:sldId id="475" r:id="rId30"/>
-    <p:sldId id="473" r:id="rId31"/>
-    <p:sldId id="471" r:id="rId32"/>
-    <p:sldId id="472" r:id="rId33"/>
-    <p:sldId id="478" r:id="rId34"/>
+    <p:sldId id="485" r:id="rId13"/>
+    <p:sldId id="486" r:id="rId14"/>
+    <p:sldId id="453" r:id="rId15"/>
+    <p:sldId id="455" r:id="rId16"/>
+    <p:sldId id="457" r:id="rId17"/>
+    <p:sldId id="467" r:id="rId18"/>
+    <p:sldId id="459" r:id="rId19"/>
+    <p:sldId id="468" r:id="rId20"/>
+    <p:sldId id="469" r:id="rId21"/>
+    <p:sldId id="479" r:id="rId22"/>
+    <p:sldId id="480" r:id="rId23"/>
+    <p:sldId id="481" r:id="rId24"/>
+    <p:sldId id="482" r:id="rId25"/>
+    <p:sldId id="483" r:id="rId26"/>
+    <p:sldId id="460" r:id="rId27"/>
+    <p:sldId id="484" r:id="rId28"/>
+    <p:sldId id="470" r:id="rId29"/>
+    <p:sldId id="476" r:id="rId30"/>
+    <p:sldId id="474" r:id="rId31"/>
+    <p:sldId id="475" r:id="rId32"/>
+    <p:sldId id="471" r:id="rId33"/>
+    <p:sldId id="472" r:id="rId34"/>
     <p:sldId id="477" r:id="rId35"/>
     <p:sldId id="461" r:id="rId36"/>
     <p:sldId id="463" r:id="rId37"/>
@@ -1164,7 +1164,7 @@
     </p:spTree>
     <p:extLst>
       <p:ext uri="{BB962C8B-B14F-4D97-AF65-F5344CB8AC3E}">
-        <p14:creationId xmlns:p14="http://schemas.microsoft.com/office/powerpoint/2010/main" val="2362810893"/>
+        <p14:creationId xmlns:p14="http://schemas.microsoft.com/office/powerpoint/2010/main" val="1420466591"/>
       </p:ext>
     </p:extLst>
   </p:cSld>
@@ -1273,7 +1273,7 @@
     </p:spTree>
     <p:extLst>
       <p:ext uri="{BB962C8B-B14F-4D97-AF65-F5344CB8AC3E}">
-        <p14:creationId xmlns:p14="http://schemas.microsoft.com/office/powerpoint/2010/main" val="1583871193"/>
+        <p14:creationId xmlns:p14="http://schemas.microsoft.com/office/powerpoint/2010/main" val="2067877699"/>
       </p:ext>
     </p:extLst>
   </p:cSld>
@@ -1382,7 +1382,7 @@
     </p:spTree>
     <p:extLst>
       <p:ext uri="{BB962C8B-B14F-4D97-AF65-F5344CB8AC3E}">
-        <p14:creationId xmlns:p14="http://schemas.microsoft.com/office/powerpoint/2010/main" val="4236156858"/>
+        <p14:creationId xmlns:p14="http://schemas.microsoft.com/office/powerpoint/2010/main" val="2362810893"/>
       </p:ext>
     </p:extLst>
   </p:cSld>
@@ -1491,7 +1491,7 @@
     </p:spTree>
     <p:extLst>
       <p:ext uri="{BB962C8B-B14F-4D97-AF65-F5344CB8AC3E}">
-        <p14:creationId xmlns:p14="http://schemas.microsoft.com/office/powerpoint/2010/main" val="4124991308"/>
+        <p14:creationId xmlns:p14="http://schemas.microsoft.com/office/powerpoint/2010/main" val="1583871193"/>
       </p:ext>
     </p:extLst>
   </p:cSld>
@@ -1600,7 +1600,7 @@
     </p:spTree>
     <p:extLst>
       <p:ext uri="{BB962C8B-B14F-4D97-AF65-F5344CB8AC3E}">
-        <p14:creationId xmlns:p14="http://schemas.microsoft.com/office/powerpoint/2010/main" val="3403804759"/>
+        <p14:creationId xmlns:p14="http://schemas.microsoft.com/office/powerpoint/2010/main" val="4236156858"/>
       </p:ext>
     </p:extLst>
   </p:cSld>
@@ -1709,7 +1709,7 @@
     </p:spTree>
     <p:extLst>
       <p:ext uri="{BB962C8B-B14F-4D97-AF65-F5344CB8AC3E}">
-        <p14:creationId xmlns:p14="http://schemas.microsoft.com/office/powerpoint/2010/main" val="2704589223"/>
+        <p14:creationId xmlns:p14="http://schemas.microsoft.com/office/powerpoint/2010/main" val="4124991308"/>
       </p:ext>
     </p:extLst>
   </p:cSld>
@@ -1818,7 +1818,7 @@
     </p:spTree>
     <p:extLst>
       <p:ext uri="{BB962C8B-B14F-4D97-AF65-F5344CB8AC3E}">
-        <p14:creationId xmlns:p14="http://schemas.microsoft.com/office/powerpoint/2010/main" val="1484962204"/>
+        <p14:creationId xmlns:p14="http://schemas.microsoft.com/office/powerpoint/2010/main" val="3403804759"/>
       </p:ext>
     </p:extLst>
   </p:cSld>
@@ -1927,7 +1927,7 @@
     </p:spTree>
     <p:extLst>
       <p:ext uri="{BB962C8B-B14F-4D97-AF65-F5344CB8AC3E}">
-        <p14:creationId xmlns:p14="http://schemas.microsoft.com/office/powerpoint/2010/main" val="596509576"/>
+        <p14:creationId xmlns:p14="http://schemas.microsoft.com/office/powerpoint/2010/main" val="2704589223"/>
       </p:ext>
     </p:extLst>
   </p:cSld>
@@ -2145,7 +2145,7 @@
     </p:spTree>
     <p:extLst>
       <p:ext uri="{BB962C8B-B14F-4D97-AF65-F5344CB8AC3E}">
-        <p14:creationId xmlns:p14="http://schemas.microsoft.com/office/powerpoint/2010/main" val="274051744"/>
+        <p14:creationId xmlns:p14="http://schemas.microsoft.com/office/powerpoint/2010/main" val="1484962204"/>
       </p:ext>
     </p:extLst>
   </p:cSld>
@@ -2254,7 +2254,7 @@
     </p:spTree>
     <p:extLst>
       <p:ext uri="{BB962C8B-B14F-4D97-AF65-F5344CB8AC3E}">
-        <p14:creationId xmlns:p14="http://schemas.microsoft.com/office/powerpoint/2010/main" val="3273462935"/>
+        <p14:creationId xmlns:p14="http://schemas.microsoft.com/office/powerpoint/2010/main" val="596509576"/>
       </p:ext>
     </p:extLst>
   </p:cSld>
@@ -2363,7 +2363,7 @@
     </p:spTree>
     <p:extLst>
       <p:ext uri="{BB962C8B-B14F-4D97-AF65-F5344CB8AC3E}">
-        <p14:creationId xmlns:p14="http://schemas.microsoft.com/office/powerpoint/2010/main" val="1617721748"/>
+        <p14:creationId xmlns:p14="http://schemas.microsoft.com/office/powerpoint/2010/main" val="274051744"/>
       </p:ext>
     </p:extLst>
   </p:cSld>
@@ -2472,7 +2472,7 @@
     </p:spTree>
     <p:extLst>
       <p:ext uri="{BB962C8B-B14F-4D97-AF65-F5344CB8AC3E}">
-        <p14:creationId xmlns:p14="http://schemas.microsoft.com/office/powerpoint/2010/main" val="2765885923"/>
+        <p14:creationId xmlns:p14="http://schemas.microsoft.com/office/powerpoint/2010/main" val="3273462935"/>
       </p:ext>
     </p:extLst>
   </p:cSld>
@@ -2581,7 +2581,7 @@
     </p:spTree>
     <p:extLst>
       <p:ext uri="{BB962C8B-B14F-4D97-AF65-F5344CB8AC3E}">
-        <p14:creationId xmlns:p14="http://schemas.microsoft.com/office/powerpoint/2010/main" val="3202792609"/>
+        <p14:creationId xmlns:p14="http://schemas.microsoft.com/office/powerpoint/2010/main" val="1617721748"/>
       </p:ext>
     </p:extLst>
   </p:cSld>
@@ -2690,7 +2690,7 @@
     </p:spTree>
     <p:extLst>
       <p:ext uri="{BB962C8B-B14F-4D97-AF65-F5344CB8AC3E}">
-        <p14:creationId xmlns:p14="http://schemas.microsoft.com/office/powerpoint/2010/main" val="1399853324"/>
+        <p14:creationId xmlns:p14="http://schemas.microsoft.com/office/powerpoint/2010/main" val="2765885923"/>
       </p:ext>
     </p:extLst>
   </p:cSld>
@@ -2799,7 +2799,7 @@
     </p:spTree>
     <p:extLst>
       <p:ext uri="{BB962C8B-B14F-4D97-AF65-F5344CB8AC3E}">
-        <p14:creationId xmlns:p14="http://schemas.microsoft.com/office/powerpoint/2010/main" val="3066573614"/>
+        <p14:creationId xmlns:p14="http://schemas.microsoft.com/office/powerpoint/2010/main" val="3202792609"/>
       </p:ext>
     </p:extLst>
   </p:cSld>
@@ -2908,7 +2908,7 @@
     </p:spTree>
     <p:extLst>
       <p:ext uri="{BB962C8B-B14F-4D97-AF65-F5344CB8AC3E}">
-        <p14:creationId xmlns:p14="http://schemas.microsoft.com/office/powerpoint/2010/main" val="2168266017"/>
+        <p14:creationId xmlns:p14="http://schemas.microsoft.com/office/powerpoint/2010/main" val="1399853324"/>
       </p:ext>
     </p:extLst>
   </p:cSld>
@@ -3017,7 +3017,7 @@
     </p:spTree>
     <p:extLst>
       <p:ext uri="{BB962C8B-B14F-4D97-AF65-F5344CB8AC3E}">
-        <p14:creationId xmlns:p14="http://schemas.microsoft.com/office/powerpoint/2010/main" val="183294219"/>
+        <p14:creationId xmlns:p14="http://schemas.microsoft.com/office/powerpoint/2010/main" val="3066573614"/>
       </p:ext>
     </p:extLst>
   </p:cSld>
@@ -3126,7 +3126,7 @@
     </p:spTree>
     <p:extLst>
       <p:ext uri="{BB962C8B-B14F-4D97-AF65-F5344CB8AC3E}">
-        <p14:creationId xmlns:p14="http://schemas.microsoft.com/office/powerpoint/2010/main" val="1879770587"/>
+        <p14:creationId xmlns:p14="http://schemas.microsoft.com/office/powerpoint/2010/main" val="2168266017"/>
       </p:ext>
     </p:extLst>
   </p:cSld>
@@ -3339,7 +3339,7 @@
     </p:spTree>
     <p:extLst>
       <p:ext uri="{BB962C8B-B14F-4D97-AF65-F5344CB8AC3E}">
-        <p14:creationId xmlns:p14="http://schemas.microsoft.com/office/powerpoint/2010/main" val="4001477501"/>
+        <p14:creationId xmlns:p14="http://schemas.microsoft.com/office/powerpoint/2010/main" val="183294219"/>
       </p:ext>
     </p:extLst>
   </p:cSld>
@@ -3448,7 +3448,7 @@
     </p:spTree>
     <p:extLst>
       <p:ext uri="{BB962C8B-B14F-4D97-AF65-F5344CB8AC3E}">
-        <p14:creationId xmlns:p14="http://schemas.microsoft.com/office/powerpoint/2010/main" val="3907766887"/>
+        <p14:creationId xmlns:p14="http://schemas.microsoft.com/office/powerpoint/2010/main" val="1879770587"/>
       </p:ext>
     </p:extLst>
   </p:cSld>
@@ -3557,7 +3557,7 @@
     </p:spTree>
     <p:extLst>
       <p:ext uri="{BB962C8B-B14F-4D97-AF65-F5344CB8AC3E}">
-        <p14:creationId xmlns:p14="http://schemas.microsoft.com/office/powerpoint/2010/main" val="1132770306"/>
+        <p14:creationId xmlns:p14="http://schemas.microsoft.com/office/powerpoint/2010/main" val="3907766887"/>
       </p:ext>
     </p:extLst>
   </p:cSld>
@@ -3666,7 +3666,7 @@
     </p:spTree>
     <p:extLst>
       <p:ext uri="{BB962C8B-B14F-4D97-AF65-F5344CB8AC3E}">
-        <p14:creationId xmlns:p14="http://schemas.microsoft.com/office/powerpoint/2010/main" val="251324386"/>
+        <p14:creationId xmlns:p14="http://schemas.microsoft.com/office/powerpoint/2010/main" val="1132770306"/>
       </p:ext>
     </p:extLst>
   </p:cSld>
@@ -7587,17 +7587,20 @@
               <a:rPr lang="ko-KR" altLang="en-US" dirty="0"/>
               <a:t>이 아닌 언어로 구현한 인공지능</a:t>
             </a:r>
-            <a:endParaRPr lang="en-US" altLang="ko-KR" dirty="0"/>
+            <a:r>
+              <a:rPr lang="en-US" altLang="ko-KR" dirty="0"/>
+              <a:t>,</a:t>
+            </a:r>
           </a:p>
           <a:p>
             <a:pPr marL="101600" indent="0" algn="ctr">
               <a:buNone/>
             </a:pPr>
             <a:r>
-              <a:rPr lang="ko-KR" altLang="en-US" dirty="0"/>
-              <a:t>등 기타 학부생 수준 이상의 것들</a:t>
+              <a:rPr lang="ko-KR" altLang="en-US" sz="1600" dirty="0"/>
+              <a:t>이 밖에 기타 학부생 수준 이상의 것들</a:t>
             </a:r>
-            <a:endParaRPr lang="en-US" altLang="ko-KR" dirty="0"/>
+            <a:endParaRPr lang="en-US" altLang="ko-KR" sz="1600" dirty="0"/>
           </a:p>
         </p:txBody>
       </p:sp>
@@ -7715,254 +7718,89 @@
           </a:p>
         </p:txBody>
       </p:sp>
-      <p:graphicFrame>
-        <p:nvGraphicFramePr>
-          <p:cNvPr id="2" name="표 3">
+      <p:pic>
+        <p:nvPicPr>
+          <p:cNvPr id="3" name="그림 2">
             <a:extLst>
               <a:ext uri="{FF2B5EF4-FFF2-40B4-BE49-F238E27FC236}">
-                <a16:creationId xmlns:a16="http://schemas.microsoft.com/office/drawing/2014/main" id="{9EA7405A-8B1D-43FB-90A5-53F16EEAF635}"/>
+                <a16:creationId xmlns:a16="http://schemas.microsoft.com/office/drawing/2014/main" id="{85460135-0BB5-44FE-B9FB-0EDE141B90FF}"/>
               </a:ext>
             </a:extLst>
           </p:cNvPr>
-          <p:cNvGraphicFramePr>
-            <a:graphicFrameLocks noGrp="1"/>
-          </p:cNvGraphicFramePr>
+          <p:cNvPicPr>
+            <a:picLocks noChangeAspect="1"/>
+          </p:cNvPicPr>
+          <p:nvPr/>
+        </p:nvPicPr>
+        <p:blipFill>
+          <a:blip r:embed="rId3"/>
+          <a:stretch>
+            <a:fillRect/>
+          </a:stretch>
+        </p:blipFill>
+        <p:spPr>
+          <a:xfrm>
+            <a:off x="2602225" y="1119567"/>
+            <a:ext cx="3939549" cy="3300271"/>
+          </a:xfrm>
+          <a:prstGeom prst="rect">
+            <a:avLst/>
+          </a:prstGeom>
+        </p:spPr>
+      </p:pic>
+      <p:sp>
+        <p:nvSpPr>
+          <p:cNvPr id="7" name="텍스트 개체 틀 2">
+            <a:extLst>
+              <a:ext uri="{FF2B5EF4-FFF2-40B4-BE49-F238E27FC236}">
+                <a16:creationId xmlns:a16="http://schemas.microsoft.com/office/drawing/2014/main" id="{46EF71AC-E201-43EF-8ADE-9F2BF76A962C}"/>
+              </a:ext>
+            </a:extLst>
+          </p:cNvPr>
+          <p:cNvSpPr>
+            <a:spLocks noGrp="1"/>
+          </p:cNvSpPr>
           <p:nvPr>
-            <p:extLst>
-              <p:ext uri="{D42A27DB-BD31-4B8C-83A1-F6EECF244321}">
-                <p14:modId xmlns:p14="http://schemas.microsoft.com/office/powerpoint/2010/main" val="3873948404"/>
-              </p:ext>
-            </p:extLst>
+            <p:ph type="body" idx="1"/>
           </p:nvPr>
-        </p:nvGraphicFramePr>
-        <p:xfrm>
-          <a:off x="1524000" y="1340736"/>
-          <a:ext cx="6096000" cy="2225040"/>
-        </p:xfrm>
-        <a:graphic>
-          <a:graphicData uri="http://schemas.openxmlformats.org/drawingml/2006/table">
-            <a:tbl>
-              <a:tblPr firstRow="1" bandRow="1">
-                <a:tableStyleId>{16CA9747-73E5-408A-9015-8839BE04CEA3}</a:tableStyleId>
-              </a:tblPr>
-              <a:tblGrid>
-                <a:gridCol w="1722474">
-                  <a:extLst>
-                    <a:ext uri="{9D8B030D-6E8A-4147-A177-3AD203B41FA5}">
-                      <a16:colId xmlns:a16="http://schemas.microsoft.com/office/drawing/2014/main" val="3971924031"/>
-                    </a:ext>
-                  </a:extLst>
-                </a:gridCol>
-                <a:gridCol w="4373526">
-                  <a:extLst>
-                    <a:ext uri="{9D8B030D-6E8A-4147-A177-3AD203B41FA5}">
-                      <a16:colId xmlns:a16="http://schemas.microsoft.com/office/drawing/2014/main" val="789066998"/>
-                    </a:ext>
-                  </a:extLst>
-                </a:gridCol>
-              </a:tblGrid>
-              <a:tr h="370840">
-                <a:tc>
-                  <a:txBody>
-                    <a:bodyPr/>
-                    <a:lstStyle/>
-                    <a:p>
-                      <a:pPr latinLnBrk="1"/>
-                      <a:r>
-                        <a:rPr lang="en-US" altLang="ko-KR" dirty="0"/>
-                        <a:t>10/26</a:t>
-                      </a:r>
-                      <a:endParaRPr lang="ko-KR" altLang="en-US" dirty="0"/>
-                    </a:p>
-                  </a:txBody>
-                  <a:tcPr/>
-                </a:tc>
-                <a:tc>
-                  <a:txBody>
-                    <a:bodyPr/>
-                    <a:lstStyle/>
-                    <a:p>
-                      <a:pPr latinLnBrk="1"/>
-                      <a:endParaRPr lang="ko-KR" altLang="en-US" dirty="0"/>
-                    </a:p>
-                  </a:txBody>
-                  <a:tcPr/>
-                </a:tc>
-                <a:extLst>
-                  <a:ext uri="{0D108BD9-81ED-4DB2-BD59-A6C34878D82A}">
-                    <a16:rowId xmlns:a16="http://schemas.microsoft.com/office/drawing/2014/main" val="289300850"/>
-                  </a:ext>
-                </a:extLst>
-              </a:tr>
-              <a:tr h="370840">
-                <a:tc>
-                  <a:txBody>
-                    <a:bodyPr/>
-                    <a:lstStyle/>
-                    <a:p>
-                      <a:pPr latinLnBrk="1"/>
-                      <a:r>
-                        <a:rPr lang="en-US" altLang="ko-KR" dirty="0"/>
-                        <a:t>10/27</a:t>
-                      </a:r>
-                      <a:endParaRPr lang="ko-KR" altLang="en-US" dirty="0"/>
-                    </a:p>
-                  </a:txBody>
-                  <a:tcPr/>
-                </a:tc>
-                <a:tc>
-                  <a:txBody>
-                    <a:bodyPr/>
-                    <a:lstStyle/>
-                    <a:p>
-                      <a:pPr latinLnBrk="1"/>
-                      <a:endParaRPr lang="ko-KR" altLang="en-US" dirty="0"/>
-                    </a:p>
-                  </a:txBody>
-                  <a:tcPr/>
-                </a:tc>
-                <a:extLst>
-                  <a:ext uri="{0D108BD9-81ED-4DB2-BD59-A6C34878D82A}">
-                    <a16:rowId xmlns:a16="http://schemas.microsoft.com/office/drawing/2014/main" val="1073877754"/>
-                  </a:ext>
-                </a:extLst>
-              </a:tr>
-              <a:tr h="370840">
-                <a:tc>
-                  <a:txBody>
-                    <a:bodyPr/>
-                    <a:lstStyle/>
-                    <a:p>
-                      <a:pPr latinLnBrk="1"/>
-                      <a:r>
-                        <a:rPr lang="en-US" altLang="ko-KR" dirty="0"/>
-                        <a:t>10/28</a:t>
-                      </a:r>
-                      <a:endParaRPr lang="ko-KR" altLang="en-US" dirty="0"/>
-                    </a:p>
-                  </a:txBody>
-                  <a:tcPr/>
-                </a:tc>
-                <a:tc>
-                  <a:txBody>
-                    <a:bodyPr/>
-                    <a:lstStyle/>
-                    <a:p>
-                      <a:pPr latinLnBrk="1"/>
-                      <a:endParaRPr lang="ko-KR" altLang="en-US" dirty="0"/>
-                    </a:p>
-                  </a:txBody>
-                  <a:tcPr/>
-                </a:tc>
-                <a:extLst>
-                  <a:ext uri="{0D108BD9-81ED-4DB2-BD59-A6C34878D82A}">
-                    <a16:rowId xmlns:a16="http://schemas.microsoft.com/office/drawing/2014/main" val="2684641245"/>
-                  </a:ext>
-                </a:extLst>
-              </a:tr>
-              <a:tr h="370840">
-                <a:tc>
-                  <a:txBody>
-                    <a:bodyPr/>
-                    <a:lstStyle/>
-                    <a:p>
-                      <a:pPr latinLnBrk="1"/>
-                      <a:r>
-                        <a:rPr lang="en-US" altLang="ko-KR" dirty="0"/>
-                        <a:t>10/29</a:t>
-                      </a:r>
-                      <a:endParaRPr lang="ko-KR" altLang="en-US" dirty="0"/>
-                    </a:p>
-                  </a:txBody>
-                  <a:tcPr/>
-                </a:tc>
-                <a:tc>
-                  <a:txBody>
-                    <a:bodyPr/>
-                    <a:lstStyle/>
-                    <a:p>
-                      <a:pPr latinLnBrk="1"/>
-                      <a:endParaRPr lang="ko-KR" altLang="en-US" dirty="0"/>
-                    </a:p>
-                  </a:txBody>
-                  <a:tcPr/>
-                </a:tc>
-                <a:extLst>
-                  <a:ext uri="{0D108BD9-81ED-4DB2-BD59-A6C34878D82A}">
-                    <a16:rowId xmlns:a16="http://schemas.microsoft.com/office/drawing/2014/main" val="4051030647"/>
-                  </a:ext>
-                </a:extLst>
-              </a:tr>
-              <a:tr h="370840">
-                <a:tc>
-                  <a:txBody>
-                    <a:bodyPr/>
-                    <a:lstStyle/>
-                    <a:p>
-                      <a:pPr latinLnBrk="1"/>
-                      <a:r>
-                        <a:rPr lang="en-US" altLang="ko-KR" dirty="0"/>
-                        <a:t>10/30</a:t>
-                      </a:r>
-                      <a:endParaRPr lang="ko-KR" altLang="en-US" dirty="0"/>
-                    </a:p>
-                  </a:txBody>
-                  <a:tcPr/>
-                </a:tc>
-                <a:tc>
-                  <a:txBody>
-                    <a:bodyPr/>
-                    <a:lstStyle/>
-                    <a:p>
-                      <a:pPr latinLnBrk="1"/>
-                      <a:endParaRPr lang="ko-KR" altLang="en-US" dirty="0"/>
-                    </a:p>
-                  </a:txBody>
-                  <a:tcPr/>
-                </a:tc>
-                <a:extLst>
-                  <a:ext uri="{0D108BD9-81ED-4DB2-BD59-A6C34878D82A}">
-                    <a16:rowId xmlns:a16="http://schemas.microsoft.com/office/drawing/2014/main" val="930060640"/>
-                  </a:ext>
-                </a:extLst>
-              </a:tr>
-              <a:tr h="370840">
-                <a:tc>
-                  <a:txBody>
-                    <a:bodyPr/>
-                    <a:lstStyle/>
-                    <a:p>
-                      <a:pPr latinLnBrk="1"/>
-                      <a:r>
-                        <a:rPr lang="en-US" altLang="ko-KR" dirty="0"/>
-                        <a:t>10/31</a:t>
-                      </a:r>
-                      <a:endParaRPr lang="ko-KR" altLang="en-US" dirty="0"/>
-                    </a:p>
-                  </a:txBody>
-                  <a:tcPr/>
-                </a:tc>
-                <a:tc>
-                  <a:txBody>
-                    <a:bodyPr/>
-                    <a:lstStyle/>
-                    <a:p>
-                      <a:pPr latinLnBrk="1"/>
-                      <a:endParaRPr lang="ko-KR" altLang="en-US" dirty="0"/>
-                    </a:p>
-                  </a:txBody>
-                  <a:tcPr/>
-                </a:tc>
-                <a:extLst>
-                  <a:ext uri="{0D108BD9-81ED-4DB2-BD59-A6C34878D82A}">
-                    <a16:rowId xmlns:a16="http://schemas.microsoft.com/office/drawing/2014/main" val="2478566668"/>
-                  </a:ext>
-                </a:extLst>
-              </a:tr>
-            </a:tbl>
-          </a:graphicData>
-        </a:graphic>
-      </p:graphicFrame>
+        </p:nvSpPr>
+        <p:spPr>
+          <a:xfrm>
+            <a:off x="324411" y="4543987"/>
+            <a:ext cx="6159516" cy="269451"/>
+          </a:xfrm>
+        </p:spPr>
+        <p:txBody>
+          <a:bodyPr/>
+          <a:lstStyle/>
+          <a:p>
+            <a:pPr marL="101600" indent="0" algn="ctr">
+              <a:buNone/>
+            </a:pPr>
+            <a:r>
+              <a:rPr lang="ko-KR" altLang="en-US" sz="1200" dirty="0"/>
+              <a:t>이 날 모두 해당 컨텐츠를 모두 알려드리겠다는 게 아닌</a:t>
+            </a:r>
+            <a:r>
+              <a:rPr lang="en-US" altLang="ko-KR" sz="1200" dirty="0"/>
+              <a:t>, </a:t>
+            </a:r>
+            <a:r>
+              <a:rPr lang="ko-KR" altLang="en-US" sz="1200" dirty="0"/>
+              <a:t>알려드릴 수 있는 </a:t>
+            </a:r>
+            <a:r>
+              <a:rPr lang="en-US" altLang="ko-KR" sz="1200" dirty="0"/>
+              <a:t>Maximum </a:t>
+            </a:r>
+            <a:r>
+              <a:rPr lang="ko-KR" altLang="en-US" sz="1200" dirty="0"/>
+              <a:t>양</a:t>
+            </a:r>
+            <a:endParaRPr lang="en-US" altLang="ko-KR" sz="1050" dirty="0"/>
+          </a:p>
+        </p:txBody>
+      </p:sp>
     </p:spTree>
     <p:extLst>
       <p:ext uri="{BB962C8B-B14F-4D97-AF65-F5344CB8AC3E}">
@@ -8029,15 +7867,7 @@
             </a:pPr>
             <a:r>
               <a:rPr lang="ko-KR" altLang="en-US" dirty="0"/>
-              <a:t>수업 전 미리 </a:t>
-            </a:r>
-            <a:r>
-              <a:rPr lang="ko-KR" altLang="en-US" dirty="0" err="1"/>
-              <a:t>준비하셔야</a:t>
-            </a:r>
-            <a:r>
-              <a:rPr lang="ko-KR" altLang="en-US" dirty="0"/>
-              <a:t> 할 것들</a:t>
+              <a:t>자세한 커리큘럼</a:t>
             </a:r>
             <a:endParaRPr dirty="0"/>
           </a:p>
@@ -8085,12 +7915,42 @@
           </a:p>
         </p:txBody>
       </p:sp>
+      <p:pic>
+        <p:nvPicPr>
+          <p:cNvPr id="4" name="그림 3">
+            <a:extLst>
+              <a:ext uri="{FF2B5EF4-FFF2-40B4-BE49-F238E27FC236}">
+                <a16:creationId xmlns:a16="http://schemas.microsoft.com/office/drawing/2014/main" id="{35546415-D2D8-42B6-8062-EB4F9BD5676A}"/>
+              </a:ext>
+            </a:extLst>
+          </p:cNvPr>
+          <p:cNvPicPr>
+            <a:picLocks noChangeAspect="1"/>
+          </p:cNvPicPr>
+          <p:nvPr/>
+        </p:nvPicPr>
+        <p:blipFill>
+          <a:blip r:embed="rId3"/>
+          <a:stretch>
+            <a:fillRect/>
+          </a:stretch>
+        </p:blipFill>
+        <p:spPr>
+          <a:xfrm>
+            <a:off x="1955340" y="1208542"/>
+            <a:ext cx="5233320" cy="2590176"/>
+          </a:xfrm>
+          <a:prstGeom prst="rect">
+            <a:avLst/>
+          </a:prstGeom>
+        </p:spPr>
+      </p:pic>
       <p:sp>
         <p:nvSpPr>
-          <p:cNvPr id="5" name="텍스트 개체 틀 2">
+          <p:cNvPr id="7" name="텍스트 개체 틀 2">
             <a:extLst>
               <a:ext uri="{FF2B5EF4-FFF2-40B4-BE49-F238E27FC236}">
-                <a16:creationId xmlns:a16="http://schemas.microsoft.com/office/drawing/2014/main" id="{82155287-8E74-4D5D-B2D1-FE0255B51F79}"/>
+                <a16:creationId xmlns:a16="http://schemas.microsoft.com/office/drawing/2014/main" id="{896F1271-E447-4C82-BE23-7D259EED6760}"/>
               </a:ext>
             </a:extLst>
           </p:cNvPr>
@@ -8103,8 +7963,8 @@
         </p:nvSpPr>
         <p:spPr>
           <a:xfrm>
-            <a:off x="1251600" y="782818"/>
-            <a:ext cx="6640800" cy="3067500"/>
+            <a:off x="324411" y="4543987"/>
+            <a:ext cx="6159516" cy="269451"/>
           </a:xfrm>
         </p:spPr>
         <p:txBody>
@@ -8115,29 +7975,33 @@
               <a:buNone/>
             </a:pPr>
             <a:r>
-              <a:rPr lang="en-US" altLang="ko-KR" dirty="0"/>
-              <a:t>Git,</a:t>
+              <a:rPr lang="ko-KR" altLang="en-US" sz="1200" dirty="0"/>
+              <a:t>이 날 모두 해당 컨텐츠를 모두 알려드리겠다는 게 아닌</a:t>
             </a:r>
             <a:r>
-              <a:rPr lang="ko-KR" altLang="en-US" dirty="0"/>
-              <a:t> </a:t>
+              <a:rPr lang="en-US" altLang="ko-KR" sz="1200" dirty="0"/>
+              <a:t>, </a:t>
             </a:r>
             <a:r>
-              <a:rPr lang="en-US" altLang="ko-KR" dirty="0"/>
-              <a:t>python, google </a:t>
+              <a:rPr lang="ko-KR" altLang="en-US" sz="1200" dirty="0"/>
+              <a:t>알려드릴 수 있는 </a:t>
             </a:r>
             <a:r>
-              <a:rPr lang="en-US" altLang="ko-KR" dirty="0" err="1"/>
-              <a:t>colab</a:t>
+              <a:rPr lang="en-US" altLang="ko-KR" sz="1200" dirty="0"/>
+              <a:t>Maximum </a:t>
             </a:r>
-            <a:endParaRPr lang="ko-KR" altLang="en-US" dirty="0"/>
+            <a:r>
+              <a:rPr lang="ko-KR" altLang="en-US" sz="1200" dirty="0"/>
+              <a:t>양</a:t>
+            </a:r>
+            <a:endParaRPr lang="en-US" altLang="ko-KR" sz="1050" dirty="0"/>
           </a:p>
         </p:txBody>
       </p:sp>
     </p:spTree>
     <p:extLst>
       <p:ext uri="{BB962C8B-B14F-4D97-AF65-F5344CB8AC3E}">
-        <p14:creationId xmlns:p14="http://schemas.microsoft.com/office/powerpoint/2010/main" val="3580483461"/>
+        <p14:creationId xmlns:p14="http://schemas.microsoft.com/office/powerpoint/2010/main" val="550790229"/>
       </p:ext>
     </p:extLst>
   </p:cSld>
@@ -8200,7 +8064,7 @@
             </a:pPr>
             <a:r>
               <a:rPr lang="ko-KR" altLang="en-US" dirty="0"/>
-              <a:t>강의 자료 및 문의사항</a:t>
+              <a:t>자세한 커리큘럼</a:t>
             </a:r>
             <a:endParaRPr dirty="0"/>
           </a:p>
@@ -8248,12 +8112,42 @@
           </a:p>
         </p:txBody>
       </p:sp>
+      <p:pic>
+        <p:nvPicPr>
+          <p:cNvPr id="3" name="그림 2">
+            <a:extLst>
+              <a:ext uri="{FF2B5EF4-FFF2-40B4-BE49-F238E27FC236}">
+                <a16:creationId xmlns:a16="http://schemas.microsoft.com/office/drawing/2014/main" id="{AEA4C156-21C9-4D37-8C24-ABADDD780156}"/>
+              </a:ext>
+            </a:extLst>
+          </p:cNvPr>
+          <p:cNvPicPr>
+            <a:picLocks noChangeAspect="1"/>
+          </p:cNvPicPr>
+          <p:nvPr/>
+        </p:nvPicPr>
+        <p:blipFill>
+          <a:blip r:embed="rId3"/>
+          <a:stretch>
+            <a:fillRect/>
+          </a:stretch>
+        </p:blipFill>
+        <p:spPr>
+          <a:xfrm>
+            <a:off x="2181243" y="1100906"/>
+            <a:ext cx="4781513" cy="3205995"/>
+          </a:xfrm>
+          <a:prstGeom prst="rect">
+            <a:avLst/>
+          </a:prstGeom>
+        </p:spPr>
+      </p:pic>
       <p:sp>
         <p:nvSpPr>
-          <p:cNvPr id="5" name="텍스트 개체 틀 2">
+          <p:cNvPr id="7" name="텍스트 개체 틀 2">
             <a:extLst>
               <a:ext uri="{FF2B5EF4-FFF2-40B4-BE49-F238E27FC236}">
-                <a16:creationId xmlns:a16="http://schemas.microsoft.com/office/drawing/2014/main" id="{82155287-8E74-4D5D-B2D1-FE0255B51F79}"/>
+                <a16:creationId xmlns:a16="http://schemas.microsoft.com/office/drawing/2014/main" id="{AB33746A-7345-46C3-B63B-B8FCDE88225B}"/>
               </a:ext>
             </a:extLst>
           </p:cNvPr>
@@ -8266,8 +8160,8 @@
         </p:nvSpPr>
         <p:spPr>
           <a:xfrm>
-            <a:off x="1251600" y="782818"/>
-            <a:ext cx="6640800" cy="3067500"/>
+            <a:off x="324411" y="4543987"/>
+            <a:ext cx="6159516" cy="269451"/>
           </a:xfrm>
         </p:spPr>
         <p:txBody>
@@ -8278,17 +8172,33 @@
               <a:buNone/>
             </a:pPr>
             <a:r>
-              <a:rPr lang="en-US" altLang="ko-KR" dirty="0"/>
-              <a:t>tegongkang@gmail.com</a:t>
+              <a:rPr lang="ko-KR" altLang="en-US" sz="1200" dirty="0"/>
+              <a:t>이 날 모두 해당 컨텐츠를 모두 알려드리겠다는 게 아닌</a:t>
             </a:r>
-            <a:endParaRPr lang="ko-KR" altLang="en-US" dirty="0"/>
+            <a:r>
+              <a:rPr lang="en-US" altLang="ko-KR" sz="1200" dirty="0"/>
+              <a:t>, </a:t>
+            </a:r>
+            <a:r>
+              <a:rPr lang="ko-KR" altLang="en-US" sz="1200" dirty="0"/>
+              <a:t>알려드릴 수 있는 </a:t>
+            </a:r>
+            <a:r>
+              <a:rPr lang="en-US" altLang="ko-KR" sz="1200" dirty="0"/>
+              <a:t>Maximum </a:t>
+            </a:r>
+            <a:r>
+              <a:rPr lang="ko-KR" altLang="en-US" sz="1200" dirty="0"/>
+              <a:t>양</a:t>
+            </a:r>
+            <a:endParaRPr lang="en-US" altLang="ko-KR" sz="1050" dirty="0"/>
           </a:p>
         </p:txBody>
       </p:sp>
     </p:spTree>
     <p:extLst>
       <p:ext uri="{BB962C8B-B14F-4D97-AF65-F5344CB8AC3E}">
-        <p14:creationId xmlns:p14="http://schemas.microsoft.com/office/powerpoint/2010/main" val="1372666067"/>
+        <p14:creationId xmlns:p14="http://schemas.microsoft.com/office/powerpoint/2010/main" val="2926914513"/>
       </p:ext>
     </p:extLst>
   </p:cSld>
@@ -8351,15 +8261,15 @@
             </a:pPr>
             <a:r>
               <a:rPr lang="ko-KR" altLang="en-US" dirty="0"/>
-              <a:t>미리</a:t>
+              <a:t>수업 전 미리 </a:t>
             </a:r>
             <a:r>
-              <a:rPr lang="en-US" altLang="ko-KR" dirty="0"/>
-              <a:t> </a:t>
+              <a:rPr lang="ko-KR" altLang="en-US" dirty="0" err="1"/>
+              <a:t>준비하셔야</a:t>
             </a:r>
             <a:r>
               <a:rPr lang="ko-KR" altLang="en-US" dirty="0"/>
-              <a:t>드리는 공지</a:t>
+              <a:t> 할 것들</a:t>
             </a:r>
             <a:endParaRPr dirty="0"/>
           </a:p>
@@ -8409,593 +8319,57 @@
       </p:sp>
       <p:sp>
         <p:nvSpPr>
-          <p:cNvPr id="7" name="Google Shape;74;p15">
+          <p:cNvPr id="5" name="텍스트 개체 틀 2">
             <a:extLst>
               <a:ext uri="{FF2B5EF4-FFF2-40B4-BE49-F238E27FC236}">
-                <a16:creationId xmlns:a16="http://schemas.microsoft.com/office/drawing/2014/main" id="{A9438187-2317-4278-B597-92A738A18664}"/>
+                <a16:creationId xmlns:a16="http://schemas.microsoft.com/office/drawing/2014/main" id="{82155287-8E74-4D5D-B2D1-FE0255B51F79}"/>
               </a:ext>
             </a:extLst>
           </p:cNvPr>
-          <p:cNvSpPr txBox="1">
-            <a:spLocks/>
+          <p:cNvSpPr>
+            <a:spLocks noGrp="1"/>
           </p:cNvSpPr>
-          <p:nvPr/>
+          <p:nvPr>
+            <p:ph type="body" idx="1"/>
+          </p:nvPr>
         </p:nvSpPr>
         <p:spPr>
           <a:xfrm>
-            <a:off x="1619700" y="1221837"/>
-            <a:ext cx="5904600" cy="1159800"/>
+            <a:off x="1251600" y="782818"/>
+            <a:ext cx="6640800" cy="3067500"/>
           </a:xfrm>
-          <a:prstGeom prst="rect">
-            <a:avLst/>
-          </a:prstGeom>
-          <a:noFill/>
-          <a:ln>
-            <a:noFill/>
-          </a:ln>
         </p:spPr>
         <p:txBody>
-          <a:bodyPr spcFirstLastPara="1" wrap="square" lIns="91425" tIns="91425" rIns="91425" bIns="91425" anchor="b" anchorCtr="0">
-            <a:noAutofit/>
-          </a:bodyPr>
-          <a:lstStyle>
-            <a:defPPr marR="0" lvl="0" algn="l" rtl="0">
-              <a:lnSpc>
-                <a:spcPct val="100000"/>
-              </a:lnSpc>
-              <a:spcBef>
-                <a:spcPts val="0"/>
-              </a:spcBef>
-              <a:spcAft>
-                <a:spcPts val="0"/>
-              </a:spcAft>
-            </a:defPPr>
-            <a:lvl1pPr marR="0" lvl="0" algn="ctr" rtl="0">
-              <a:lnSpc>
-                <a:spcPct val="100000"/>
-              </a:lnSpc>
-              <a:spcBef>
-                <a:spcPts val="0"/>
-              </a:spcBef>
-              <a:spcAft>
-                <a:spcPts val="0"/>
-              </a:spcAft>
-              <a:buClr>
-                <a:schemeClr val="dk1"/>
-              </a:buClr>
-              <a:buSzPts val="1600"/>
-              <a:buFont typeface="Playfair Display"/>
-              <a:buNone/>
-              <a:defRPr sz="1600" b="0" i="0" u="none" strike="noStrike" cap="none">
-                <a:solidFill>
-                  <a:schemeClr val="dk1"/>
-                </a:solidFill>
-                <a:highlight>
-                  <a:srgbClr val="F3F3F3"/>
-                </a:highlight>
-                <a:latin typeface="Playfair Display"/>
-                <a:ea typeface="Playfair Display"/>
-                <a:cs typeface="Playfair Display"/>
-                <a:sym typeface="Playfair Display"/>
-              </a:defRPr>
-            </a:lvl1pPr>
-            <a:lvl2pPr marR="0" lvl="1" algn="ctr" rtl="0">
-              <a:lnSpc>
-                <a:spcPct val="100000"/>
-              </a:lnSpc>
-              <a:spcBef>
-                <a:spcPts val="0"/>
-              </a:spcBef>
-              <a:spcAft>
-                <a:spcPts val="0"/>
-              </a:spcAft>
-              <a:buClr>
-                <a:schemeClr val="dk1"/>
-              </a:buClr>
-              <a:buSzPts val="1600"/>
-              <a:buFont typeface="Playfair Display"/>
-              <a:buNone/>
-              <a:defRPr sz="1600" b="0" i="0" u="none" strike="noStrike" cap="none">
-                <a:solidFill>
-                  <a:schemeClr val="dk1"/>
-                </a:solidFill>
-                <a:latin typeface="Playfair Display"/>
-                <a:ea typeface="Playfair Display"/>
-                <a:cs typeface="Playfair Display"/>
-                <a:sym typeface="Playfair Display"/>
-              </a:defRPr>
-            </a:lvl2pPr>
-            <a:lvl3pPr marR="0" lvl="2" algn="ctr" rtl="0">
-              <a:lnSpc>
-                <a:spcPct val="100000"/>
-              </a:lnSpc>
-              <a:spcBef>
-                <a:spcPts val="0"/>
-              </a:spcBef>
-              <a:spcAft>
-                <a:spcPts val="0"/>
-              </a:spcAft>
-              <a:buClr>
-                <a:schemeClr val="dk1"/>
-              </a:buClr>
-              <a:buSzPts val="1600"/>
-              <a:buFont typeface="Playfair Display"/>
-              <a:buNone/>
-              <a:defRPr sz="1600" b="0" i="0" u="none" strike="noStrike" cap="none">
-                <a:solidFill>
-                  <a:schemeClr val="dk1"/>
-                </a:solidFill>
-                <a:latin typeface="Playfair Display"/>
-                <a:ea typeface="Playfair Display"/>
-                <a:cs typeface="Playfair Display"/>
-                <a:sym typeface="Playfair Display"/>
-              </a:defRPr>
-            </a:lvl3pPr>
-            <a:lvl4pPr marR="0" lvl="3" algn="ctr" rtl="0">
-              <a:lnSpc>
-                <a:spcPct val="100000"/>
-              </a:lnSpc>
-              <a:spcBef>
-                <a:spcPts val="0"/>
-              </a:spcBef>
-              <a:spcAft>
-                <a:spcPts val="0"/>
-              </a:spcAft>
-              <a:buClr>
-                <a:schemeClr val="dk1"/>
-              </a:buClr>
-              <a:buSzPts val="1600"/>
-              <a:buFont typeface="Playfair Display"/>
-              <a:buNone/>
-              <a:defRPr sz="1600" b="0" i="0" u="none" strike="noStrike" cap="none">
-                <a:solidFill>
-                  <a:schemeClr val="dk1"/>
-                </a:solidFill>
-                <a:latin typeface="Playfair Display"/>
-                <a:ea typeface="Playfair Display"/>
-                <a:cs typeface="Playfair Display"/>
-                <a:sym typeface="Playfair Display"/>
-              </a:defRPr>
-            </a:lvl4pPr>
-            <a:lvl5pPr marR="0" lvl="4" algn="ctr" rtl="0">
-              <a:lnSpc>
-                <a:spcPct val="100000"/>
-              </a:lnSpc>
-              <a:spcBef>
-                <a:spcPts val="0"/>
-              </a:spcBef>
-              <a:spcAft>
-                <a:spcPts val="0"/>
-              </a:spcAft>
-              <a:buClr>
-                <a:schemeClr val="dk1"/>
-              </a:buClr>
-              <a:buSzPts val="1600"/>
-              <a:buFont typeface="Playfair Display"/>
-              <a:buNone/>
-              <a:defRPr sz="1600" b="0" i="0" u="none" strike="noStrike" cap="none">
-                <a:solidFill>
-                  <a:schemeClr val="dk1"/>
-                </a:solidFill>
-                <a:latin typeface="Playfair Display"/>
-                <a:ea typeface="Playfair Display"/>
-                <a:cs typeface="Playfair Display"/>
-                <a:sym typeface="Playfair Display"/>
-              </a:defRPr>
-            </a:lvl5pPr>
-            <a:lvl6pPr marR="0" lvl="5" algn="ctr" rtl="0">
-              <a:lnSpc>
-                <a:spcPct val="100000"/>
-              </a:lnSpc>
-              <a:spcBef>
-                <a:spcPts val="0"/>
-              </a:spcBef>
-              <a:spcAft>
-                <a:spcPts val="0"/>
-              </a:spcAft>
-              <a:buClr>
-                <a:schemeClr val="dk1"/>
-              </a:buClr>
-              <a:buSzPts val="1600"/>
-              <a:buFont typeface="Playfair Display"/>
-              <a:buNone/>
-              <a:defRPr sz="1600" b="0" i="0" u="none" strike="noStrike" cap="none">
-                <a:solidFill>
-                  <a:schemeClr val="dk1"/>
-                </a:solidFill>
-                <a:latin typeface="Playfair Display"/>
-                <a:ea typeface="Playfair Display"/>
-                <a:cs typeface="Playfair Display"/>
-                <a:sym typeface="Playfair Display"/>
-              </a:defRPr>
-            </a:lvl6pPr>
-            <a:lvl7pPr marR="0" lvl="6" algn="ctr" rtl="0">
-              <a:lnSpc>
-                <a:spcPct val="100000"/>
-              </a:lnSpc>
-              <a:spcBef>
-                <a:spcPts val="0"/>
-              </a:spcBef>
-              <a:spcAft>
-                <a:spcPts val="0"/>
-              </a:spcAft>
-              <a:buClr>
-                <a:schemeClr val="dk1"/>
-              </a:buClr>
-              <a:buSzPts val="1600"/>
-              <a:buFont typeface="Playfair Display"/>
-              <a:buNone/>
-              <a:defRPr sz="1600" b="0" i="0" u="none" strike="noStrike" cap="none">
-                <a:solidFill>
-                  <a:schemeClr val="dk1"/>
-                </a:solidFill>
-                <a:latin typeface="Playfair Display"/>
-                <a:ea typeface="Playfair Display"/>
-                <a:cs typeface="Playfair Display"/>
-                <a:sym typeface="Playfair Display"/>
-              </a:defRPr>
-            </a:lvl7pPr>
-            <a:lvl8pPr marR="0" lvl="7" algn="ctr" rtl="0">
-              <a:lnSpc>
-                <a:spcPct val="100000"/>
-              </a:lnSpc>
-              <a:spcBef>
-                <a:spcPts val="0"/>
-              </a:spcBef>
-              <a:spcAft>
-                <a:spcPts val="0"/>
-              </a:spcAft>
-              <a:buClr>
-                <a:schemeClr val="dk1"/>
-              </a:buClr>
-              <a:buSzPts val="1600"/>
-              <a:buFont typeface="Playfair Display"/>
-              <a:buNone/>
-              <a:defRPr sz="1600" b="0" i="0" u="none" strike="noStrike" cap="none">
-                <a:solidFill>
-                  <a:schemeClr val="dk1"/>
-                </a:solidFill>
-                <a:latin typeface="Playfair Display"/>
-                <a:ea typeface="Playfair Display"/>
-                <a:cs typeface="Playfair Display"/>
-                <a:sym typeface="Playfair Display"/>
-              </a:defRPr>
-            </a:lvl8pPr>
-            <a:lvl9pPr marR="0" lvl="8" algn="ctr" rtl="0">
-              <a:lnSpc>
-                <a:spcPct val="100000"/>
-              </a:lnSpc>
-              <a:spcBef>
-                <a:spcPts val="0"/>
-              </a:spcBef>
-              <a:spcAft>
-                <a:spcPts val="0"/>
-              </a:spcAft>
-              <a:buClr>
-                <a:schemeClr val="dk1"/>
-              </a:buClr>
-              <a:buSzPts val="1600"/>
-              <a:buFont typeface="Playfair Display"/>
-              <a:buNone/>
-              <a:defRPr sz="1600" b="0" i="0" u="none" strike="noStrike" cap="none">
-                <a:solidFill>
-                  <a:schemeClr val="dk1"/>
-                </a:solidFill>
-                <a:latin typeface="Playfair Display"/>
-                <a:ea typeface="Playfair Display"/>
-                <a:cs typeface="Playfair Display"/>
-                <a:sym typeface="Playfair Display"/>
-              </a:defRPr>
-            </a:lvl9pPr>
-          </a:lstStyle>
+          <a:bodyPr/>
+          <a:lstStyle/>
           <a:p>
+            <a:pPr marL="101600" indent="0" algn="ctr">
+              <a:buNone/>
+            </a:pPr>
             <a:r>
-              <a:rPr lang="ko-KR" altLang="en-US" sz="2400" dirty="0">
-                <a:solidFill>
-                  <a:srgbClr val="FF0000"/>
-                </a:solidFill>
-              </a:rPr>
-              <a:t>수학</a:t>
+              <a:rPr lang="en-US" altLang="ko-KR" dirty="0"/>
+              <a:t>Git,</a:t>
             </a:r>
             <a:r>
-              <a:rPr lang="en-US" altLang="ko-KR" sz="2400" dirty="0">
-                <a:solidFill>
-                  <a:srgbClr val="FF0000"/>
-                </a:solidFill>
-              </a:rPr>
-              <a:t>..</a:t>
+              <a:rPr lang="ko-KR" altLang="en-US" dirty="0"/>
+              <a:t> </a:t>
             </a:r>
-            <a:endParaRPr lang="ko-KR" altLang="en-US" sz="2400" dirty="0">
-              <a:solidFill>
-                <a:srgbClr val="FF0000"/>
-              </a:solidFill>
-            </a:endParaRPr>
-          </a:p>
-        </p:txBody>
-      </p:sp>
-      <p:sp>
-        <p:nvSpPr>
-          <p:cNvPr id="8" name="Google Shape;76;p15">
-            <a:extLst>
-              <a:ext uri="{FF2B5EF4-FFF2-40B4-BE49-F238E27FC236}">
-                <a16:creationId xmlns:a16="http://schemas.microsoft.com/office/drawing/2014/main" id="{6C017B13-5B9D-47AB-91D9-E74D9D0A3D45}"/>
-              </a:ext>
-            </a:extLst>
-          </p:cNvPr>
-          <p:cNvSpPr txBox="1">
-            <a:spLocks/>
-          </p:cNvSpPr>
-          <p:nvPr/>
-        </p:nvSpPr>
-        <p:spPr>
-          <a:xfrm>
-            <a:off x="4297650" y="4419838"/>
-            <a:ext cx="548700" cy="393600"/>
-          </a:xfrm>
-          <a:prstGeom prst="rect">
-            <a:avLst/>
-          </a:prstGeom>
-          <a:noFill/>
-          <a:ln>
-            <a:noFill/>
-          </a:ln>
-        </p:spPr>
-        <p:txBody>
-          <a:bodyPr spcFirstLastPara="1" wrap="square" lIns="91425" tIns="91425" rIns="91425" bIns="91425" anchor="b" anchorCtr="0">
-            <a:noAutofit/>
-          </a:bodyPr>
-          <a:lstStyle>
-            <a:defPPr marR="0" lvl="0" algn="l" rtl="0">
-              <a:lnSpc>
-                <a:spcPct val="100000"/>
-              </a:lnSpc>
-              <a:spcBef>
-                <a:spcPts val="0"/>
-              </a:spcBef>
-              <a:spcAft>
-                <a:spcPts val="0"/>
-              </a:spcAft>
-            </a:defPPr>
-            <a:lvl1pPr marR="0" lvl="0" algn="ctr" rtl="0">
-              <a:lnSpc>
-                <a:spcPct val="100000"/>
-              </a:lnSpc>
-              <a:spcBef>
-                <a:spcPts val="0"/>
-              </a:spcBef>
-              <a:spcAft>
-                <a:spcPts val="0"/>
-              </a:spcAft>
-              <a:buClr>
-                <a:srgbClr val="000000"/>
-              </a:buClr>
-              <a:buFont typeface="Arial"/>
-              <a:buNone/>
-              <a:defRPr sz="1100" b="0" i="0" u="none" strike="noStrike" cap="none">
-                <a:solidFill>
-                  <a:schemeClr val="accent3"/>
-                </a:solidFill>
-                <a:latin typeface="PT Serif"/>
-                <a:ea typeface="PT Serif"/>
-                <a:cs typeface="PT Serif"/>
-                <a:sym typeface="PT Serif"/>
-              </a:defRPr>
-            </a:lvl1pPr>
-            <a:lvl2pPr marR="0" lvl="1" algn="ctr" rtl="0">
-              <a:lnSpc>
-                <a:spcPct val="100000"/>
-              </a:lnSpc>
-              <a:spcBef>
-                <a:spcPts val="0"/>
-              </a:spcBef>
-              <a:spcAft>
-                <a:spcPts val="0"/>
-              </a:spcAft>
-              <a:buClr>
-                <a:srgbClr val="000000"/>
-              </a:buClr>
-              <a:buFont typeface="Arial"/>
-              <a:buNone/>
-              <a:defRPr sz="1100" b="0" i="0" u="none" strike="noStrike" cap="none">
-                <a:solidFill>
-                  <a:schemeClr val="accent3"/>
-                </a:solidFill>
-                <a:latin typeface="PT Serif"/>
-                <a:ea typeface="PT Serif"/>
-                <a:cs typeface="PT Serif"/>
-                <a:sym typeface="PT Serif"/>
-              </a:defRPr>
-            </a:lvl2pPr>
-            <a:lvl3pPr marR="0" lvl="2" algn="ctr" rtl="0">
-              <a:lnSpc>
-                <a:spcPct val="100000"/>
-              </a:lnSpc>
-              <a:spcBef>
-                <a:spcPts val="0"/>
-              </a:spcBef>
-              <a:spcAft>
-                <a:spcPts val="0"/>
-              </a:spcAft>
-              <a:buClr>
-                <a:srgbClr val="000000"/>
-              </a:buClr>
-              <a:buFont typeface="Arial"/>
-              <a:buNone/>
-              <a:defRPr sz="1100" b="0" i="0" u="none" strike="noStrike" cap="none">
-                <a:solidFill>
-                  <a:schemeClr val="accent3"/>
-                </a:solidFill>
-                <a:latin typeface="PT Serif"/>
-                <a:ea typeface="PT Serif"/>
-                <a:cs typeface="PT Serif"/>
-                <a:sym typeface="PT Serif"/>
-              </a:defRPr>
-            </a:lvl3pPr>
-            <a:lvl4pPr marR="0" lvl="3" algn="ctr" rtl="0">
-              <a:lnSpc>
-                <a:spcPct val="100000"/>
-              </a:lnSpc>
-              <a:spcBef>
-                <a:spcPts val="0"/>
-              </a:spcBef>
-              <a:spcAft>
-                <a:spcPts val="0"/>
-              </a:spcAft>
-              <a:buClr>
-                <a:srgbClr val="000000"/>
-              </a:buClr>
-              <a:buFont typeface="Arial"/>
-              <a:buNone/>
-              <a:defRPr sz="1100" b="0" i="0" u="none" strike="noStrike" cap="none">
-                <a:solidFill>
-                  <a:schemeClr val="accent3"/>
-                </a:solidFill>
-                <a:latin typeface="PT Serif"/>
-                <a:ea typeface="PT Serif"/>
-                <a:cs typeface="PT Serif"/>
-                <a:sym typeface="PT Serif"/>
-              </a:defRPr>
-            </a:lvl4pPr>
-            <a:lvl5pPr marR="0" lvl="4" algn="ctr" rtl="0">
-              <a:lnSpc>
-                <a:spcPct val="100000"/>
-              </a:lnSpc>
-              <a:spcBef>
-                <a:spcPts val="0"/>
-              </a:spcBef>
-              <a:spcAft>
-                <a:spcPts val="0"/>
-              </a:spcAft>
-              <a:buClr>
-                <a:srgbClr val="000000"/>
-              </a:buClr>
-              <a:buFont typeface="Arial"/>
-              <a:buNone/>
-              <a:defRPr sz="1100" b="0" i="0" u="none" strike="noStrike" cap="none">
-                <a:solidFill>
-                  <a:schemeClr val="accent3"/>
-                </a:solidFill>
-                <a:latin typeface="PT Serif"/>
-                <a:ea typeface="PT Serif"/>
-                <a:cs typeface="PT Serif"/>
-                <a:sym typeface="PT Serif"/>
-              </a:defRPr>
-            </a:lvl5pPr>
-            <a:lvl6pPr marR="0" lvl="5" algn="ctr" rtl="0">
-              <a:lnSpc>
-                <a:spcPct val="100000"/>
-              </a:lnSpc>
-              <a:spcBef>
-                <a:spcPts val="0"/>
-              </a:spcBef>
-              <a:spcAft>
-                <a:spcPts val="0"/>
-              </a:spcAft>
-              <a:buClr>
-                <a:srgbClr val="000000"/>
-              </a:buClr>
-              <a:buFont typeface="Arial"/>
-              <a:buNone/>
-              <a:defRPr sz="1100" b="0" i="0" u="none" strike="noStrike" cap="none">
-                <a:solidFill>
-                  <a:schemeClr val="accent3"/>
-                </a:solidFill>
-                <a:latin typeface="PT Serif"/>
-                <a:ea typeface="PT Serif"/>
-                <a:cs typeface="PT Serif"/>
-                <a:sym typeface="PT Serif"/>
-              </a:defRPr>
-            </a:lvl6pPr>
-            <a:lvl7pPr marR="0" lvl="6" algn="ctr" rtl="0">
-              <a:lnSpc>
-                <a:spcPct val="100000"/>
-              </a:lnSpc>
-              <a:spcBef>
-                <a:spcPts val="0"/>
-              </a:spcBef>
-              <a:spcAft>
-                <a:spcPts val="0"/>
-              </a:spcAft>
-              <a:buClr>
-                <a:srgbClr val="000000"/>
-              </a:buClr>
-              <a:buFont typeface="Arial"/>
-              <a:buNone/>
-              <a:defRPr sz="1100" b="0" i="0" u="none" strike="noStrike" cap="none">
-                <a:solidFill>
-                  <a:schemeClr val="accent3"/>
-                </a:solidFill>
-                <a:latin typeface="PT Serif"/>
-                <a:ea typeface="PT Serif"/>
-                <a:cs typeface="PT Serif"/>
-                <a:sym typeface="PT Serif"/>
-              </a:defRPr>
-            </a:lvl7pPr>
-            <a:lvl8pPr marR="0" lvl="7" algn="ctr" rtl="0">
-              <a:lnSpc>
-                <a:spcPct val="100000"/>
-              </a:lnSpc>
-              <a:spcBef>
-                <a:spcPts val="0"/>
-              </a:spcBef>
-              <a:spcAft>
-                <a:spcPts val="0"/>
-              </a:spcAft>
-              <a:buClr>
-                <a:srgbClr val="000000"/>
-              </a:buClr>
-              <a:buFont typeface="Arial"/>
-              <a:buNone/>
-              <a:defRPr sz="1100" b="0" i="0" u="none" strike="noStrike" cap="none">
-                <a:solidFill>
-                  <a:schemeClr val="accent3"/>
-                </a:solidFill>
-                <a:latin typeface="PT Serif"/>
-                <a:ea typeface="PT Serif"/>
-                <a:cs typeface="PT Serif"/>
-                <a:sym typeface="PT Serif"/>
-              </a:defRPr>
-            </a:lvl8pPr>
-            <a:lvl9pPr marR="0" lvl="8" algn="ctr" rtl="0">
-              <a:lnSpc>
-                <a:spcPct val="100000"/>
-              </a:lnSpc>
-              <a:spcBef>
-                <a:spcPts val="0"/>
-              </a:spcBef>
-              <a:spcAft>
-                <a:spcPts val="0"/>
-              </a:spcAft>
-              <a:buClr>
-                <a:srgbClr val="000000"/>
-              </a:buClr>
-              <a:buFont typeface="Arial"/>
-              <a:buNone/>
-              <a:defRPr sz="1100" b="0" i="0" u="none" strike="noStrike" cap="none">
-                <a:solidFill>
-                  <a:schemeClr val="accent3"/>
-                </a:solidFill>
-                <a:latin typeface="PT Serif"/>
-                <a:ea typeface="PT Serif"/>
-                <a:cs typeface="PT Serif"/>
-                <a:sym typeface="PT Serif"/>
-              </a:defRPr>
-            </a:lvl9pPr>
-          </a:lstStyle>
-          <a:p>
-            <a:fld id="{00000000-1234-1234-1234-123412341234}" type="slidenum">
-              <a:rPr lang="en" smtClean="0"/>
-              <a:pPr/>
-              <a:t>14</a:t>
-            </a:fld>
-            <a:endParaRPr lang="en"/>
+            <a:r>
+              <a:rPr lang="en-US" altLang="ko-KR" dirty="0"/>
+              <a:t>python, google </a:t>
+            </a:r>
+            <a:r>
+              <a:rPr lang="en-US" altLang="ko-KR" dirty="0" err="1"/>
+              <a:t>colab</a:t>
+            </a:r>
+            <a:endParaRPr lang="ko-KR" altLang="en-US" dirty="0"/>
           </a:p>
         </p:txBody>
       </p:sp>
     </p:spTree>
     <p:extLst>
       <p:ext uri="{BB962C8B-B14F-4D97-AF65-F5344CB8AC3E}">
-        <p14:creationId xmlns:p14="http://schemas.microsoft.com/office/powerpoint/2010/main" val="88639383"/>
+        <p14:creationId xmlns:p14="http://schemas.microsoft.com/office/powerpoint/2010/main" val="3580483461"/>
       </p:ext>
     </p:extLst>
   </p:cSld>
@@ -9058,15 +8432,7 @@
             </a:pPr>
             <a:r>
               <a:rPr lang="ko-KR" altLang="en-US" dirty="0"/>
-              <a:t>미리</a:t>
-            </a:r>
-            <a:r>
-              <a:rPr lang="en-US" altLang="ko-KR" dirty="0"/>
-              <a:t> </a:t>
-            </a:r>
-            <a:r>
-              <a:rPr lang="ko-KR" altLang="en-US" dirty="0"/>
-              <a:t>드리는 공지</a:t>
+              <a:t>강의 자료 및 문의사항</a:t>
             </a:r>
             <a:endParaRPr dirty="0"/>
           </a:p>
@@ -9116,756 +8482,45 @@
       </p:sp>
       <p:sp>
         <p:nvSpPr>
-          <p:cNvPr id="7" name="Google Shape;74;p15">
+          <p:cNvPr id="5" name="텍스트 개체 틀 2">
             <a:extLst>
               <a:ext uri="{FF2B5EF4-FFF2-40B4-BE49-F238E27FC236}">
-                <a16:creationId xmlns:a16="http://schemas.microsoft.com/office/drawing/2014/main" id="{A9438187-2317-4278-B597-92A738A18664}"/>
+                <a16:creationId xmlns:a16="http://schemas.microsoft.com/office/drawing/2014/main" id="{82155287-8E74-4D5D-B2D1-FE0255B51F79}"/>
               </a:ext>
             </a:extLst>
           </p:cNvPr>
-          <p:cNvSpPr txBox="1">
-            <a:spLocks/>
+          <p:cNvSpPr>
+            <a:spLocks noGrp="1"/>
           </p:cNvSpPr>
-          <p:nvPr/>
+          <p:nvPr>
+            <p:ph type="body" idx="1"/>
+          </p:nvPr>
         </p:nvSpPr>
         <p:spPr>
           <a:xfrm>
-            <a:off x="1619700" y="2571750"/>
-            <a:ext cx="5904600" cy="1159800"/>
+            <a:off x="1251600" y="782818"/>
+            <a:ext cx="6640800" cy="3067500"/>
           </a:xfrm>
-          <a:prstGeom prst="rect">
-            <a:avLst/>
-          </a:prstGeom>
-          <a:noFill/>
-          <a:ln>
-            <a:noFill/>
-          </a:ln>
         </p:spPr>
         <p:txBody>
-          <a:bodyPr spcFirstLastPara="1" wrap="square" lIns="91425" tIns="91425" rIns="91425" bIns="91425" anchor="b" anchorCtr="0">
-            <a:noAutofit/>
-          </a:bodyPr>
-          <a:lstStyle>
-            <a:defPPr marR="0" lvl="0" algn="l" rtl="0">
-              <a:lnSpc>
-                <a:spcPct val="100000"/>
-              </a:lnSpc>
-              <a:spcBef>
-                <a:spcPts val="0"/>
-              </a:spcBef>
-              <a:spcAft>
-                <a:spcPts val="0"/>
-              </a:spcAft>
-            </a:defPPr>
-            <a:lvl1pPr marR="0" lvl="0" algn="ctr" rtl="0">
-              <a:lnSpc>
-                <a:spcPct val="100000"/>
-              </a:lnSpc>
-              <a:spcBef>
-                <a:spcPts val="0"/>
-              </a:spcBef>
-              <a:spcAft>
-                <a:spcPts val="0"/>
-              </a:spcAft>
-              <a:buClr>
-                <a:schemeClr val="dk1"/>
-              </a:buClr>
-              <a:buSzPts val="1600"/>
-              <a:buFont typeface="Playfair Display"/>
-              <a:buNone/>
-              <a:defRPr sz="1600" b="0" i="0" u="none" strike="noStrike" cap="none">
-                <a:solidFill>
-                  <a:schemeClr val="dk1"/>
-                </a:solidFill>
-                <a:highlight>
-                  <a:srgbClr val="F3F3F3"/>
-                </a:highlight>
-                <a:latin typeface="Playfair Display"/>
-                <a:ea typeface="Playfair Display"/>
-                <a:cs typeface="Playfair Display"/>
-                <a:sym typeface="Playfair Display"/>
-              </a:defRPr>
-            </a:lvl1pPr>
-            <a:lvl2pPr marR="0" lvl="1" algn="ctr" rtl="0">
-              <a:lnSpc>
-                <a:spcPct val="100000"/>
-              </a:lnSpc>
-              <a:spcBef>
-                <a:spcPts val="0"/>
-              </a:spcBef>
-              <a:spcAft>
-                <a:spcPts val="0"/>
-              </a:spcAft>
-              <a:buClr>
-                <a:schemeClr val="dk1"/>
-              </a:buClr>
-              <a:buSzPts val="1600"/>
-              <a:buFont typeface="Playfair Display"/>
-              <a:buNone/>
-              <a:defRPr sz="1600" b="0" i="0" u="none" strike="noStrike" cap="none">
-                <a:solidFill>
-                  <a:schemeClr val="dk1"/>
-                </a:solidFill>
-                <a:latin typeface="Playfair Display"/>
-                <a:ea typeface="Playfair Display"/>
-                <a:cs typeface="Playfair Display"/>
-                <a:sym typeface="Playfair Display"/>
-              </a:defRPr>
-            </a:lvl2pPr>
-            <a:lvl3pPr marR="0" lvl="2" algn="ctr" rtl="0">
-              <a:lnSpc>
-                <a:spcPct val="100000"/>
-              </a:lnSpc>
-              <a:spcBef>
-                <a:spcPts val="0"/>
-              </a:spcBef>
-              <a:spcAft>
-                <a:spcPts val="0"/>
-              </a:spcAft>
-              <a:buClr>
-                <a:schemeClr val="dk1"/>
-              </a:buClr>
-              <a:buSzPts val="1600"/>
-              <a:buFont typeface="Playfair Display"/>
-              <a:buNone/>
-              <a:defRPr sz="1600" b="0" i="0" u="none" strike="noStrike" cap="none">
-                <a:solidFill>
-                  <a:schemeClr val="dk1"/>
-                </a:solidFill>
-                <a:latin typeface="Playfair Display"/>
-                <a:ea typeface="Playfair Display"/>
-                <a:cs typeface="Playfair Display"/>
-                <a:sym typeface="Playfair Display"/>
-              </a:defRPr>
-            </a:lvl3pPr>
-            <a:lvl4pPr marR="0" lvl="3" algn="ctr" rtl="0">
-              <a:lnSpc>
-                <a:spcPct val="100000"/>
-              </a:lnSpc>
-              <a:spcBef>
-                <a:spcPts val="0"/>
-              </a:spcBef>
-              <a:spcAft>
-                <a:spcPts val="0"/>
-              </a:spcAft>
-              <a:buClr>
-                <a:schemeClr val="dk1"/>
-              </a:buClr>
-              <a:buSzPts val="1600"/>
-              <a:buFont typeface="Playfair Display"/>
-              <a:buNone/>
-              <a:defRPr sz="1600" b="0" i="0" u="none" strike="noStrike" cap="none">
-                <a:solidFill>
-                  <a:schemeClr val="dk1"/>
-                </a:solidFill>
-                <a:latin typeface="Playfair Display"/>
-                <a:ea typeface="Playfair Display"/>
-                <a:cs typeface="Playfair Display"/>
-                <a:sym typeface="Playfair Display"/>
-              </a:defRPr>
-            </a:lvl4pPr>
-            <a:lvl5pPr marR="0" lvl="4" algn="ctr" rtl="0">
-              <a:lnSpc>
-                <a:spcPct val="100000"/>
-              </a:lnSpc>
-              <a:spcBef>
-                <a:spcPts val="0"/>
-              </a:spcBef>
-              <a:spcAft>
-                <a:spcPts val="0"/>
-              </a:spcAft>
-              <a:buClr>
-                <a:schemeClr val="dk1"/>
-              </a:buClr>
-              <a:buSzPts val="1600"/>
-              <a:buFont typeface="Playfair Display"/>
-              <a:buNone/>
-              <a:defRPr sz="1600" b="0" i="0" u="none" strike="noStrike" cap="none">
-                <a:solidFill>
-                  <a:schemeClr val="dk1"/>
-                </a:solidFill>
-                <a:latin typeface="Playfair Display"/>
-                <a:ea typeface="Playfair Display"/>
-                <a:cs typeface="Playfair Display"/>
-                <a:sym typeface="Playfair Display"/>
-              </a:defRPr>
-            </a:lvl5pPr>
-            <a:lvl6pPr marR="0" lvl="5" algn="ctr" rtl="0">
-              <a:lnSpc>
-                <a:spcPct val="100000"/>
-              </a:lnSpc>
-              <a:spcBef>
-                <a:spcPts val="0"/>
-              </a:spcBef>
-              <a:spcAft>
-                <a:spcPts val="0"/>
-              </a:spcAft>
-              <a:buClr>
-                <a:schemeClr val="dk1"/>
-              </a:buClr>
-              <a:buSzPts val="1600"/>
-              <a:buFont typeface="Playfair Display"/>
-              <a:buNone/>
-              <a:defRPr sz="1600" b="0" i="0" u="none" strike="noStrike" cap="none">
-                <a:solidFill>
-                  <a:schemeClr val="dk1"/>
-                </a:solidFill>
-                <a:latin typeface="Playfair Display"/>
-                <a:ea typeface="Playfair Display"/>
-                <a:cs typeface="Playfair Display"/>
-                <a:sym typeface="Playfair Display"/>
-              </a:defRPr>
-            </a:lvl6pPr>
-            <a:lvl7pPr marR="0" lvl="6" algn="ctr" rtl="0">
-              <a:lnSpc>
-                <a:spcPct val="100000"/>
-              </a:lnSpc>
-              <a:spcBef>
-                <a:spcPts val="0"/>
-              </a:spcBef>
-              <a:spcAft>
-                <a:spcPts val="0"/>
-              </a:spcAft>
-              <a:buClr>
-                <a:schemeClr val="dk1"/>
-              </a:buClr>
-              <a:buSzPts val="1600"/>
-              <a:buFont typeface="Playfair Display"/>
-              <a:buNone/>
-              <a:defRPr sz="1600" b="0" i="0" u="none" strike="noStrike" cap="none">
-                <a:solidFill>
-                  <a:schemeClr val="dk1"/>
-                </a:solidFill>
-                <a:latin typeface="Playfair Display"/>
-                <a:ea typeface="Playfair Display"/>
-                <a:cs typeface="Playfair Display"/>
-                <a:sym typeface="Playfair Display"/>
-              </a:defRPr>
-            </a:lvl7pPr>
-            <a:lvl8pPr marR="0" lvl="7" algn="ctr" rtl="0">
-              <a:lnSpc>
-                <a:spcPct val="100000"/>
-              </a:lnSpc>
-              <a:spcBef>
-                <a:spcPts val="0"/>
-              </a:spcBef>
-              <a:spcAft>
-                <a:spcPts val="0"/>
-              </a:spcAft>
-              <a:buClr>
-                <a:schemeClr val="dk1"/>
-              </a:buClr>
-              <a:buSzPts val="1600"/>
-              <a:buFont typeface="Playfair Display"/>
-              <a:buNone/>
-              <a:defRPr sz="1600" b="0" i="0" u="none" strike="noStrike" cap="none">
-                <a:solidFill>
-                  <a:schemeClr val="dk1"/>
-                </a:solidFill>
-                <a:latin typeface="Playfair Display"/>
-                <a:ea typeface="Playfair Display"/>
-                <a:cs typeface="Playfair Display"/>
-                <a:sym typeface="Playfair Display"/>
-              </a:defRPr>
-            </a:lvl8pPr>
-            <a:lvl9pPr marR="0" lvl="8" algn="ctr" rtl="0">
-              <a:lnSpc>
-                <a:spcPct val="100000"/>
-              </a:lnSpc>
-              <a:spcBef>
-                <a:spcPts val="0"/>
-              </a:spcBef>
-              <a:spcAft>
-                <a:spcPts val="0"/>
-              </a:spcAft>
-              <a:buClr>
-                <a:schemeClr val="dk1"/>
-              </a:buClr>
-              <a:buSzPts val="1600"/>
-              <a:buFont typeface="Playfair Display"/>
-              <a:buNone/>
-              <a:defRPr sz="1600" b="0" i="0" u="none" strike="noStrike" cap="none">
-                <a:solidFill>
-                  <a:schemeClr val="dk1"/>
-                </a:solidFill>
-                <a:latin typeface="Playfair Display"/>
-                <a:ea typeface="Playfair Display"/>
-                <a:cs typeface="Playfair Display"/>
-                <a:sym typeface="Playfair Display"/>
-              </a:defRPr>
-            </a:lvl9pPr>
-          </a:lstStyle>
+          <a:bodyPr/>
+          <a:lstStyle/>
           <a:p>
-            <a:r>
-              <a:rPr lang="ko-KR" altLang="en-US" sz="2400" dirty="0">
-                <a:solidFill>
-                  <a:schemeClr val="tx1"/>
-                </a:solidFill>
-              </a:rPr>
-              <a:t>이 강의에서 쓰이는 수학 지식</a:t>
-            </a:r>
-            <a:endParaRPr lang="en-US" altLang="ko-KR" sz="2400" dirty="0">
-              <a:solidFill>
-                <a:schemeClr val="tx1"/>
-              </a:solidFill>
-            </a:endParaRPr>
-          </a:p>
-          <a:p>
-            <a:endParaRPr lang="en-US" altLang="ko-KR" dirty="0">
-              <a:solidFill>
-                <a:schemeClr val="tx1"/>
-              </a:solidFill>
-            </a:endParaRPr>
-          </a:p>
-          <a:p>
-            <a:pPr>
-              <a:lnSpc>
-                <a:spcPct val="150000"/>
-              </a:lnSpc>
+            <a:pPr marL="101600" indent="0" algn="ctr">
+              <a:buNone/>
             </a:pPr>
             <a:r>
-              <a:rPr lang="ko-KR" altLang="en-US" dirty="0">
-                <a:solidFill>
-                  <a:schemeClr val="tx1"/>
-                </a:solidFill>
-              </a:rPr>
-              <a:t>미분</a:t>
+              <a:rPr lang="en-US" altLang="ko-KR" dirty="0"/>
+              <a:t>tegongkang@gmail.com</a:t>
             </a:r>
-            <a:r>
-              <a:rPr lang="en-US" altLang="ko-KR" dirty="0">
-                <a:solidFill>
-                  <a:schemeClr val="tx1"/>
-                </a:solidFill>
-              </a:rPr>
-              <a:t>(</a:t>
-            </a:r>
-            <a:r>
-              <a:rPr lang="ko-KR" altLang="en-US" dirty="0">
-                <a:solidFill>
-                  <a:schemeClr val="tx1"/>
-                </a:solidFill>
-              </a:rPr>
-              <a:t>미분의 개념</a:t>
-            </a:r>
-            <a:r>
-              <a:rPr lang="en-US" altLang="ko-KR" dirty="0">
-                <a:solidFill>
-                  <a:schemeClr val="tx1"/>
-                </a:solidFill>
-              </a:rPr>
-              <a:t>, </a:t>
-            </a:r>
-            <a:r>
-              <a:rPr lang="ko-KR" altLang="en-US" dirty="0">
-                <a:solidFill>
-                  <a:schemeClr val="tx1"/>
-                </a:solidFill>
-              </a:rPr>
-              <a:t>미분계수와 도함수</a:t>
-            </a:r>
-            <a:r>
-              <a:rPr lang="en-US" altLang="ko-KR" dirty="0">
-                <a:solidFill>
-                  <a:schemeClr val="tx1"/>
-                </a:solidFill>
-              </a:rPr>
-              <a:t>)</a:t>
-            </a:r>
-          </a:p>
-          <a:p>
-            <a:pPr>
-              <a:lnSpc>
-                <a:spcPct val="150000"/>
-              </a:lnSpc>
-            </a:pPr>
-            <a:r>
-              <a:rPr lang="en-US" altLang="ko-KR" dirty="0">
-                <a:solidFill>
-                  <a:schemeClr val="tx1"/>
-                </a:solidFill>
-              </a:rPr>
-              <a:t>3</a:t>
-            </a:r>
-            <a:r>
-              <a:rPr lang="ko-KR" altLang="en-US" dirty="0">
-                <a:solidFill>
-                  <a:schemeClr val="tx1"/>
-                </a:solidFill>
-              </a:rPr>
-              <a:t>차원 그래프 </a:t>
-            </a:r>
-            <a:r>
-              <a:rPr lang="en-US" altLang="ko-KR" dirty="0">
-                <a:solidFill>
-                  <a:schemeClr val="tx1"/>
-                </a:solidFill>
-              </a:rPr>
-              <a:t>(</a:t>
-            </a:r>
-            <a:r>
-              <a:rPr lang="ko-KR" altLang="en-US" dirty="0">
-                <a:solidFill>
-                  <a:schemeClr val="tx1"/>
-                </a:solidFill>
-              </a:rPr>
-              <a:t>그리는 건 아니고 읽는 정도</a:t>
-            </a:r>
-            <a:r>
-              <a:rPr lang="en-US" altLang="ko-KR" dirty="0">
-                <a:solidFill>
-                  <a:schemeClr val="tx1"/>
-                </a:solidFill>
-              </a:rPr>
-              <a:t>)</a:t>
-            </a:r>
-          </a:p>
-          <a:p>
-            <a:pPr>
-              <a:lnSpc>
-                <a:spcPct val="150000"/>
-              </a:lnSpc>
-            </a:pPr>
-            <a:r>
-              <a:rPr lang="ko-KR" altLang="en-US" dirty="0">
-                <a:solidFill>
-                  <a:schemeClr val="tx1"/>
-                </a:solidFill>
-              </a:rPr>
-              <a:t>선형대수 </a:t>
-            </a:r>
-            <a:r>
-              <a:rPr lang="en-US" altLang="ko-KR" dirty="0">
-                <a:solidFill>
-                  <a:schemeClr val="tx1"/>
-                </a:solidFill>
-              </a:rPr>
-              <a:t>(</a:t>
-            </a:r>
-            <a:r>
-              <a:rPr lang="ko-KR" altLang="en-US" dirty="0">
-                <a:solidFill>
-                  <a:schemeClr val="tx1"/>
-                </a:solidFill>
-              </a:rPr>
-              <a:t>행렬의 기본개념 </a:t>
-            </a:r>
-            <a:r>
-              <a:rPr lang="en-US" altLang="ko-KR" dirty="0">
-                <a:solidFill>
-                  <a:schemeClr val="tx1"/>
-                </a:solidFill>
-              </a:rPr>
-              <a:t>– </a:t>
-            </a:r>
-            <a:r>
-              <a:rPr lang="ko-KR" altLang="en-US" sz="900" dirty="0">
-                <a:solidFill>
-                  <a:schemeClr val="tx1"/>
-                </a:solidFill>
-              </a:rPr>
-              <a:t>교육과정에서 배우지 않으신 분들은 따로 설명드릴 예정</a:t>
-            </a:r>
-            <a:r>
-              <a:rPr lang="en-US" altLang="ko-KR" dirty="0">
-                <a:solidFill>
-                  <a:schemeClr val="tx1"/>
-                </a:solidFill>
-              </a:rPr>
-              <a:t>)</a:t>
-            </a:r>
-          </a:p>
-          <a:p>
-            <a:endParaRPr lang="ko-KR" altLang="en-US" sz="2400" dirty="0">
-              <a:solidFill>
-                <a:schemeClr val="tx1"/>
-              </a:solidFill>
-            </a:endParaRPr>
-          </a:p>
-        </p:txBody>
-      </p:sp>
-      <p:sp>
-        <p:nvSpPr>
-          <p:cNvPr id="8" name="Google Shape;76;p15">
-            <a:extLst>
-              <a:ext uri="{FF2B5EF4-FFF2-40B4-BE49-F238E27FC236}">
-                <a16:creationId xmlns:a16="http://schemas.microsoft.com/office/drawing/2014/main" id="{6C017B13-5B9D-47AB-91D9-E74D9D0A3D45}"/>
-              </a:ext>
-            </a:extLst>
-          </p:cNvPr>
-          <p:cNvSpPr txBox="1">
-            <a:spLocks/>
-          </p:cNvSpPr>
-          <p:nvPr/>
-        </p:nvSpPr>
-        <p:spPr>
-          <a:xfrm>
-            <a:off x="4297650" y="4419838"/>
-            <a:ext cx="548700" cy="393600"/>
-          </a:xfrm>
-          <a:prstGeom prst="rect">
-            <a:avLst/>
-          </a:prstGeom>
-          <a:noFill/>
-          <a:ln>
-            <a:noFill/>
-          </a:ln>
-        </p:spPr>
-        <p:txBody>
-          <a:bodyPr spcFirstLastPara="1" wrap="square" lIns="91425" tIns="91425" rIns="91425" bIns="91425" anchor="b" anchorCtr="0">
-            <a:noAutofit/>
-          </a:bodyPr>
-          <a:lstStyle>
-            <a:defPPr marR="0" lvl="0" algn="l" rtl="0">
-              <a:lnSpc>
-                <a:spcPct val="100000"/>
-              </a:lnSpc>
-              <a:spcBef>
-                <a:spcPts val="0"/>
-              </a:spcBef>
-              <a:spcAft>
-                <a:spcPts val="0"/>
-              </a:spcAft>
-            </a:defPPr>
-            <a:lvl1pPr marR="0" lvl="0" algn="ctr" rtl="0">
-              <a:lnSpc>
-                <a:spcPct val="100000"/>
-              </a:lnSpc>
-              <a:spcBef>
-                <a:spcPts val="0"/>
-              </a:spcBef>
-              <a:spcAft>
-                <a:spcPts val="0"/>
-              </a:spcAft>
-              <a:buClr>
-                <a:srgbClr val="000000"/>
-              </a:buClr>
-              <a:buFont typeface="Arial"/>
-              <a:buNone/>
-              <a:defRPr sz="1100" b="0" i="0" u="none" strike="noStrike" cap="none">
-                <a:solidFill>
-                  <a:schemeClr val="accent3"/>
-                </a:solidFill>
-                <a:latin typeface="PT Serif"/>
-                <a:ea typeface="PT Serif"/>
-                <a:cs typeface="PT Serif"/>
-                <a:sym typeface="PT Serif"/>
-              </a:defRPr>
-            </a:lvl1pPr>
-            <a:lvl2pPr marR="0" lvl="1" algn="ctr" rtl="0">
-              <a:lnSpc>
-                <a:spcPct val="100000"/>
-              </a:lnSpc>
-              <a:spcBef>
-                <a:spcPts val="0"/>
-              </a:spcBef>
-              <a:spcAft>
-                <a:spcPts val="0"/>
-              </a:spcAft>
-              <a:buClr>
-                <a:srgbClr val="000000"/>
-              </a:buClr>
-              <a:buFont typeface="Arial"/>
-              <a:buNone/>
-              <a:defRPr sz="1100" b="0" i="0" u="none" strike="noStrike" cap="none">
-                <a:solidFill>
-                  <a:schemeClr val="accent3"/>
-                </a:solidFill>
-                <a:latin typeface="PT Serif"/>
-                <a:ea typeface="PT Serif"/>
-                <a:cs typeface="PT Serif"/>
-                <a:sym typeface="PT Serif"/>
-              </a:defRPr>
-            </a:lvl2pPr>
-            <a:lvl3pPr marR="0" lvl="2" algn="ctr" rtl="0">
-              <a:lnSpc>
-                <a:spcPct val="100000"/>
-              </a:lnSpc>
-              <a:spcBef>
-                <a:spcPts val="0"/>
-              </a:spcBef>
-              <a:spcAft>
-                <a:spcPts val="0"/>
-              </a:spcAft>
-              <a:buClr>
-                <a:srgbClr val="000000"/>
-              </a:buClr>
-              <a:buFont typeface="Arial"/>
-              <a:buNone/>
-              <a:defRPr sz="1100" b="0" i="0" u="none" strike="noStrike" cap="none">
-                <a:solidFill>
-                  <a:schemeClr val="accent3"/>
-                </a:solidFill>
-                <a:latin typeface="PT Serif"/>
-                <a:ea typeface="PT Serif"/>
-                <a:cs typeface="PT Serif"/>
-                <a:sym typeface="PT Serif"/>
-              </a:defRPr>
-            </a:lvl3pPr>
-            <a:lvl4pPr marR="0" lvl="3" algn="ctr" rtl="0">
-              <a:lnSpc>
-                <a:spcPct val="100000"/>
-              </a:lnSpc>
-              <a:spcBef>
-                <a:spcPts val="0"/>
-              </a:spcBef>
-              <a:spcAft>
-                <a:spcPts val="0"/>
-              </a:spcAft>
-              <a:buClr>
-                <a:srgbClr val="000000"/>
-              </a:buClr>
-              <a:buFont typeface="Arial"/>
-              <a:buNone/>
-              <a:defRPr sz="1100" b="0" i="0" u="none" strike="noStrike" cap="none">
-                <a:solidFill>
-                  <a:schemeClr val="accent3"/>
-                </a:solidFill>
-                <a:latin typeface="PT Serif"/>
-                <a:ea typeface="PT Serif"/>
-                <a:cs typeface="PT Serif"/>
-                <a:sym typeface="PT Serif"/>
-              </a:defRPr>
-            </a:lvl4pPr>
-            <a:lvl5pPr marR="0" lvl="4" algn="ctr" rtl="0">
-              <a:lnSpc>
-                <a:spcPct val="100000"/>
-              </a:lnSpc>
-              <a:spcBef>
-                <a:spcPts val="0"/>
-              </a:spcBef>
-              <a:spcAft>
-                <a:spcPts val="0"/>
-              </a:spcAft>
-              <a:buClr>
-                <a:srgbClr val="000000"/>
-              </a:buClr>
-              <a:buFont typeface="Arial"/>
-              <a:buNone/>
-              <a:defRPr sz="1100" b="0" i="0" u="none" strike="noStrike" cap="none">
-                <a:solidFill>
-                  <a:schemeClr val="accent3"/>
-                </a:solidFill>
-                <a:latin typeface="PT Serif"/>
-                <a:ea typeface="PT Serif"/>
-                <a:cs typeface="PT Serif"/>
-                <a:sym typeface="PT Serif"/>
-              </a:defRPr>
-            </a:lvl5pPr>
-            <a:lvl6pPr marR="0" lvl="5" algn="ctr" rtl="0">
-              <a:lnSpc>
-                <a:spcPct val="100000"/>
-              </a:lnSpc>
-              <a:spcBef>
-                <a:spcPts val="0"/>
-              </a:spcBef>
-              <a:spcAft>
-                <a:spcPts val="0"/>
-              </a:spcAft>
-              <a:buClr>
-                <a:srgbClr val="000000"/>
-              </a:buClr>
-              <a:buFont typeface="Arial"/>
-              <a:buNone/>
-              <a:defRPr sz="1100" b="0" i="0" u="none" strike="noStrike" cap="none">
-                <a:solidFill>
-                  <a:schemeClr val="accent3"/>
-                </a:solidFill>
-                <a:latin typeface="PT Serif"/>
-                <a:ea typeface="PT Serif"/>
-                <a:cs typeface="PT Serif"/>
-                <a:sym typeface="PT Serif"/>
-              </a:defRPr>
-            </a:lvl6pPr>
-            <a:lvl7pPr marR="0" lvl="6" algn="ctr" rtl="0">
-              <a:lnSpc>
-                <a:spcPct val="100000"/>
-              </a:lnSpc>
-              <a:spcBef>
-                <a:spcPts val="0"/>
-              </a:spcBef>
-              <a:spcAft>
-                <a:spcPts val="0"/>
-              </a:spcAft>
-              <a:buClr>
-                <a:srgbClr val="000000"/>
-              </a:buClr>
-              <a:buFont typeface="Arial"/>
-              <a:buNone/>
-              <a:defRPr sz="1100" b="0" i="0" u="none" strike="noStrike" cap="none">
-                <a:solidFill>
-                  <a:schemeClr val="accent3"/>
-                </a:solidFill>
-                <a:latin typeface="PT Serif"/>
-                <a:ea typeface="PT Serif"/>
-                <a:cs typeface="PT Serif"/>
-                <a:sym typeface="PT Serif"/>
-              </a:defRPr>
-            </a:lvl7pPr>
-            <a:lvl8pPr marR="0" lvl="7" algn="ctr" rtl="0">
-              <a:lnSpc>
-                <a:spcPct val="100000"/>
-              </a:lnSpc>
-              <a:spcBef>
-                <a:spcPts val="0"/>
-              </a:spcBef>
-              <a:spcAft>
-                <a:spcPts val="0"/>
-              </a:spcAft>
-              <a:buClr>
-                <a:srgbClr val="000000"/>
-              </a:buClr>
-              <a:buFont typeface="Arial"/>
-              <a:buNone/>
-              <a:defRPr sz="1100" b="0" i="0" u="none" strike="noStrike" cap="none">
-                <a:solidFill>
-                  <a:schemeClr val="accent3"/>
-                </a:solidFill>
-                <a:latin typeface="PT Serif"/>
-                <a:ea typeface="PT Serif"/>
-                <a:cs typeface="PT Serif"/>
-                <a:sym typeface="PT Serif"/>
-              </a:defRPr>
-            </a:lvl8pPr>
-            <a:lvl9pPr marR="0" lvl="8" algn="ctr" rtl="0">
-              <a:lnSpc>
-                <a:spcPct val="100000"/>
-              </a:lnSpc>
-              <a:spcBef>
-                <a:spcPts val="0"/>
-              </a:spcBef>
-              <a:spcAft>
-                <a:spcPts val="0"/>
-              </a:spcAft>
-              <a:buClr>
-                <a:srgbClr val="000000"/>
-              </a:buClr>
-              <a:buFont typeface="Arial"/>
-              <a:buNone/>
-              <a:defRPr sz="1100" b="0" i="0" u="none" strike="noStrike" cap="none">
-                <a:solidFill>
-                  <a:schemeClr val="accent3"/>
-                </a:solidFill>
-                <a:latin typeface="PT Serif"/>
-                <a:ea typeface="PT Serif"/>
-                <a:cs typeface="PT Serif"/>
-                <a:sym typeface="PT Serif"/>
-              </a:defRPr>
-            </a:lvl9pPr>
-          </a:lstStyle>
-          <a:p>
-            <a:fld id="{00000000-1234-1234-1234-123412341234}" type="slidenum">
-              <a:rPr lang="en" smtClean="0"/>
-              <a:pPr/>
-              <a:t>15</a:t>
-            </a:fld>
-            <a:endParaRPr lang="en"/>
+            <a:endParaRPr lang="ko-KR" altLang="en-US" dirty="0"/>
           </a:p>
         </p:txBody>
       </p:sp>
     </p:spTree>
     <p:extLst>
       <p:ext uri="{BB962C8B-B14F-4D97-AF65-F5344CB8AC3E}">
-        <p14:creationId xmlns:p14="http://schemas.microsoft.com/office/powerpoint/2010/main" val="1376386438"/>
+        <p14:creationId xmlns:p14="http://schemas.microsoft.com/office/powerpoint/2010/main" val="1372666067"/>
       </p:ext>
     </p:extLst>
   </p:cSld>
@@ -10000,7 +8655,7 @@
         </p:nvSpPr>
         <p:spPr>
           <a:xfrm>
-            <a:off x="1619700" y="1547902"/>
+            <a:off x="1619700" y="1221837"/>
             <a:ext cx="5904600" cy="1159800"/>
           </a:xfrm>
           <a:prstGeom prst="rect">
@@ -10267,9 +8922,26 @@
           </a:lstStyle>
           <a:p>
             <a:r>
-              <a:rPr lang="ko-KR" altLang="en-US" sz="2400" dirty="0"/>
-              <a:t>장거리 마라톤이 될 예정</a:t>
+              <a:rPr lang="ko-KR" altLang="en-US" sz="2400" dirty="0">
+                <a:solidFill>
+                  <a:srgbClr val="FF0000"/>
+                </a:solidFill>
+              </a:rPr>
+              <a:t>수학</a:t>
             </a:r>
+            <a:r>
+              <a:rPr lang="en-US" altLang="ko-KR" sz="2400" dirty="0">
+                <a:solidFill>
+                  <a:srgbClr val="FF0000"/>
+                </a:solidFill>
+              </a:rPr>
+              <a:t>..</a:t>
+            </a:r>
+            <a:endParaRPr lang="ko-KR" altLang="en-US" sz="2400" dirty="0">
+              <a:solidFill>
+                <a:srgbClr val="FF0000"/>
+              </a:solidFill>
+            </a:endParaRPr>
           </a:p>
         </p:txBody>
       </p:sp>
@@ -10555,7 +9227,7 @@
     </p:spTree>
     <p:extLst>
       <p:ext uri="{BB962C8B-B14F-4D97-AF65-F5344CB8AC3E}">
-        <p14:creationId xmlns:p14="http://schemas.microsoft.com/office/powerpoint/2010/main" val="839249961"/>
+        <p14:creationId xmlns:p14="http://schemas.microsoft.com/office/powerpoint/2010/main" val="88639383"/>
       </p:ext>
     </p:extLst>
   </p:cSld>
@@ -10669,6 +9341,1566 @@
             <a:fld id="{00000000-1234-1234-1234-123412341234}" type="slidenum">
               <a:rPr lang="en"/>
               <a:t>17</a:t>
+            </a:fld>
+            <a:endParaRPr/>
+          </a:p>
+        </p:txBody>
+      </p:sp>
+      <p:sp>
+        <p:nvSpPr>
+          <p:cNvPr id="7" name="Google Shape;74;p15">
+            <a:extLst>
+              <a:ext uri="{FF2B5EF4-FFF2-40B4-BE49-F238E27FC236}">
+                <a16:creationId xmlns:a16="http://schemas.microsoft.com/office/drawing/2014/main" id="{A9438187-2317-4278-B597-92A738A18664}"/>
+              </a:ext>
+            </a:extLst>
+          </p:cNvPr>
+          <p:cNvSpPr txBox="1">
+            <a:spLocks/>
+          </p:cNvSpPr>
+          <p:nvPr/>
+        </p:nvSpPr>
+        <p:spPr>
+          <a:xfrm>
+            <a:off x="1619700" y="2571750"/>
+            <a:ext cx="5904600" cy="1159800"/>
+          </a:xfrm>
+          <a:prstGeom prst="rect">
+            <a:avLst/>
+          </a:prstGeom>
+          <a:noFill/>
+          <a:ln>
+            <a:noFill/>
+          </a:ln>
+        </p:spPr>
+        <p:txBody>
+          <a:bodyPr spcFirstLastPara="1" wrap="square" lIns="91425" tIns="91425" rIns="91425" bIns="91425" anchor="b" anchorCtr="0">
+            <a:noAutofit/>
+          </a:bodyPr>
+          <a:lstStyle>
+            <a:defPPr marR="0" lvl="0" algn="l" rtl="0">
+              <a:lnSpc>
+                <a:spcPct val="100000"/>
+              </a:lnSpc>
+              <a:spcBef>
+                <a:spcPts val="0"/>
+              </a:spcBef>
+              <a:spcAft>
+                <a:spcPts val="0"/>
+              </a:spcAft>
+            </a:defPPr>
+            <a:lvl1pPr marR="0" lvl="0" algn="ctr" rtl="0">
+              <a:lnSpc>
+                <a:spcPct val="100000"/>
+              </a:lnSpc>
+              <a:spcBef>
+                <a:spcPts val="0"/>
+              </a:spcBef>
+              <a:spcAft>
+                <a:spcPts val="0"/>
+              </a:spcAft>
+              <a:buClr>
+                <a:schemeClr val="dk1"/>
+              </a:buClr>
+              <a:buSzPts val="1600"/>
+              <a:buFont typeface="Playfair Display"/>
+              <a:buNone/>
+              <a:defRPr sz="1600" b="0" i="0" u="none" strike="noStrike" cap="none">
+                <a:solidFill>
+                  <a:schemeClr val="dk1"/>
+                </a:solidFill>
+                <a:highlight>
+                  <a:srgbClr val="F3F3F3"/>
+                </a:highlight>
+                <a:latin typeface="Playfair Display"/>
+                <a:ea typeface="Playfair Display"/>
+                <a:cs typeface="Playfair Display"/>
+                <a:sym typeface="Playfair Display"/>
+              </a:defRPr>
+            </a:lvl1pPr>
+            <a:lvl2pPr marR="0" lvl="1" algn="ctr" rtl="0">
+              <a:lnSpc>
+                <a:spcPct val="100000"/>
+              </a:lnSpc>
+              <a:spcBef>
+                <a:spcPts val="0"/>
+              </a:spcBef>
+              <a:spcAft>
+                <a:spcPts val="0"/>
+              </a:spcAft>
+              <a:buClr>
+                <a:schemeClr val="dk1"/>
+              </a:buClr>
+              <a:buSzPts val="1600"/>
+              <a:buFont typeface="Playfair Display"/>
+              <a:buNone/>
+              <a:defRPr sz="1600" b="0" i="0" u="none" strike="noStrike" cap="none">
+                <a:solidFill>
+                  <a:schemeClr val="dk1"/>
+                </a:solidFill>
+                <a:latin typeface="Playfair Display"/>
+                <a:ea typeface="Playfair Display"/>
+                <a:cs typeface="Playfair Display"/>
+                <a:sym typeface="Playfair Display"/>
+              </a:defRPr>
+            </a:lvl2pPr>
+            <a:lvl3pPr marR="0" lvl="2" algn="ctr" rtl="0">
+              <a:lnSpc>
+                <a:spcPct val="100000"/>
+              </a:lnSpc>
+              <a:spcBef>
+                <a:spcPts val="0"/>
+              </a:spcBef>
+              <a:spcAft>
+                <a:spcPts val="0"/>
+              </a:spcAft>
+              <a:buClr>
+                <a:schemeClr val="dk1"/>
+              </a:buClr>
+              <a:buSzPts val="1600"/>
+              <a:buFont typeface="Playfair Display"/>
+              <a:buNone/>
+              <a:defRPr sz="1600" b="0" i="0" u="none" strike="noStrike" cap="none">
+                <a:solidFill>
+                  <a:schemeClr val="dk1"/>
+                </a:solidFill>
+                <a:latin typeface="Playfair Display"/>
+                <a:ea typeface="Playfair Display"/>
+                <a:cs typeface="Playfair Display"/>
+                <a:sym typeface="Playfair Display"/>
+              </a:defRPr>
+            </a:lvl3pPr>
+            <a:lvl4pPr marR="0" lvl="3" algn="ctr" rtl="0">
+              <a:lnSpc>
+                <a:spcPct val="100000"/>
+              </a:lnSpc>
+              <a:spcBef>
+                <a:spcPts val="0"/>
+              </a:spcBef>
+              <a:spcAft>
+                <a:spcPts val="0"/>
+              </a:spcAft>
+              <a:buClr>
+                <a:schemeClr val="dk1"/>
+              </a:buClr>
+              <a:buSzPts val="1600"/>
+              <a:buFont typeface="Playfair Display"/>
+              <a:buNone/>
+              <a:defRPr sz="1600" b="0" i="0" u="none" strike="noStrike" cap="none">
+                <a:solidFill>
+                  <a:schemeClr val="dk1"/>
+                </a:solidFill>
+                <a:latin typeface="Playfair Display"/>
+                <a:ea typeface="Playfair Display"/>
+                <a:cs typeface="Playfair Display"/>
+                <a:sym typeface="Playfair Display"/>
+              </a:defRPr>
+            </a:lvl4pPr>
+            <a:lvl5pPr marR="0" lvl="4" algn="ctr" rtl="0">
+              <a:lnSpc>
+                <a:spcPct val="100000"/>
+              </a:lnSpc>
+              <a:spcBef>
+                <a:spcPts val="0"/>
+              </a:spcBef>
+              <a:spcAft>
+                <a:spcPts val="0"/>
+              </a:spcAft>
+              <a:buClr>
+                <a:schemeClr val="dk1"/>
+              </a:buClr>
+              <a:buSzPts val="1600"/>
+              <a:buFont typeface="Playfair Display"/>
+              <a:buNone/>
+              <a:defRPr sz="1600" b="0" i="0" u="none" strike="noStrike" cap="none">
+                <a:solidFill>
+                  <a:schemeClr val="dk1"/>
+                </a:solidFill>
+                <a:latin typeface="Playfair Display"/>
+                <a:ea typeface="Playfair Display"/>
+                <a:cs typeface="Playfair Display"/>
+                <a:sym typeface="Playfair Display"/>
+              </a:defRPr>
+            </a:lvl5pPr>
+            <a:lvl6pPr marR="0" lvl="5" algn="ctr" rtl="0">
+              <a:lnSpc>
+                <a:spcPct val="100000"/>
+              </a:lnSpc>
+              <a:spcBef>
+                <a:spcPts val="0"/>
+              </a:spcBef>
+              <a:spcAft>
+                <a:spcPts val="0"/>
+              </a:spcAft>
+              <a:buClr>
+                <a:schemeClr val="dk1"/>
+              </a:buClr>
+              <a:buSzPts val="1600"/>
+              <a:buFont typeface="Playfair Display"/>
+              <a:buNone/>
+              <a:defRPr sz="1600" b="0" i="0" u="none" strike="noStrike" cap="none">
+                <a:solidFill>
+                  <a:schemeClr val="dk1"/>
+                </a:solidFill>
+                <a:latin typeface="Playfair Display"/>
+                <a:ea typeface="Playfair Display"/>
+                <a:cs typeface="Playfair Display"/>
+                <a:sym typeface="Playfair Display"/>
+              </a:defRPr>
+            </a:lvl6pPr>
+            <a:lvl7pPr marR="0" lvl="6" algn="ctr" rtl="0">
+              <a:lnSpc>
+                <a:spcPct val="100000"/>
+              </a:lnSpc>
+              <a:spcBef>
+                <a:spcPts val="0"/>
+              </a:spcBef>
+              <a:spcAft>
+                <a:spcPts val="0"/>
+              </a:spcAft>
+              <a:buClr>
+                <a:schemeClr val="dk1"/>
+              </a:buClr>
+              <a:buSzPts val="1600"/>
+              <a:buFont typeface="Playfair Display"/>
+              <a:buNone/>
+              <a:defRPr sz="1600" b="0" i="0" u="none" strike="noStrike" cap="none">
+                <a:solidFill>
+                  <a:schemeClr val="dk1"/>
+                </a:solidFill>
+                <a:latin typeface="Playfair Display"/>
+                <a:ea typeface="Playfair Display"/>
+                <a:cs typeface="Playfair Display"/>
+                <a:sym typeface="Playfair Display"/>
+              </a:defRPr>
+            </a:lvl7pPr>
+            <a:lvl8pPr marR="0" lvl="7" algn="ctr" rtl="0">
+              <a:lnSpc>
+                <a:spcPct val="100000"/>
+              </a:lnSpc>
+              <a:spcBef>
+                <a:spcPts val="0"/>
+              </a:spcBef>
+              <a:spcAft>
+                <a:spcPts val="0"/>
+              </a:spcAft>
+              <a:buClr>
+                <a:schemeClr val="dk1"/>
+              </a:buClr>
+              <a:buSzPts val="1600"/>
+              <a:buFont typeface="Playfair Display"/>
+              <a:buNone/>
+              <a:defRPr sz="1600" b="0" i="0" u="none" strike="noStrike" cap="none">
+                <a:solidFill>
+                  <a:schemeClr val="dk1"/>
+                </a:solidFill>
+                <a:latin typeface="Playfair Display"/>
+                <a:ea typeface="Playfair Display"/>
+                <a:cs typeface="Playfair Display"/>
+                <a:sym typeface="Playfair Display"/>
+              </a:defRPr>
+            </a:lvl8pPr>
+            <a:lvl9pPr marR="0" lvl="8" algn="ctr" rtl="0">
+              <a:lnSpc>
+                <a:spcPct val="100000"/>
+              </a:lnSpc>
+              <a:spcBef>
+                <a:spcPts val="0"/>
+              </a:spcBef>
+              <a:spcAft>
+                <a:spcPts val="0"/>
+              </a:spcAft>
+              <a:buClr>
+                <a:schemeClr val="dk1"/>
+              </a:buClr>
+              <a:buSzPts val="1600"/>
+              <a:buFont typeface="Playfair Display"/>
+              <a:buNone/>
+              <a:defRPr sz="1600" b="0" i="0" u="none" strike="noStrike" cap="none">
+                <a:solidFill>
+                  <a:schemeClr val="dk1"/>
+                </a:solidFill>
+                <a:latin typeface="Playfair Display"/>
+                <a:ea typeface="Playfair Display"/>
+                <a:cs typeface="Playfair Display"/>
+                <a:sym typeface="Playfair Display"/>
+              </a:defRPr>
+            </a:lvl9pPr>
+          </a:lstStyle>
+          <a:p>
+            <a:r>
+              <a:rPr lang="ko-KR" altLang="en-US" sz="2400" dirty="0">
+                <a:solidFill>
+                  <a:schemeClr val="tx1"/>
+                </a:solidFill>
+              </a:rPr>
+              <a:t>이 강의에서 쓰이는 수학 지식</a:t>
+            </a:r>
+            <a:endParaRPr lang="en-US" altLang="ko-KR" sz="2400" dirty="0">
+              <a:solidFill>
+                <a:schemeClr val="tx1"/>
+              </a:solidFill>
+            </a:endParaRPr>
+          </a:p>
+          <a:p>
+            <a:endParaRPr lang="en-US" altLang="ko-KR" dirty="0">
+              <a:solidFill>
+                <a:schemeClr val="tx1"/>
+              </a:solidFill>
+            </a:endParaRPr>
+          </a:p>
+          <a:p>
+            <a:pPr>
+              <a:lnSpc>
+                <a:spcPct val="150000"/>
+              </a:lnSpc>
+            </a:pPr>
+            <a:r>
+              <a:rPr lang="ko-KR" altLang="en-US" dirty="0">
+                <a:solidFill>
+                  <a:schemeClr val="tx1"/>
+                </a:solidFill>
+              </a:rPr>
+              <a:t>미분</a:t>
+            </a:r>
+            <a:r>
+              <a:rPr lang="en-US" altLang="ko-KR" dirty="0">
+                <a:solidFill>
+                  <a:schemeClr val="tx1"/>
+                </a:solidFill>
+              </a:rPr>
+              <a:t>(</a:t>
+            </a:r>
+            <a:r>
+              <a:rPr lang="ko-KR" altLang="en-US" dirty="0">
+                <a:solidFill>
+                  <a:schemeClr val="tx1"/>
+                </a:solidFill>
+              </a:rPr>
+              <a:t>미분의 개념</a:t>
+            </a:r>
+            <a:r>
+              <a:rPr lang="en-US" altLang="ko-KR" dirty="0">
+                <a:solidFill>
+                  <a:schemeClr val="tx1"/>
+                </a:solidFill>
+              </a:rPr>
+              <a:t>, </a:t>
+            </a:r>
+            <a:r>
+              <a:rPr lang="ko-KR" altLang="en-US" dirty="0">
+                <a:solidFill>
+                  <a:schemeClr val="tx1"/>
+                </a:solidFill>
+              </a:rPr>
+              <a:t>미분계수와 도함수</a:t>
+            </a:r>
+            <a:r>
+              <a:rPr lang="en-US" altLang="ko-KR" dirty="0">
+                <a:solidFill>
+                  <a:schemeClr val="tx1"/>
+                </a:solidFill>
+              </a:rPr>
+              <a:t>)</a:t>
+            </a:r>
+          </a:p>
+          <a:p>
+            <a:pPr>
+              <a:lnSpc>
+                <a:spcPct val="150000"/>
+              </a:lnSpc>
+            </a:pPr>
+            <a:r>
+              <a:rPr lang="en-US" altLang="ko-KR" dirty="0">
+                <a:solidFill>
+                  <a:schemeClr val="tx1"/>
+                </a:solidFill>
+              </a:rPr>
+              <a:t>3</a:t>
+            </a:r>
+            <a:r>
+              <a:rPr lang="ko-KR" altLang="en-US" dirty="0">
+                <a:solidFill>
+                  <a:schemeClr val="tx1"/>
+                </a:solidFill>
+              </a:rPr>
+              <a:t>차원 그래프 </a:t>
+            </a:r>
+            <a:r>
+              <a:rPr lang="en-US" altLang="ko-KR" dirty="0">
+                <a:solidFill>
+                  <a:schemeClr val="tx1"/>
+                </a:solidFill>
+              </a:rPr>
+              <a:t>(</a:t>
+            </a:r>
+            <a:r>
+              <a:rPr lang="ko-KR" altLang="en-US" dirty="0">
+                <a:solidFill>
+                  <a:schemeClr val="tx1"/>
+                </a:solidFill>
+              </a:rPr>
+              <a:t>그리는 건 아니고 읽는 정도</a:t>
+            </a:r>
+            <a:r>
+              <a:rPr lang="en-US" altLang="ko-KR" dirty="0">
+                <a:solidFill>
+                  <a:schemeClr val="tx1"/>
+                </a:solidFill>
+              </a:rPr>
+              <a:t>)</a:t>
+            </a:r>
+          </a:p>
+          <a:p>
+            <a:pPr>
+              <a:lnSpc>
+                <a:spcPct val="150000"/>
+              </a:lnSpc>
+            </a:pPr>
+            <a:r>
+              <a:rPr lang="ko-KR" altLang="en-US" dirty="0">
+                <a:solidFill>
+                  <a:schemeClr val="tx1"/>
+                </a:solidFill>
+              </a:rPr>
+              <a:t>선형대수 </a:t>
+            </a:r>
+            <a:r>
+              <a:rPr lang="en-US" altLang="ko-KR" dirty="0">
+                <a:solidFill>
+                  <a:schemeClr val="tx1"/>
+                </a:solidFill>
+              </a:rPr>
+              <a:t>(</a:t>
+            </a:r>
+            <a:r>
+              <a:rPr lang="ko-KR" altLang="en-US" dirty="0">
+                <a:solidFill>
+                  <a:schemeClr val="tx1"/>
+                </a:solidFill>
+              </a:rPr>
+              <a:t>행렬의 기본개념 </a:t>
+            </a:r>
+            <a:r>
+              <a:rPr lang="en-US" altLang="ko-KR" dirty="0">
+                <a:solidFill>
+                  <a:schemeClr val="tx1"/>
+                </a:solidFill>
+              </a:rPr>
+              <a:t>– </a:t>
+            </a:r>
+            <a:r>
+              <a:rPr lang="ko-KR" altLang="en-US" sz="900" dirty="0">
+                <a:solidFill>
+                  <a:schemeClr val="tx1"/>
+                </a:solidFill>
+              </a:rPr>
+              <a:t>교육과정에서 배우지 않으신 분들은 따로 설명드릴 예정</a:t>
+            </a:r>
+            <a:r>
+              <a:rPr lang="en-US" altLang="ko-KR" dirty="0">
+                <a:solidFill>
+                  <a:schemeClr val="tx1"/>
+                </a:solidFill>
+              </a:rPr>
+              <a:t>)</a:t>
+            </a:r>
+          </a:p>
+          <a:p>
+            <a:endParaRPr lang="ko-KR" altLang="en-US" sz="2400" dirty="0">
+              <a:solidFill>
+                <a:schemeClr val="tx1"/>
+              </a:solidFill>
+            </a:endParaRPr>
+          </a:p>
+        </p:txBody>
+      </p:sp>
+      <p:sp>
+        <p:nvSpPr>
+          <p:cNvPr id="8" name="Google Shape;76;p15">
+            <a:extLst>
+              <a:ext uri="{FF2B5EF4-FFF2-40B4-BE49-F238E27FC236}">
+                <a16:creationId xmlns:a16="http://schemas.microsoft.com/office/drawing/2014/main" id="{6C017B13-5B9D-47AB-91D9-E74D9D0A3D45}"/>
+              </a:ext>
+            </a:extLst>
+          </p:cNvPr>
+          <p:cNvSpPr txBox="1">
+            <a:spLocks/>
+          </p:cNvSpPr>
+          <p:nvPr/>
+        </p:nvSpPr>
+        <p:spPr>
+          <a:xfrm>
+            <a:off x="4297650" y="4419838"/>
+            <a:ext cx="548700" cy="393600"/>
+          </a:xfrm>
+          <a:prstGeom prst="rect">
+            <a:avLst/>
+          </a:prstGeom>
+          <a:noFill/>
+          <a:ln>
+            <a:noFill/>
+          </a:ln>
+        </p:spPr>
+        <p:txBody>
+          <a:bodyPr spcFirstLastPara="1" wrap="square" lIns="91425" tIns="91425" rIns="91425" bIns="91425" anchor="b" anchorCtr="0">
+            <a:noAutofit/>
+          </a:bodyPr>
+          <a:lstStyle>
+            <a:defPPr marR="0" lvl="0" algn="l" rtl="0">
+              <a:lnSpc>
+                <a:spcPct val="100000"/>
+              </a:lnSpc>
+              <a:spcBef>
+                <a:spcPts val="0"/>
+              </a:spcBef>
+              <a:spcAft>
+                <a:spcPts val="0"/>
+              </a:spcAft>
+            </a:defPPr>
+            <a:lvl1pPr marR="0" lvl="0" algn="ctr" rtl="0">
+              <a:lnSpc>
+                <a:spcPct val="100000"/>
+              </a:lnSpc>
+              <a:spcBef>
+                <a:spcPts val="0"/>
+              </a:spcBef>
+              <a:spcAft>
+                <a:spcPts val="0"/>
+              </a:spcAft>
+              <a:buClr>
+                <a:srgbClr val="000000"/>
+              </a:buClr>
+              <a:buFont typeface="Arial"/>
+              <a:buNone/>
+              <a:defRPr sz="1100" b="0" i="0" u="none" strike="noStrike" cap="none">
+                <a:solidFill>
+                  <a:schemeClr val="accent3"/>
+                </a:solidFill>
+                <a:latin typeface="PT Serif"/>
+                <a:ea typeface="PT Serif"/>
+                <a:cs typeface="PT Serif"/>
+                <a:sym typeface="PT Serif"/>
+              </a:defRPr>
+            </a:lvl1pPr>
+            <a:lvl2pPr marR="0" lvl="1" algn="ctr" rtl="0">
+              <a:lnSpc>
+                <a:spcPct val="100000"/>
+              </a:lnSpc>
+              <a:spcBef>
+                <a:spcPts val="0"/>
+              </a:spcBef>
+              <a:spcAft>
+                <a:spcPts val="0"/>
+              </a:spcAft>
+              <a:buClr>
+                <a:srgbClr val="000000"/>
+              </a:buClr>
+              <a:buFont typeface="Arial"/>
+              <a:buNone/>
+              <a:defRPr sz="1100" b="0" i="0" u="none" strike="noStrike" cap="none">
+                <a:solidFill>
+                  <a:schemeClr val="accent3"/>
+                </a:solidFill>
+                <a:latin typeface="PT Serif"/>
+                <a:ea typeface="PT Serif"/>
+                <a:cs typeface="PT Serif"/>
+                <a:sym typeface="PT Serif"/>
+              </a:defRPr>
+            </a:lvl2pPr>
+            <a:lvl3pPr marR="0" lvl="2" algn="ctr" rtl="0">
+              <a:lnSpc>
+                <a:spcPct val="100000"/>
+              </a:lnSpc>
+              <a:spcBef>
+                <a:spcPts val="0"/>
+              </a:spcBef>
+              <a:spcAft>
+                <a:spcPts val="0"/>
+              </a:spcAft>
+              <a:buClr>
+                <a:srgbClr val="000000"/>
+              </a:buClr>
+              <a:buFont typeface="Arial"/>
+              <a:buNone/>
+              <a:defRPr sz="1100" b="0" i="0" u="none" strike="noStrike" cap="none">
+                <a:solidFill>
+                  <a:schemeClr val="accent3"/>
+                </a:solidFill>
+                <a:latin typeface="PT Serif"/>
+                <a:ea typeface="PT Serif"/>
+                <a:cs typeface="PT Serif"/>
+                <a:sym typeface="PT Serif"/>
+              </a:defRPr>
+            </a:lvl3pPr>
+            <a:lvl4pPr marR="0" lvl="3" algn="ctr" rtl="0">
+              <a:lnSpc>
+                <a:spcPct val="100000"/>
+              </a:lnSpc>
+              <a:spcBef>
+                <a:spcPts val="0"/>
+              </a:spcBef>
+              <a:spcAft>
+                <a:spcPts val="0"/>
+              </a:spcAft>
+              <a:buClr>
+                <a:srgbClr val="000000"/>
+              </a:buClr>
+              <a:buFont typeface="Arial"/>
+              <a:buNone/>
+              <a:defRPr sz="1100" b="0" i="0" u="none" strike="noStrike" cap="none">
+                <a:solidFill>
+                  <a:schemeClr val="accent3"/>
+                </a:solidFill>
+                <a:latin typeface="PT Serif"/>
+                <a:ea typeface="PT Serif"/>
+                <a:cs typeface="PT Serif"/>
+                <a:sym typeface="PT Serif"/>
+              </a:defRPr>
+            </a:lvl4pPr>
+            <a:lvl5pPr marR="0" lvl="4" algn="ctr" rtl="0">
+              <a:lnSpc>
+                <a:spcPct val="100000"/>
+              </a:lnSpc>
+              <a:spcBef>
+                <a:spcPts val="0"/>
+              </a:spcBef>
+              <a:spcAft>
+                <a:spcPts val="0"/>
+              </a:spcAft>
+              <a:buClr>
+                <a:srgbClr val="000000"/>
+              </a:buClr>
+              <a:buFont typeface="Arial"/>
+              <a:buNone/>
+              <a:defRPr sz="1100" b="0" i="0" u="none" strike="noStrike" cap="none">
+                <a:solidFill>
+                  <a:schemeClr val="accent3"/>
+                </a:solidFill>
+                <a:latin typeface="PT Serif"/>
+                <a:ea typeface="PT Serif"/>
+                <a:cs typeface="PT Serif"/>
+                <a:sym typeface="PT Serif"/>
+              </a:defRPr>
+            </a:lvl5pPr>
+            <a:lvl6pPr marR="0" lvl="5" algn="ctr" rtl="0">
+              <a:lnSpc>
+                <a:spcPct val="100000"/>
+              </a:lnSpc>
+              <a:spcBef>
+                <a:spcPts val="0"/>
+              </a:spcBef>
+              <a:spcAft>
+                <a:spcPts val="0"/>
+              </a:spcAft>
+              <a:buClr>
+                <a:srgbClr val="000000"/>
+              </a:buClr>
+              <a:buFont typeface="Arial"/>
+              <a:buNone/>
+              <a:defRPr sz="1100" b="0" i="0" u="none" strike="noStrike" cap="none">
+                <a:solidFill>
+                  <a:schemeClr val="accent3"/>
+                </a:solidFill>
+                <a:latin typeface="PT Serif"/>
+                <a:ea typeface="PT Serif"/>
+                <a:cs typeface="PT Serif"/>
+                <a:sym typeface="PT Serif"/>
+              </a:defRPr>
+            </a:lvl6pPr>
+            <a:lvl7pPr marR="0" lvl="6" algn="ctr" rtl="0">
+              <a:lnSpc>
+                <a:spcPct val="100000"/>
+              </a:lnSpc>
+              <a:spcBef>
+                <a:spcPts val="0"/>
+              </a:spcBef>
+              <a:spcAft>
+                <a:spcPts val="0"/>
+              </a:spcAft>
+              <a:buClr>
+                <a:srgbClr val="000000"/>
+              </a:buClr>
+              <a:buFont typeface="Arial"/>
+              <a:buNone/>
+              <a:defRPr sz="1100" b="0" i="0" u="none" strike="noStrike" cap="none">
+                <a:solidFill>
+                  <a:schemeClr val="accent3"/>
+                </a:solidFill>
+                <a:latin typeface="PT Serif"/>
+                <a:ea typeface="PT Serif"/>
+                <a:cs typeface="PT Serif"/>
+                <a:sym typeface="PT Serif"/>
+              </a:defRPr>
+            </a:lvl7pPr>
+            <a:lvl8pPr marR="0" lvl="7" algn="ctr" rtl="0">
+              <a:lnSpc>
+                <a:spcPct val="100000"/>
+              </a:lnSpc>
+              <a:spcBef>
+                <a:spcPts val="0"/>
+              </a:spcBef>
+              <a:spcAft>
+                <a:spcPts val="0"/>
+              </a:spcAft>
+              <a:buClr>
+                <a:srgbClr val="000000"/>
+              </a:buClr>
+              <a:buFont typeface="Arial"/>
+              <a:buNone/>
+              <a:defRPr sz="1100" b="0" i="0" u="none" strike="noStrike" cap="none">
+                <a:solidFill>
+                  <a:schemeClr val="accent3"/>
+                </a:solidFill>
+                <a:latin typeface="PT Serif"/>
+                <a:ea typeface="PT Serif"/>
+                <a:cs typeface="PT Serif"/>
+                <a:sym typeface="PT Serif"/>
+              </a:defRPr>
+            </a:lvl8pPr>
+            <a:lvl9pPr marR="0" lvl="8" algn="ctr" rtl="0">
+              <a:lnSpc>
+                <a:spcPct val="100000"/>
+              </a:lnSpc>
+              <a:spcBef>
+                <a:spcPts val="0"/>
+              </a:spcBef>
+              <a:spcAft>
+                <a:spcPts val="0"/>
+              </a:spcAft>
+              <a:buClr>
+                <a:srgbClr val="000000"/>
+              </a:buClr>
+              <a:buFont typeface="Arial"/>
+              <a:buNone/>
+              <a:defRPr sz="1100" b="0" i="0" u="none" strike="noStrike" cap="none">
+                <a:solidFill>
+                  <a:schemeClr val="accent3"/>
+                </a:solidFill>
+                <a:latin typeface="PT Serif"/>
+                <a:ea typeface="PT Serif"/>
+                <a:cs typeface="PT Serif"/>
+                <a:sym typeface="PT Serif"/>
+              </a:defRPr>
+            </a:lvl9pPr>
+          </a:lstStyle>
+          <a:p>
+            <a:fld id="{00000000-1234-1234-1234-123412341234}" type="slidenum">
+              <a:rPr lang="en" smtClean="0"/>
+              <a:pPr/>
+              <a:t>17</a:t>
+            </a:fld>
+            <a:endParaRPr lang="en"/>
+          </a:p>
+        </p:txBody>
+      </p:sp>
+    </p:spTree>
+    <p:extLst>
+      <p:ext uri="{BB962C8B-B14F-4D97-AF65-F5344CB8AC3E}">
+        <p14:creationId xmlns:p14="http://schemas.microsoft.com/office/powerpoint/2010/main" val="1376386438"/>
+      </p:ext>
+    </p:extLst>
+  </p:cSld>
+  <p:clrMapOvr>
+    <a:masterClrMapping/>
+  </p:clrMapOvr>
+</p:sld>
+</file>
+
+<file path=ppt/slides/slide18.xml><?xml version="1.0" encoding="utf-8"?>
+<p:sld xmlns:a="http://schemas.openxmlformats.org/drawingml/2006/main" xmlns:r="http://schemas.openxmlformats.org/officeDocument/2006/relationships" xmlns:p="http://schemas.openxmlformats.org/presentationml/2006/main">
+  <p:cSld>
+    <p:spTree>
+      <p:nvGrpSpPr>
+        <p:cNvPr id="1" name="Shape 86"/>
+        <p:cNvGrpSpPr/>
+        <p:nvPr/>
+      </p:nvGrpSpPr>
+      <p:grpSpPr>
+        <a:xfrm>
+          <a:off x="0" y="0"/>
+          <a:ext cx="0" cy="0"/>
+          <a:chOff x="0" y="0"/>
+          <a:chExt cx="0" cy="0"/>
+        </a:xfrm>
+      </p:grpSpPr>
+      <p:sp>
+        <p:nvSpPr>
+          <p:cNvPr id="87" name="Google Shape;87;p17"/>
+          <p:cNvSpPr txBox="1">
+            <a:spLocks noGrp="1"/>
+          </p:cNvSpPr>
+          <p:nvPr>
+            <p:ph type="title"/>
+          </p:nvPr>
+        </p:nvSpPr>
+        <p:spPr>
+          <a:xfrm>
+            <a:off x="388955" y="338306"/>
+            <a:ext cx="8366100" cy="762600"/>
+          </a:xfrm>
+          <a:prstGeom prst="rect">
+            <a:avLst/>
+          </a:prstGeom>
+        </p:spPr>
+        <p:txBody>
+          <a:bodyPr spcFirstLastPara="1" wrap="square" lIns="91425" tIns="91425" rIns="91425" bIns="91425" anchor="ctr" anchorCtr="0">
+            <a:noAutofit/>
+          </a:bodyPr>
+          <a:lstStyle/>
+          <a:p>
+            <a:pPr marL="0" lvl="0" indent="0" algn="ctr" rtl="0">
+              <a:spcBef>
+                <a:spcPts val="0"/>
+              </a:spcBef>
+              <a:spcAft>
+                <a:spcPts val="0"/>
+              </a:spcAft>
+              <a:buNone/>
+            </a:pPr>
+            <a:r>
+              <a:rPr lang="ko-KR" altLang="en-US" dirty="0"/>
+              <a:t>미리</a:t>
+            </a:r>
+            <a:r>
+              <a:rPr lang="en-US" altLang="ko-KR" dirty="0"/>
+              <a:t> </a:t>
+            </a:r>
+            <a:r>
+              <a:rPr lang="ko-KR" altLang="en-US" dirty="0"/>
+              <a:t>드리는 공지</a:t>
+            </a:r>
+            <a:endParaRPr dirty="0"/>
+          </a:p>
+        </p:txBody>
+      </p:sp>
+      <p:sp>
+        <p:nvSpPr>
+          <p:cNvPr id="89" name="Google Shape;89;p17"/>
+          <p:cNvSpPr txBox="1">
+            <a:spLocks noGrp="1"/>
+          </p:cNvSpPr>
+          <p:nvPr>
+            <p:ph type="sldNum" idx="12"/>
+          </p:nvPr>
+        </p:nvSpPr>
+        <p:spPr>
+          <a:xfrm>
+            <a:off x="4297650" y="4419838"/>
+            <a:ext cx="548700" cy="393600"/>
+          </a:xfrm>
+          <a:prstGeom prst="rect">
+            <a:avLst/>
+          </a:prstGeom>
+        </p:spPr>
+        <p:txBody>
+          <a:bodyPr spcFirstLastPara="1" wrap="square" lIns="91425" tIns="91425" rIns="91425" bIns="91425" anchor="b" anchorCtr="0">
+            <a:noAutofit/>
+          </a:bodyPr>
+          <a:lstStyle/>
+          <a:p>
+            <a:pPr marL="0" lvl="0" indent="0" algn="ctr" rtl="0">
+              <a:spcBef>
+                <a:spcPts val="0"/>
+              </a:spcBef>
+              <a:spcAft>
+                <a:spcPts val="0"/>
+              </a:spcAft>
+              <a:buNone/>
+            </a:pPr>
+            <a:fld id="{00000000-1234-1234-1234-123412341234}" type="slidenum">
+              <a:rPr lang="en"/>
+              <a:t>18</a:t>
+            </a:fld>
+            <a:endParaRPr/>
+          </a:p>
+        </p:txBody>
+      </p:sp>
+      <p:sp>
+        <p:nvSpPr>
+          <p:cNvPr id="7" name="Google Shape;74;p15">
+            <a:extLst>
+              <a:ext uri="{FF2B5EF4-FFF2-40B4-BE49-F238E27FC236}">
+                <a16:creationId xmlns:a16="http://schemas.microsoft.com/office/drawing/2014/main" id="{A9438187-2317-4278-B597-92A738A18664}"/>
+              </a:ext>
+            </a:extLst>
+          </p:cNvPr>
+          <p:cNvSpPr txBox="1">
+            <a:spLocks/>
+          </p:cNvSpPr>
+          <p:nvPr/>
+        </p:nvSpPr>
+        <p:spPr>
+          <a:xfrm>
+            <a:off x="1619700" y="1547902"/>
+            <a:ext cx="5904600" cy="1159800"/>
+          </a:xfrm>
+          <a:prstGeom prst="rect">
+            <a:avLst/>
+          </a:prstGeom>
+          <a:noFill/>
+          <a:ln>
+            <a:noFill/>
+          </a:ln>
+        </p:spPr>
+        <p:txBody>
+          <a:bodyPr spcFirstLastPara="1" wrap="square" lIns="91425" tIns="91425" rIns="91425" bIns="91425" anchor="b" anchorCtr="0">
+            <a:noAutofit/>
+          </a:bodyPr>
+          <a:lstStyle>
+            <a:defPPr marR="0" lvl="0" algn="l" rtl="0">
+              <a:lnSpc>
+                <a:spcPct val="100000"/>
+              </a:lnSpc>
+              <a:spcBef>
+                <a:spcPts val="0"/>
+              </a:spcBef>
+              <a:spcAft>
+                <a:spcPts val="0"/>
+              </a:spcAft>
+            </a:defPPr>
+            <a:lvl1pPr marR="0" lvl="0" algn="ctr" rtl="0">
+              <a:lnSpc>
+                <a:spcPct val="100000"/>
+              </a:lnSpc>
+              <a:spcBef>
+                <a:spcPts val="0"/>
+              </a:spcBef>
+              <a:spcAft>
+                <a:spcPts val="0"/>
+              </a:spcAft>
+              <a:buClr>
+                <a:schemeClr val="dk1"/>
+              </a:buClr>
+              <a:buSzPts val="1600"/>
+              <a:buFont typeface="Playfair Display"/>
+              <a:buNone/>
+              <a:defRPr sz="1600" b="0" i="0" u="none" strike="noStrike" cap="none">
+                <a:solidFill>
+                  <a:schemeClr val="dk1"/>
+                </a:solidFill>
+                <a:highlight>
+                  <a:srgbClr val="F3F3F3"/>
+                </a:highlight>
+                <a:latin typeface="Playfair Display"/>
+                <a:ea typeface="Playfair Display"/>
+                <a:cs typeface="Playfair Display"/>
+                <a:sym typeface="Playfair Display"/>
+              </a:defRPr>
+            </a:lvl1pPr>
+            <a:lvl2pPr marR="0" lvl="1" algn="ctr" rtl="0">
+              <a:lnSpc>
+                <a:spcPct val="100000"/>
+              </a:lnSpc>
+              <a:spcBef>
+                <a:spcPts val="0"/>
+              </a:spcBef>
+              <a:spcAft>
+                <a:spcPts val="0"/>
+              </a:spcAft>
+              <a:buClr>
+                <a:schemeClr val="dk1"/>
+              </a:buClr>
+              <a:buSzPts val="1600"/>
+              <a:buFont typeface="Playfair Display"/>
+              <a:buNone/>
+              <a:defRPr sz="1600" b="0" i="0" u="none" strike="noStrike" cap="none">
+                <a:solidFill>
+                  <a:schemeClr val="dk1"/>
+                </a:solidFill>
+                <a:latin typeface="Playfair Display"/>
+                <a:ea typeface="Playfair Display"/>
+                <a:cs typeface="Playfair Display"/>
+                <a:sym typeface="Playfair Display"/>
+              </a:defRPr>
+            </a:lvl2pPr>
+            <a:lvl3pPr marR="0" lvl="2" algn="ctr" rtl="0">
+              <a:lnSpc>
+                <a:spcPct val="100000"/>
+              </a:lnSpc>
+              <a:spcBef>
+                <a:spcPts val="0"/>
+              </a:spcBef>
+              <a:spcAft>
+                <a:spcPts val="0"/>
+              </a:spcAft>
+              <a:buClr>
+                <a:schemeClr val="dk1"/>
+              </a:buClr>
+              <a:buSzPts val="1600"/>
+              <a:buFont typeface="Playfair Display"/>
+              <a:buNone/>
+              <a:defRPr sz="1600" b="0" i="0" u="none" strike="noStrike" cap="none">
+                <a:solidFill>
+                  <a:schemeClr val="dk1"/>
+                </a:solidFill>
+                <a:latin typeface="Playfair Display"/>
+                <a:ea typeface="Playfair Display"/>
+                <a:cs typeface="Playfair Display"/>
+                <a:sym typeface="Playfair Display"/>
+              </a:defRPr>
+            </a:lvl3pPr>
+            <a:lvl4pPr marR="0" lvl="3" algn="ctr" rtl="0">
+              <a:lnSpc>
+                <a:spcPct val="100000"/>
+              </a:lnSpc>
+              <a:spcBef>
+                <a:spcPts val="0"/>
+              </a:spcBef>
+              <a:spcAft>
+                <a:spcPts val="0"/>
+              </a:spcAft>
+              <a:buClr>
+                <a:schemeClr val="dk1"/>
+              </a:buClr>
+              <a:buSzPts val="1600"/>
+              <a:buFont typeface="Playfair Display"/>
+              <a:buNone/>
+              <a:defRPr sz="1600" b="0" i="0" u="none" strike="noStrike" cap="none">
+                <a:solidFill>
+                  <a:schemeClr val="dk1"/>
+                </a:solidFill>
+                <a:latin typeface="Playfair Display"/>
+                <a:ea typeface="Playfair Display"/>
+                <a:cs typeface="Playfair Display"/>
+                <a:sym typeface="Playfair Display"/>
+              </a:defRPr>
+            </a:lvl4pPr>
+            <a:lvl5pPr marR="0" lvl="4" algn="ctr" rtl="0">
+              <a:lnSpc>
+                <a:spcPct val="100000"/>
+              </a:lnSpc>
+              <a:spcBef>
+                <a:spcPts val="0"/>
+              </a:spcBef>
+              <a:spcAft>
+                <a:spcPts val="0"/>
+              </a:spcAft>
+              <a:buClr>
+                <a:schemeClr val="dk1"/>
+              </a:buClr>
+              <a:buSzPts val="1600"/>
+              <a:buFont typeface="Playfair Display"/>
+              <a:buNone/>
+              <a:defRPr sz="1600" b="0" i="0" u="none" strike="noStrike" cap="none">
+                <a:solidFill>
+                  <a:schemeClr val="dk1"/>
+                </a:solidFill>
+                <a:latin typeface="Playfair Display"/>
+                <a:ea typeface="Playfair Display"/>
+                <a:cs typeface="Playfair Display"/>
+                <a:sym typeface="Playfair Display"/>
+              </a:defRPr>
+            </a:lvl5pPr>
+            <a:lvl6pPr marR="0" lvl="5" algn="ctr" rtl="0">
+              <a:lnSpc>
+                <a:spcPct val="100000"/>
+              </a:lnSpc>
+              <a:spcBef>
+                <a:spcPts val="0"/>
+              </a:spcBef>
+              <a:spcAft>
+                <a:spcPts val="0"/>
+              </a:spcAft>
+              <a:buClr>
+                <a:schemeClr val="dk1"/>
+              </a:buClr>
+              <a:buSzPts val="1600"/>
+              <a:buFont typeface="Playfair Display"/>
+              <a:buNone/>
+              <a:defRPr sz="1600" b="0" i="0" u="none" strike="noStrike" cap="none">
+                <a:solidFill>
+                  <a:schemeClr val="dk1"/>
+                </a:solidFill>
+                <a:latin typeface="Playfair Display"/>
+                <a:ea typeface="Playfair Display"/>
+                <a:cs typeface="Playfair Display"/>
+                <a:sym typeface="Playfair Display"/>
+              </a:defRPr>
+            </a:lvl6pPr>
+            <a:lvl7pPr marR="0" lvl="6" algn="ctr" rtl="0">
+              <a:lnSpc>
+                <a:spcPct val="100000"/>
+              </a:lnSpc>
+              <a:spcBef>
+                <a:spcPts val="0"/>
+              </a:spcBef>
+              <a:spcAft>
+                <a:spcPts val="0"/>
+              </a:spcAft>
+              <a:buClr>
+                <a:schemeClr val="dk1"/>
+              </a:buClr>
+              <a:buSzPts val="1600"/>
+              <a:buFont typeface="Playfair Display"/>
+              <a:buNone/>
+              <a:defRPr sz="1600" b="0" i="0" u="none" strike="noStrike" cap="none">
+                <a:solidFill>
+                  <a:schemeClr val="dk1"/>
+                </a:solidFill>
+                <a:latin typeface="Playfair Display"/>
+                <a:ea typeface="Playfair Display"/>
+                <a:cs typeface="Playfair Display"/>
+                <a:sym typeface="Playfair Display"/>
+              </a:defRPr>
+            </a:lvl7pPr>
+            <a:lvl8pPr marR="0" lvl="7" algn="ctr" rtl="0">
+              <a:lnSpc>
+                <a:spcPct val="100000"/>
+              </a:lnSpc>
+              <a:spcBef>
+                <a:spcPts val="0"/>
+              </a:spcBef>
+              <a:spcAft>
+                <a:spcPts val="0"/>
+              </a:spcAft>
+              <a:buClr>
+                <a:schemeClr val="dk1"/>
+              </a:buClr>
+              <a:buSzPts val="1600"/>
+              <a:buFont typeface="Playfair Display"/>
+              <a:buNone/>
+              <a:defRPr sz="1600" b="0" i="0" u="none" strike="noStrike" cap="none">
+                <a:solidFill>
+                  <a:schemeClr val="dk1"/>
+                </a:solidFill>
+                <a:latin typeface="Playfair Display"/>
+                <a:ea typeface="Playfair Display"/>
+                <a:cs typeface="Playfair Display"/>
+                <a:sym typeface="Playfair Display"/>
+              </a:defRPr>
+            </a:lvl8pPr>
+            <a:lvl9pPr marR="0" lvl="8" algn="ctr" rtl="0">
+              <a:lnSpc>
+                <a:spcPct val="100000"/>
+              </a:lnSpc>
+              <a:spcBef>
+                <a:spcPts val="0"/>
+              </a:spcBef>
+              <a:spcAft>
+                <a:spcPts val="0"/>
+              </a:spcAft>
+              <a:buClr>
+                <a:schemeClr val="dk1"/>
+              </a:buClr>
+              <a:buSzPts val="1600"/>
+              <a:buFont typeface="Playfair Display"/>
+              <a:buNone/>
+              <a:defRPr sz="1600" b="0" i="0" u="none" strike="noStrike" cap="none">
+                <a:solidFill>
+                  <a:schemeClr val="dk1"/>
+                </a:solidFill>
+                <a:latin typeface="Playfair Display"/>
+                <a:ea typeface="Playfair Display"/>
+                <a:cs typeface="Playfair Display"/>
+                <a:sym typeface="Playfair Display"/>
+              </a:defRPr>
+            </a:lvl9pPr>
+          </a:lstStyle>
+          <a:p>
+            <a:r>
+              <a:rPr lang="ko-KR" altLang="en-US" sz="2400" dirty="0"/>
+              <a:t>장거리 마라톤이 될 예정</a:t>
+            </a:r>
+          </a:p>
+        </p:txBody>
+      </p:sp>
+      <p:sp>
+        <p:nvSpPr>
+          <p:cNvPr id="8" name="Google Shape;76;p15">
+            <a:extLst>
+              <a:ext uri="{FF2B5EF4-FFF2-40B4-BE49-F238E27FC236}">
+                <a16:creationId xmlns:a16="http://schemas.microsoft.com/office/drawing/2014/main" id="{6C017B13-5B9D-47AB-91D9-E74D9D0A3D45}"/>
+              </a:ext>
+            </a:extLst>
+          </p:cNvPr>
+          <p:cNvSpPr txBox="1">
+            <a:spLocks/>
+          </p:cNvSpPr>
+          <p:nvPr/>
+        </p:nvSpPr>
+        <p:spPr>
+          <a:xfrm>
+            <a:off x="4297650" y="4419838"/>
+            <a:ext cx="548700" cy="393600"/>
+          </a:xfrm>
+          <a:prstGeom prst="rect">
+            <a:avLst/>
+          </a:prstGeom>
+          <a:noFill/>
+          <a:ln>
+            <a:noFill/>
+          </a:ln>
+        </p:spPr>
+        <p:txBody>
+          <a:bodyPr spcFirstLastPara="1" wrap="square" lIns="91425" tIns="91425" rIns="91425" bIns="91425" anchor="b" anchorCtr="0">
+            <a:noAutofit/>
+          </a:bodyPr>
+          <a:lstStyle>
+            <a:defPPr marR="0" lvl="0" algn="l" rtl="0">
+              <a:lnSpc>
+                <a:spcPct val="100000"/>
+              </a:lnSpc>
+              <a:spcBef>
+                <a:spcPts val="0"/>
+              </a:spcBef>
+              <a:spcAft>
+                <a:spcPts val="0"/>
+              </a:spcAft>
+            </a:defPPr>
+            <a:lvl1pPr marR="0" lvl="0" algn="ctr" rtl="0">
+              <a:lnSpc>
+                <a:spcPct val="100000"/>
+              </a:lnSpc>
+              <a:spcBef>
+                <a:spcPts val="0"/>
+              </a:spcBef>
+              <a:spcAft>
+                <a:spcPts val="0"/>
+              </a:spcAft>
+              <a:buClr>
+                <a:srgbClr val="000000"/>
+              </a:buClr>
+              <a:buFont typeface="Arial"/>
+              <a:buNone/>
+              <a:defRPr sz="1100" b="0" i="0" u="none" strike="noStrike" cap="none">
+                <a:solidFill>
+                  <a:schemeClr val="accent3"/>
+                </a:solidFill>
+                <a:latin typeface="PT Serif"/>
+                <a:ea typeface="PT Serif"/>
+                <a:cs typeface="PT Serif"/>
+                <a:sym typeface="PT Serif"/>
+              </a:defRPr>
+            </a:lvl1pPr>
+            <a:lvl2pPr marR="0" lvl="1" algn="ctr" rtl="0">
+              <a:lnSpc>
+                <a:spcPct val="100000"/>
+              </a:lnSpc>
+              <a:spcBef>
+                <a:spcPts val="0"/>
+              </a:spcBef>
+              <a:spcAft>
+                <a:spcPts val="0"/>
+              </a:spcAft>
+              <a:buClr>
+                <a:srgbClr val="000000"/>
+              </a:buClr>
+              <a:buFont typeface="Arial"/>
+              <a:buNone/>
+              <a:defRPr sz="1100" b="0" i="0" u="none" strike="noStrike" cap="none">
+                <a:solidFill>
+                  <a:schemeClr val="accent3"/>
+                </a:solidFill>
+                <a:latin typeface="PT Serif"/>
+                <a:ea typeface="PT Serif"/>
+                <a:cs typeface="PT Serif"/>
+                <a:sym typeface="PT Serif"/>
+              </a:defRPr>
+            </a:lvl2pPr>
+            <a:lvl3pPr marR="0" lvl="2" algn="ctr" rtl="0">
+              <a:lnSpc>
+                <a:spcPct val="100000"/>
+              </a:lnSpc>
+              <a:spcBef>
+                <a:spcPts val="0"/>
+              </a:spcBef>
+              <a:spcAft>
+                <a:spcPts val="0"/>
+              </a:spcAft>
+              <a:buClr>
+                <a:srgbClr val="000000"/>
+              </a:buClr>
+              <a:buFont typeface="Arial"/>
+              <a:buNone/>
+              <a:defRPr sz="1100" b="0" i="0" u="none" strike="noStrike" cap="none">
+                <a:solidFill>
+                  <a:schemeClr val="accent3"/>
+                </a:solidFill>
+                <a:latin typeface="PT Serif"/>
+                <a:ea typeface="PT Serif"/>
+                <a:cs typeface="PT Serif"/>
+                <a:sym typeface="PT Serif"/>
+              </a:defRPr>
+            </a:lvl3pPr>
+            <a:lvl4pPr marR="0" lvl="3" algn="ctr" rtl="0">
+              <a:lnSpc>
+                <a:spcPct val="100000"/>
+              </a:lnSpc>
+              <a:spcBef>
+                <a:spcPts val="0"/>
+              </a:spcBef>
+              <a:spcAft>
+                <a:spcPts val="0"/>
+              </a:spcAft>
+              <a:buClr>
+                <a:srgbClr val="000000"/>
+              </a:buClr>
+              <a:buFont typeface="Arial"/>
+              <a:buNone/>
+              <a:defRPr sz="1100" b="0" i="0" u="none" strike="noStrike" cap="none">
+                <a:solidFill>
+                  <a:schemeClr val="accent3"/>
+                </a:solidFill>
+                <a:latin typeface="PT Serif"/>
+                <a:ea typeface="PT Serif"/>
+                <a:cs typeface="PT Serif"/>
+                <a:sym typeface="PT Serif"/>
+              </a:defRPr>
+            </a:lvl4pPr>
+            <a:lvl5pPr marR="0" lvl="4" algn="ctr" rtl="0">
+              <a:lnSpc>
+                <a:spcPct val="100000"/>
+              </a:lnSpc>
+              <a:spcBef>
+                <a:spcPts val="0"/>
+              </a:spcBef>
+              <a:spcAft>
+                <a:spcPts val="0"/>
+              </a:spcAft>
+              <a:buClr>
+                <a:srgbClr val="000000"/>
+              </a:buClr>
+              <a:buFont typeface="Arial"/>
+              <a:buNone/>
+              <a:defRPr sz="1100" b="0" i="0" u="none" strike="noStrike" cap="none">
+                <a:solidFill>
+                  <a:schemeClr val="accent3"/>
+                </a:solidFill>
+                <a:latin typeface="PT Serif"/>
+                <a:ea typeface="PT Serif"/>
+                <a:cs typeface="PT Serif"/>
+                <a:sym typeface="PT Serif"/>
+              </a:defRPr>
+            </a:lvl5pPr>
+            <a:lvl6pPr marR="0" lvl="5" algn="ctr" rtl="0">
+              <a:lnSpc>
+                <a:spcPct val="100000"/>
+              </a:lnSpc>
+              <a:spcBef>
+                <a:spcPts val="0"/>
+              </a:spcBef>
+              <a:spcAft>
+                <a:spcPts val="0"/>
+              </a:spcAft>
+              <a:buClr>
+                <a:srgbClr val="000000"/>
+              </a:buClr>
+              <a:buFont typeface="Arial"/>
+              <a:buNone/>
+              <a:defRPr sz="1100" b="0" i="0" u="none" strike="noStrike" cap="none">
+                <a:solidFill>
+                  <a:schemeClr val="accent3"/>
+                </a:solidFill>
+                <a:latin typeface="PT Serif"/>
+                <a:ea typeface="PT Serif"/>
+                <a:cs typeface="PT Serif"/>
+                <a:sym typeface="PT Serif"/>
+              </a:defRPr>
+            </a:lvl6pPr>
+            <a:lvl7pPr marR="0" lvl="6" algn="ctr" rtl="0">
+              <a:lnSpc>
+                <a:spcPct val="100000"/>
+              </a:lnSpc>
+              <a:spcBef>
+                <a:spcPts val="0"/>
+              </a:spcBef>
+              <a:spcAft>
+                <a:spcPts val="0"/>
+              </a:spcAft>
+              <a:buClr>
+                <a:srgbClr val="000000"/>
+              </a:buClr>
+              <a:buFont typeface="Arial"/>
+              <a:buNone/>
+              <a:defRPr sz="1100" b="0" i="0" u="none" strike="noStrike" cap="none">
+                <a:solidFill>
+                  <a:schemeClr val="accent3"/>
+                </a:solidFill>
+                <a:latin typeface="PT Serif"/>
+                <a:ea typeface="PT Serif"/>
+                <a:cs typeface="PT Serif"/>
+                <a:sym typeface="PT Serif"/>
+              </a:defRPr>
+            </a:lvl7pPr>
+            <a:lvl8pPr marR="0" lvl="7" algn="ctr" rtl="0">
+              <a:lnSpc>
+                <a:spcPct val="100000"/>
+              </a:lnSpc>
+              <a:spcBef>
+                <a:spcPts val="0"/>
+              </a:spcBef>
+              <a:spcAft>
+                <a:spcPts val="0"/>
+              </a:spcAft>
+              <a:buClr>
+                <a:srgbClr val="000000"/>
+              </a:buClr>
+              <a:buFont typeface="Arial"/>
+              <a:buNone/>
+              <a:defRPr sz="1100" b="0" i="0" u="none" strike="noStrike" cap="none">
+                <a:solidFill>
+                  <a:schemeClr val="accent3"/>
+                </a:solidFill>
+                <a:latin typeface="PT Serif"/>
+                <a:ea typeface="PT Serif"/>
+                <a:cs typeface="PT Serif"/>
+                <a:sym typeface="PT Serif"/>
+              </a:defRPr>
+            </a:lvl8pPr>
+            <a:lvl9pPr marR="0" lvl="8" algn="ctr" rtl="0">
+              <a:lnSpc>
+                <a:spcPct val="100000"/>
+              </a:lnSpc>
+              <a:spcBef>
+                <a:spcPts val="0"/>
+              </a:spcBef>
+              <a:spcAft>
+                <a:spcPts val="0"/>
+              </a:spcAft>
+              <a:buClr>
+                <a:srgbClr val="000000"/>
+              </a:buClr>
+              <a:buFont typeface="Arial"/>
+              <a:buNone/>
+              <a:defRPr sz="1100" b="0" i="0" u="none" strike="noStrike" cap="none">
+                <a:solidFill>
+                  <a:schemeClr val="accent3"/>
+                </a:solidFill>
+                <a:latin typeface="PT Serif"/>
+                <a:ea typeface="PT Serif"/>
+                <a:cs typeface="PT Serif"/>
+                <a:sym typeface="PT Serif"/>
+              </a:defRPr>
+            </a:lvl9pPr>
+          </a:lstStyle>
+          <a:p>
+            <a:fld id="{00000000-1234-1234-1234-123412341234}" type="slidenum">
+              <a:rPr lang="en" smtClean="0"/>
+              <a:pPr/>
+              <a:t>18</a:t>
+            </a:fld>
+            <a:endParaRPr lang="en"/>
+          </a:p>
+        </p:txBody>
+      </p:sp>
+    </p:spTree>
+    <p:extLst>
+      <p:ext uri="{BB962C8B-B14F-4D97-AF65-F5344CB8AC3E}">
+        <p14:creationId xmlns:p14="http://schemas.microsoft.com/office/powerpoint/2010/main" val="839249961"/>
+      </p:ext>
+    </p:extLst>
+  </p:cSld>
+  <p:clrMapOvr>
+    <a:masterClrMapping/>
+  </p:clrMapOvr>
+</p:sld>
+</file>
+
+<file path=ppt/slides/slide19.xml><?xml version="1.0" encoding="utf-8"?>
+<p:sld xmlns:a="http://schemas.openxmlformats.org/drawingml/2006/main" xmlns:r="http://schemas.openxmlformats.org/officeDocument/2006/relationships" xmlns:p="http://schemas.openxmlformats.org/presentationml/2006/main">
+  <p:cSld>
+    <p:spTree>
+      <p:nvGrpSpPr>
+        <p:cNvPr id="1" name="Shape 86"/>
+        <p:cNvGrpSpPr/>
+        <p:nvPr/>
+      </p:nvGrpSpPr>
+      <p:grpSpPr>
+        <a:xfrm>
+          <a:off x="0" y="0"/>
+          <a:ext cx="0" cy="0"/>
+          <a:chOff x="0" y="0"/>
+          <a:chExt cx="0" cy="0"/>
+        </a:xfrm>
+      </p:grpSpPr>
+      <p:sp>
+        <p:nvSpPr>
+          <p:cNvPr id="87" name="Google Shape;87;p17"/>
+          <p:cNvSpPr txBox="1">
+            <a:spLocks noGrp="1"/>
+          </p:cNvSpPr>
+          <p:nvPr>
+            <p:ph type="title"/>
+          </p:nvPr>
+        </p:nvSpPr>
+        <p:spPr>
+          <a:xfrm>
+            <a:off x="388955" y="338306"/>
+            <a:ext cx="8366100" cy="762600"/>
+          </a:xfrm>
+          <a:prstGeom prst="rect">
+            <a:avLst/>
+          </a:prstGeom>
+        </p:spPr>
+        <p:txBody>
+          <a:bodyPr spcFirstLastPara="1" wrap="square" lIns="91425" tIns="91425" rIns="91425" bIns="91425" anchor="ctr" anchorCtr="0">
+            <a:noAutofit/>
+          </a:bodyPr>
+          <a:lstStyle/>
+          <a:p>
+            <a:pPr marL="0" lvl="0" indent="0" algn="ctr" rtl="0">
+              <a:spcBef>
+                <a:spcPts val="0"/>
+              </a:spcBef>
+              <a:spcAft>
+                <a:spcPts val="0"/>
+              </a:spcAft>
+              <a:buNone/>
+            </a:pPr>
+            <a:r>
+              <a:rPr lang="ko-KR" altLang="en-US" dirty="0"/>
+              <a:t>미리</a:t>
+            </a:r>
+            <a:r>
+              <a:rPr lang="en-US" altLang="ko-KR" dirty="0"/>
+              <a:t> </a:t>
+            </a:r>
+            <a:r>
+              <a:rPr lang="ko-KR" altLang="en-US" dirty="0"/>
+              <a:t>드리는 공지</a:t>
+            </a:r>
+            <a:endParaRPr dirty="0"/>
+          </a:p>
+        </p:txBody>
+      </p:sp>
+      <p:sp>
+        <p:nvSpPr>
+          <p:cNvPr id="89" name="Google Shape;89;p17"/>
+          <p:cNvSpPr txBox="1">
+            <a:spLocks noGrp="1"/>
+          </p:cNvSpPr>
+          <p:nvPr>
+            <p:ph type="sldNum" idx="12"/>
+          </p:nvPr>
+        </p:nvSpPr>
+        <p:spPr>
+          <a:xfrm>
+            <a:off x="4297650" y="4419838"/>
+            <a:ext cx="548700" cy="393600"/>
+          </a:xfrm>
+          <a:prstGeom prst="rect">
+            <a:avLst/>
+          </a:prstGeom>
+        </p:spPr>
+        <p:txBody>
+          <a:bodyPr spcFirstLastPara="1" wrap="square" lIns="91425" tIns="91425" rIns="91425" bIns="91425" anchor="b" anchorCtr="0">
+            <a:noAutofit/>
+          </a:bodyPr>
+          <a:lstStyle/>
+          <a:p>
+            <a:pPr marL="0" lvl="0" indent="0" algn="ctr" rtl="0">
+              <a:spcBef>
+                <a:spcPts val="0"/>
+              </a:spcBef>
+              <a:spcAft>
+                <a:spcPts val="0"/>
+              </a:spcAft>
+              <a:buNone/>
+            </a:pPr>
+            <a:fld id="{00000000-1234-1234-1234-123412341234}" type="slidenum">
+              <a:rPr lang="en"/>
+              <a:t>19</a:t>
             </a:fld>
             <a:endParaRPr/>
           </a:p>
@@ -11246,7 +11478,7 @@
             <a:fld id="{00000000-1234-1234-1234-123412341234}" type="slidenum">
               <a:rPr lang="en" smtClean="0"/>
               <a:pPr/>
-              <a:t>17</a:t>
+              <a:t>19</a:t>
             </a:fld>
             <a:endParaRPr lang="en"/>
           </a:p>
@@ -11256,1404 +11488,6 @@
     <p:extLst>
       <p:ext uri="{BB962C8B-B14F-4D97-AF65-F5344CB8AC3E}">
         <p14:creationId xmlns:p14="http://schemas.microsoft.com/office/powerpoint/2010/main" val="2827407015"/>
-      </p:ext>
-    </p:extLst>
-  </p:cSld>
-  <p:clrMapOvr>
-    <a:masterClrMapping/>
-  </p:clrMapOvr>
-</p:sld>
-</file>
-
-<file path=ppt/slides/slide18.xml><?xml version="1.0" encoding="utf-8"?>
-<p:sld xmlns:a="http://schemas.openxmlformats.org/drawingml/2006/main" xmlns:r="http://schemas.openxmlformats.org/officeDocument/2006/relationships" xmlns:p="http://schemas.openxmlformats.org/presentationml/2006/main">
-  <p:cSld>
-    <p:spTree>
-      <p:nvGrpSpPr>
-        <p:cNvPr id="1" name="Shape 86"/>
-        <p:cNvGrpSpPr/>
-        <p:nvPr/>
-      </p:nvGrpSpPr>
-      <p:grpSpPr>
-        <a:xfrm>
-          <a:off x="0" y="0"/>
-          <a:ext cx="0" cy="0"/>
-          <a:chOff x="0" y="0"/>
-          <a:chExt cx="0" cy="0"/>
-        </a:xfrm>
-      </p:grpSpPr>
-      <p:sp>
-        <p:nvSpPr>
-          <p:cNvPr id="87" name="Google Shape;87;p17"/>
-          <p:cNvSpPr txBox="1">
-            <a:spLocks noGrp="1"/>
-          </p:cNvSpPr>
-          <p:nvPr>
-            <p:ph type="title"/>
-          </p:nvPr>
-        </p:nvSpPr>
-        <p:spPr>
-          <a:xfrm>
-            <a:off x="388955" y="338306"/>
-            <a:ext cx="8366100" cy="762600"/>
-          </a:xfrm>
-          <a:prstGeom prst="rect">
-            <a:avLst/>
-          </a:prstGeom>
-        </p:spPr>
-        <p:txBody>
-          <a:bodyPr spcFirstLastPara="1" wrap="square" lIns="91425" tIns="91425" rIns="91425" bIns="91425" anchor="ctr" anchorCtr="0">
-            <a:noAutofit/>
-          </a:bodyPr>
-          <a:lstStyle/>
-          <a:p>
-            <a:pPr marL="0" lvl="0" indent="0" algn="ctr" rtl="0">
-              <a:spcBef>
-                <a:spcPts val="0"/>
-              </a:spcBef>
-              <a:spcAft>
-                <a:spcPts val="0"/>
-              </a:spcAft>
-              <a:buNone/>
-            </a:pPr>
-            <a:r>
-              <a:rPr lang="ko-KR" altLang="en-US" dirty="0"/>
-              <a:t>미리</a:t>
-            </a:r>
-            <a:r>
-              <a:rPr lang="en-US" altLang="ko-KR" dirty="0"/>
-              <a:t> </a:t>
-            </a:r>
-            <a:r>
-              <a:rPr lang="ko-KR" altLang="en-US" dirty="0"/>
-              <a:t>드리는 공지</a:t>
-            </a:r>
-            <a:endParaRPr dirty="0"/>
-          </a:p>
-        </p:txBody>
-      </p:sp>
-      <p:sp>
-        <p:nvSpPr>
-          <p:cNvPr id="89" name="Google Shape;89;p17"/>
-          <p:cNvSpPr txBox="1">
-            <a:spLocks noGrp="1"/>
-          </p:cNvSpPr>
-          <p:nvPr>
-            <p:ph type="sldNum" idx="12"/>
-          </p:nvPr>
-        </p:nvSpPr>
-        <p:spPr>
-          <a:xfrm>
-            <a:off x="4297650" y="4419838"/>
-            <a:ext cx="548700" cy="393600"/>
-          </a:xfrm>
-          <a:prstGeom prst="rect">
-            <a:avLst/>
-          </a:prstGeom>
-        </p:spPr>
-        <p:txBody>
-          <a:bodyPr spcFirstLastPara="1" wrap="square" lIns="91425" tIns="91425" rIns="91425" bIns="91425" anchor="b" anchorCtr="0">
-            <a:noAutofit/>
-          </a:bodyPr>
-          <a:lstStyle/>
-          <a:p>
-            <a:pPr marL="0" lvl="0" indent="0" algn="ctr" rtl="0">
-              <a:spcBef>
-                <a:spcPts val="0"/>
-              </a:spcBef>
-              <a:spcAft>
-                <a:spcPts val="0"/>
-              </a:spcAft>
-              <a:buNone/>
-            </a:pPr>
-            <a:fld id="{00000000-1234-1234-1234-123412341234}" type="slidenum">
-              <a:rPr lang="en"/>
-              <a:t>18</a:t>
-            </a:fld>
-            <a:endParaRPr/>
-          </a:p>
-        </p:txBody>
-      </p:sp>
-      <p:sp>
-        <p:nvSpPr>
-          <p:cNvPr id="7" name="Google Shape;74;p15">
-            <a:extLst>
-              <a:ext uri="{FF2B5EF4-FFF2-40B4-BE49-F238E27FC236}">
-                <a16:creationId xmlns:a16="http://schemas.microsoft.com/office/drawing/2014/main" id="{A9438187-2317-4278-B597-92A738A18664}"/>
-              </a:ext>
-            </a:extLst>
-          </p:cNvPr>
-          <p:cNvSpPr txBox="1">
-            <a:spLocks/>
-          </p:cNvSpPr>
-          <p:nvPr/>
-        </p:nvSpPr>
-        <p:spPr>
-          <a:xfrm>
-            <a:off x="1619700" y="1991850"/>
-            <a:ext cx="5904600" cy="1159800"/>
-          </a:xfrm>
-          <a:prstGeom prst="rect">
-            <a:avLst/>
-          </a:prstGeom>
-          <a:noFill/>
-          <a:ln>
-            <a:noFill/>
-          </a:ln>
-        </p:spPr>
-        <p:txBody>
-          <a:bodyPr spcFirstLastPara="1" wrap="square" lIns="91425" tIns="91425" rIns="91425" bIns="91425" anchor="b" anchorCtr="0">
-            <a:noAutofit/>
-          </a:bodyPr>
-          <a:lstStyle>
-            <a:defPPr marR="0" lvl="0" algn="l" rtl="0">
-              <a:lnSpc>
-                <a:spcPct val="100000"/>
-              </a:lnSpc>
-              <a:spcBef>
-                <a:spcPts val="0"/>
-              </a:spcBef>
-              <a:spcAft>
-                <a:spcPts val="0"/>
-              </a:spcAft>
-            </a:defPPr>
-            <a:lvl1pPr marR="0" lvl="0" algn="ctr" rtl="0">
-              <a:lnSpc>
-                <a:spcPct val="100000"/>
-              </a:lnSpc>
-              <a:spcBef>
-                <a:spcPts val="0"/>
-              </a:spcBef>
-              <a:spcAft>
-                <a:spcPts val="0"/>
-              </a:spcAft>
-              <a:buClr>
-                <a:schemeClr val="dk1"/>
-              </a:buClr>
-              <a:buSzPts val="1600"/>
-              <a:buFont typeface="Playfair Display"/>
-              <a:buNone/>
-              <a:defRPr sz="1600" b="0" i="0" u="none" strike="noStrike" cap="none">
-                <a:solidFill>
-                  <a:schemeClr val="dk1"/>
-                </a:solidFill>
-                <a:highlight>
-                  <a:srgbClr val="F3F3F3"/>
-                </a:highlight>
-                <a:latin typeface="Playfair Display"/>
-                <a:ea typeface="Playfair Display"/>
-                <a:cs typeface="Playfair Display"/>
-                <a:sym typeface="Playfair Display"/>
-              </a:defRPr>
-            </a:lvl1pPr>
-            <a:lvl2pPr marR="0" lvl="1" algn="ctr" rtl="0">
-              <a:lnSpc>
-                <a:spcPct val="100000"/>
-              </a:lnSpc>
-              <a:spcBef>
-                <a:spcPts val="0"/>
-              </a:spcBef>
-              <a:spcAft>
-                <a:spcPts val="0"/>
-              </a:spcAft>
-              <a:buClr>
-                <a:schemeClr val="dk1"/>
-              </a:buClr>
-              <a:buSzPts val="1600"/>
-              <a:buFont typeface="Playfair Display"/>
-              <a:buNone/>
-              <a:defRPr sz="1600" b="0" i="0" u="none" strike="noStrike" cap="none">
-                <a:solidFill>
-                  <a:schemeClr val="dk1"/>
-                </a:solidFill>
-                <a:latin typeface="Playfair Display"/>
-                <a:ea typeface="Playfair Display"/>
-                <a:cs typeface="Playfair Display"/>
-                <a:sym typeface="Playfair Display"/>
-              </a:defRPr>
-            </a:lvl2pPr>
-            <a:lvl3pPr marR="0" lvl="2" algn="ctr" rtl="0">
-              <a:lnSpc>
-                <a:spcPct val="100000"/>
-              </a:lnSpc>
-              <a:spcBef>
-                <a:spcPts val="0"/>
-              </a:spcBef>
-              <a:spcAft>
-                <a:spcPts val="0"/>
-              </a:spcAft>
-              <a:buClr>
-                <a:schemeClr val="dk1"/>
-              </a:buClr>
-              <a:buSzPts val="1600"/>
-              <a:buFont typeface="Playfair Display"/>
-              <a:buNone/>
-              <a:defRPr sz="1600" b="0" i="0" u="none" strike="noStrike" cap="none">
-                <a:solidFill>
-                  <a:schemeClr val="dk1"/>
-                </a:solidFill>
-                <a:latin typeface="Playfair Display"/>
-                <a:ea typeface="Playfair Display"/>
-                <a:cs typeface="Playfair Display"/>
-                <a:sym typeface="Playfair Display"/>
-              </a:defRPr>
-            </a:lvl3pPr>
-            <a:lvl4pPr marR="0" lvl="3" algn="ctr" rtl="0">
-              <a:lnSpc>
-                <a:spcPct val="100000"/>
-              </a:lnSpc>
-              <a:spcBef>
-                <a:spcPts val="0"/>
-              </a:spcBef>
-              <a:spcAft>
-                <a:spcPts val="0"/>
-              </a:spcAft>
-              <a:buClr>
-                <a:schemeClr val="dk1"/>
-              </a:buClr>
-              <a:buSzPts val="1600"/>
-              <a:buFont typeface="Playfair Display"/>
-              <a:buNone/>
-              <a:defRPr sz="1600" b="0" i="0" u="none" strike="noStrike" cap="none">
-                <a:solidFill>
-                  <a:schemeClr val="dk1"/>
-                </a:solidFill>
-                <a:latin typeface="Playfair Display"/>
-                <a:ea typeface="Playfair Display"/>
-                <a:cs typeface="Playfair Display"/>
-                <a:sym typeface="Playfair Display"/>
-              </a:defRPr>
-            </a:lvl4pPr>
-            <a:lvl5pPr marR="0" lvl="4" algn="ctr" rtl="0">
-              <a:lnSpc>
-                <a:spcPct val="100000"/>
-              </a:lnSpc>
-              <a:spcBef>
-                <a:spcPts val="0"/>
-              </a:spcBef>
-              <a:spcAft>
-                <a:spcPts val="0"/>
-              </a:spcAft>
-              <a:buClr>
-                <a:schemeClr val="dk1"/>
-              </a:buClr>
-              <a:buSzPts val="1600"/>
-              <a:buFont typeface="Playfair Display"/>
-              <a:buNone/>
-              <a:defRPr sz="1600" b="0" i="0" u="none" strike="noStrike" cap="none">
-                <a:solidFill>
-                  <a:schemeClr val="dk1"/>
-                </a:solidFill>
-                <a:latin typeface="Playfair Display"/>
-                <a:ea typeface="Playfair Display"/>
-                <a:cs typeface="Playfair Display"/>
-                <a:sym typeface="Playfair Display"/>
-              </a:defRPr>
-            </a:lvl5pPr>
-            <a:lvl6pPr marR="0" lvl="5" algn="ctr" rtl="0">
-              <a:lnSpc>
-                <a:spcPct val="100000"/>
-              </a:lnSpc>
-              <a:spcBef>
-                <a:spcPts val="0"/>
-              </a:spcBef>
-              <a:spcAft>
-                <a:spcPts val="0"/>
-              </a:spcAft>
-              <a:buClr>
-                <a:schemeClr val="dk1"/>
-              </a:buClr>
-              <a:buSzPts val="1600"/>
-              <a:buFont typeface="Playfair Display"/>
-              <a:buNone/>
-              <a:defRPr sz="1600" b="0" i="0" u="none" strike="noStrike" cap="none">
-                <a:solidFill>
-                  <a:schemeClr val="dk1"/>
-                </a:solidFill>
-                <a:latin typeface="Playfair Display"/>
-                <a:ea typeface="Playfair Display"/>
-                <a:cs typeface="Playfair Display"/>
-                <a:sym typeface="Playfair Display"/>
-              </a:defRPr>
-            </a:lvl6pPr>
-            <a:lvl7pPr marR="0" lvl="6" algn="ctr" rtl="0">
-              <a:lnSpc>
-                <a:spcPct val="100000"/>
-              </a:lnSpc>
-              <a:spcBef>
-                <a:spcPts val="0"/>
-              </a:spcBef>
-              <a:spcAft>
-                <a:spcPts val="0"/>
-              </a:spcAft>
-              <a:buClr>
-                <a:schemeClr val="dk1"/>
-              </a:buClr>
-              <a:buSzPts val="1600"/>
-              <a:buFont typeface="Playfair Display"/>
-              <a:buNone/>
-              <a:defRPr sz="1600" b="0" i="0" u="none" strike="noStrike" cap="none">
-                <a:solidFill>
-                  <a:schemeClr val="dk1"/>
-                </a:solidFill>
-                <a:latin typeface="Playfair Display"/>
-                <a:ea typeface="Playfair Display"/>
-                <a:cs typeface="Playfair Display"/>
-                <a:sym typeface="Playfair Display"/>
-              </a:defRPr>
-            </a:lvl7pPr>
-            <a:lvl8pPr marR="0" lvl="7" algn="ctr" rtl="0">
-              <a:lnSpc>
-                <a:spcPct val="100000"/>
-              </a:lnSpc>
-              <a:spcBef>
-                <a:spcPts val="0"/>
-              </a:spcBef>
-              <a:spcAft>
-                <a:spcPts val="0"/>
-              </a:spcAft>
-              <a:buClr>
-                <a:schemeClr val="dk1"/>
-              </a:buClr>
-              <a:buSzPts val="1600"/>
-              <a:buFont typeface="Playfair Display"/>
-              <a:buNone/>
-              <a:defRPr sz="1600" b="0" i="0" u="none" strike="noStrike" cap="none">
-                <a:solidFill>
-                  <a:schemeClr val="dk1"/>
-                </a:solidFill>
-                <a:latin typeface="Playfair Display"/>
-                <a:ea typeface="Playfair Display"/>
-                <a:cs typeface="Playfair Display"/>
-                <a:sym typeface="Playfair Display"/>
-              </a:defRPr>
-            </a:lvl8pPr>
-            <a:lvl9pPr marR="0" lvl="8" algn="ctr" rtl="0">
-              <a:lnSpc>
-                <a:spcPct val="100000"/>
-              </a:lnSpc>
-              <a:spcBef>
-                <a:spcPts val="0"/>
-              </a:spcBef>
-              <a:spcAft>
-                <a:spcPts val="0"/>
-              </a:spcAft>
-              <a:buClr>
-                <a:schemeClr val="dk1"/>
-              </a:buClr>
-              <a:buSzPts val="1600"/>
-              <a:buFont typeface="Playfair Display"/>
-              <a:buNone/>
-              <a:defRPr sz="1600" b="0" i="0" u="none" strike="noStrike" cap="none">
-                <a:solidFill>
-                  <a:schemeClr val="dk1"/>
-                </a:solidFill>
-                <a:latin typeface="Playfair Display"/>
-                <a:ea typeface="Playfair Display"/>
-                <a:cs typeface="Playfair Display"/>
-                <a:sym typeface="Playfair Display"/>
-              </a:defRPr>
-            </a:lvl9pPr>
-          </a:lstStyle>
-          <a:p>
-            <a:r>
-              <a:rPr lang="ko-KR" altLang="en-US" sz="2400" dirty="0"/>
-              <a:t>장거리 마라톤이 될 예정</a:t>
-            </a:r>
-            <a:endParaRPr lang="en-US" altLang="ko-KR" sz="2400" dirty="0"/>
-          </a:p>
-          <a:p>
-            <a:endParaRPr lang="en-US" altLang="ko-KR" sz="2400" dirty="0"/>
-          </a:p>
-          <a:p>
-            <a:r>
-              <a:rPr lang="ko-KR" altLang="en-US" sz="2400" dirty="0"/>
-              <a:t>누적 복습</a:t>
-            </a:r>
-            <a:endParaRPr lang="en-US" altLang="ko-KR" sz="2400" dirty="0"/>
-          </a:p>
-          <a:p>
-            <a:r>
-              <a:rPr lang="ko-KR" altLang="en-US" sz="2400" dirty="0"/>
-              <a:t>코드 및 강의자료 공개</a:t>
-            </a:r>
-          </a:p>
-        </p:txBody>
-      </p:sp>
-      <p:sp>
-        <p:nvSpPr>
-          <p:cNvPr id="8" name="Google Shape;76;p15">
-            <a:extLst>
-              <a:ext uri="{FF2B5EF4-FFF2-40B4-BE49-F238E27FC236}">
-                <a16:creationId xmlns:a16="http://schemas.microsoft.com/office/drawing/2014/main" id="{6C017B13-5B9D-47AB-91D9-E74D9D0A3D45}"/>
-              </a:ext>
-            </a:extLst>
-          </p:cNvPr>
-          <p:cNvSpPr txBox="1">
-            <a:spLocks/>
-          </p:cNvSpPr>
-          <p:nvPr/>
-        </p:nvSpPr>
-        <p:spPr>
-          <a:xfrm>
-            <a:off x="4297650" y="4419838"/>
-            <a:ext cx="548700" cy="393600"/>
-          </a:xfrm>
-          <a:prstGeom prst="rect">
-            <a:avLst/>
-          </a:prstGeom>
-          <a:noFill/>
-          <a:ln>
-            <a:noFill/>
-          </a:ln>
-        </p:spPr>
-        <p:txBody>
-          <a:bodyPr spcFirstLastPara="1" wrap="square" lIns="91425" tIns="91425" rIns="91425" bIns="91425" anchor="b" anchorCtr="0">
-            <a:noAutofit/>
-          </a:bodyPr>
-          <a:lstStyle>
-            <a:defPPr marR="0" lvl="0" algn="l" rtl="0">
-              <a:lnSpc>
-                <a:spcPct val="100000"/>
-              </a:lnSpc>
-              <a:spcBef>
-                <a:spcPts val="0"/>
-              </a:spcBef>
-              <a:spcAft>
-                <a:spcPts val="0"/>
-              </a:spcAft>
-            </a:defPPr>
-            <a:lvl1pPr marR="0" lvl="0" algn="ctr" rtl="0">
-              <a:lnSpc>
-                <a:spcPct val="100000"/>
-              </a:lnSpc>
-              <a:spcBef>
-                <a:spcPts val="0"/>
-              </a:spcBef>
-              <a:spcAft>
-                <a:spcPts val="0"/>
-              </a:spcAft>
-              <a:buClr>
-                <a:srgbClr val="000000"/>
-              </a:buClr>
-              <a:buFont typeface="Arial"/>
-              <a:buNone/>
-              <a:defRPr sz="1100" b="0" i="0" u="none" strike="noStrike" cap="none">
-                <a:solidFill>
-                  <a:schemeClr val="accent3"/>
-                </a:solidFill>
-                <a:latin typeface="PT Serif"/>
-                <a:ea typeface="PT Serif"/>
-                <a:cs typeface="PT Serif"/>
-                <a:sym typeface="PT Serif"/>
-              </a:defRPr>
-            </a:lvl1pPr>
-            <a:lvl2pPr marR="0" lvl="1" algn="ctr" rtl="0">
-              <a:lnSpc>
-                <a:spcPct val="100000"/>
-              </a:lnSpc>
-              <a:spcBef>
-                <a:spcPts val="0"/>
-              </a:spcBef>
-              <a:spcAft>
-                <a:spcPts val="0"/>
-              </a:spcAft>
-              <a:buClr>
-                <a:srgbClr val="000000"/>
-              </a:buClr>
-              <a:buFont typeface="Arial"/>
-              <a:buNone/>
-              <a:defRPr sz="1100" b="0" i="0" u="none" strike="noStrike" cap="none">
-                <a:solidFill>
-                  <a:schemeClr val="accent3"/>
-                </a:solidFill>
-                <a:latin typeface="PT Serif"/>
-                <a:ea typeface="PT Serif"/>
-                <a:cs typeface="PT Serif"/>
-                <a:sym typeface="PT Serif"/>
-              </a:defRPr>
-            </a:lvl2pPr>
-            <a:lvl3pPr marR="0" lvl="2" algn="ctr" rtl="0">
-              <a:lnSpc>
-                <a:spcPct val="100000"/>
-              </a:lnSpc>
-              <a:spcBef>
-                <a:spcPts val="0"/>
-              </a:spcBef>
-              <a:spcAft>
-                <a:spcPts val="0"/>
-              </a:spcAft>
-              <a:buClr>
-                <a:srgbClr val="000000"/>
-              </a:buClr>
-              <a:buFont typeface="Arial"/>
-              <a:buNone/>
-              <a:defRPr sz="1100" b="0" i="0" u="none" strike="noStrike" cap="none">
-                <a:solidFill>
-                  <a:schemeClr val="accent3"/>
-                </a:solidFill>
-                <a:latin typeface="PT Serif"/>
-                <a:ea typeface="PT Serif"/>
-                <a:cs typeface="PT Serif"/>
-                <a:sym typeface="PT Serif"/>
-              </a:defRPr>
-            </a:lvl3pPr>
-            <a:lvl4pPr marR="0" lvl="3" algn="ctr" rtl="0">
-              <a:lnSpc>
-                <a:spcPct val="100000"/>
-              </a:lnSpc>
-              <a:spcBef>
-                <a:spcPts val="0"/>
-              </a:spcBef>
-              <a:spcAft>
-                <a:spcPts val="0"/>
-              </a:spcAft>
-              <a:buClr>
-                <a:srgbClr val="000000"/>
-              </a:buClr>
-              <a:buFont typeface="Arial"/>
-              <a:buNone/>
-              <a:defRPr sz="1100" b="0" i="0" u="none" strike="noStrike" cap="none">
-                <a:solidFill>
-                  <a:schemeClr val="accent3"/>
-                </a:solidFill>
-                <a:latin typeface="PT Serif"/>
-                <a:ea typeface="PT Serif"/>
-                <a:cs typeface="PT Serif"/>
-                <a:sym typeface="PT Serif"/>
-              </a:defRPr>
-            </a:lvl4pPr>
-            <a:lvl5pPr marR="0" lvl="4" algn="ctr" rtl="0">
-              <a:lnSpc>
-                <a:spcPct val="100000"/>
-              </a:lnSpc>
-              <a:spcBef>
-                <a:spcPts val="0"/>
-              </a:spcBef>
-              <a:spcAft>
-                <a:spcPts val="0"/>
-              </a:spcAft>
-              <a:buClr>
-                <a:srgbClr val="000000"/>
-              </a:buClr>
-              <a:buFont typeface="Arial"/>
-              <a:buNone/>
-              <a:defRPr sz="1100" b="0" i="0" u="none" strike="noStrike" cap="none">
-                <a:solidFill>
-                  <a:schemeClr val="accent3"/>
-                </a:solidFill>
-                <a:latin typeface="PT Serif"/>
-                <a:ea typeface="PT Serif"/>
-                <a:cs typeface="PT Serif"/>
-                <a:sym typeface="PT Serif"/>
-              </a:defRPr>
-            </a:lvl5pPr>
-            <a:lvl6pPr marR="0" lvl="5" algn="ctr" rtl="0">
-              <a:lnSpc>
-                <a:spcPct val="100000"/>
-              </a:lnSpc>
-              <a:spcBef>
-                <a:spcPts val="0"/>
-              </a:spcBef>
-              <a:spcAft>
-                <a:spcPts val="0"/>
-              </a:spcAft>
-              <a:buClr>
-                <a:srgbClr val="000000"/>
-              </a:buClr>
-              <a:buFont typeface="Arial"/>
-              <a:buNone/>
-              <a:defRPr sz="1100" b="0" i="0" u="none" strike="noStrike" cap="none">
-                <a:solidFill>
-                  <a:schemeClr val="accent3"/>
-                </a:solidFill>
-                <a:latin typeface="PT Serif"/>
-                <a:ea typeface="PT Serif"/>
-                <a:cs typeface="PT Serif"/>
-                <a:sym typeface="PT Serif"/>
-              </a:defRPr>
-            </a:lvl6pPr>
-            <a:lvl7pPr marR="0" lvl="6" algn="ctr" rtl="0">
-              <a:lnSpc>
-                <a:spcPct val="100000"/>
-              </a:lnSpc>
-              <a:spcBef>
-                <a:spcPts val="0"/>
-              </a:spcBef>
-              <a:spcAft>
-                <a:spcPts val="0"/>
-              </a:spcAft>
-              <a:buClr>
-                <a:srgbClr val="000000"/>
-              </a:buClr>
-              <a:buFont typeface="Arial"/>
-              <a:buNone/>
-              <a:defRPr sz="1100" b="0" i="0" u="none" strike="noStrike" cap="none">
-                <a:solidFill>
-                  <a:schemeClr val="accent3"/>
-                </a:solidFill>
-                <a:latin typeface="PT Serif"/>
-                <a:ea typeface="PT Serif"/>
-                <a:cs typeface="PT Serif"/>
-                <a:sym typeface="PT Serif"/>
-              </a:defRPr>
-            </a:lvl7pPr>
-            <a:lvl8pPr marR="0" lvl="7" algn="ctr" rtl="0">
-              <a:lnSpc>
-                <a:spcPct val="100000"/>
-              </a:lnSpc>
-              <a:spcBef>
-                <a:spcPts val="0"/>
-              </a:spcBef>
-              <a:spcAft>
-                <a:spcPts val="0"/>
-              </a:spcAft>
-              <a:buClr>
-                <a:srgbClr val="000000"/>
-              </a:buClr>
-              <a:buFont typeface="Arial"/>
-              <a:buNone/>
-              <a:defRPr sz="1100" b="0" i="0" u="none" strike="noStrike" cap="none">
-                <a:solidFill>
-                  <a:schemeClr val="accent3"/>
-                </a:solidFill>
-                <a:latin typeface="PT Serif"/>
-                <a:ea typeface="PT Serif"/>
-                <a:cs typeface="PT Serif"/>
-                <a:sym typeface="PT Serif"/>
-              </a:defRPr>
-            </a:lvl8pPr>
-            <a:lvl9pPr marR="0" lvl="8" algn="ctr" rtl="0">
-              <a:lnSpc>
-                <a:spcPct val="100000"/>
-              </a:lnSpc>
-              <a:spcBef>
-                <a:spcPts val="0"/>
-              </a:spcBef>
-              <a:spcAft>
-                <a:spcPts val="0"/>
-              </a:spcAft>
-              <a:buClr>
-                <a:srgbClr val="000000"/>
-              </a:buClr>
-              <a:buFont typeface="Arial"/>
-              <a:buNone/>
-              <a:defRPr sz="1100" b="0" i="0" u="none" strike="noStrike" cap="none">
-                <a:solidFill>
-                  <a:schemeClr val="accent3"/>
-                </a:solidFill>
-                <a:latin typeface="PT Serif"/>
-                <a:ea typeface="PT Serif"/>
-                <a:cs typeface="PT Serif"/>
-                <a:sym typeface="PT Serif"/>
-              </a:defRPr>
-            </a:lvl9pPr>
-          </a:lstStyle>
-          <a:p>
-            <a:fld id="{00000000-1234-1234-1234-123412341234}" type="slidenum">
-              <a:rPr lang="en" smtClean="0"/>
-              <a:pPr/>
-              <a:t>18</a:t>
-            </a:fld>
-            <a:endParaRPr lang="en"/>
-          </a:p>
-        </p:txBody>
-      </p:sp>
-    </p:spTree>
-    <p:extLst>
-      <p:ext uri="{BB962C8B-B14F-4D97-AF65-F5344CB8AC3E}">
-        <p14:creationId xmlns:p14="http://schemas.microsoft.com/office/powerpoint/2010/main" val="3194523113"/>
-      </p:ext>
-    </p:extLst>
-  </p:cSld>
-  <p:clrMapOvr>
-    <a:masterClrMapping/>
-  </p:clrMapOvr>
-</p:sld>
-</file>
-
-<file path=ppt/slides/slide19.xml><?xml version="1.0" encoding="utf-8"?>
-<p:sld xmlns:a="http://schemas.openxmlformats.org/drawingml/2006/main" xmlns:r="http://schemas.openxmlformats.org/officeDocument/2006/relationships" xmlns:p="http://schemas.openxmlformats.org/presentationml/2006/main">
-  <p:cSld>
-    <p:spTree>
-      <p:nvGrpSpPr>
-        <p:cNvPr id="1" name="Shape 86"/>
-        <p:cNvGrpSpPr/>
-        <p:nvPr/>
-      </p:nvGrpSpPr>
-      <p:grpSpPr>
-        <a:xfrm>
-          <a:off x="0" y="0"/>
-          <a:ext cx="0" cy="0"/>
-          <a:chOff x="0" y="0"/>
-          <a:chExt cx="0" cy="0"/>
-        </a:xfrm>
-      </p:grpSpPr>
-      <p:sp>
-        <p:nvSpPr>
-          <p:cNvPr id="87" name="Google Shape;87;p17"/>
-          <p:cNvSpPr txBox="1">
-            <a:spLocks noGrp="1"/>
-          </p:cNvSpPr>
-          <p:nvPr>
-            <p:ph type="title"/>
-          </p:nvPr>
-        </p:nvSpPr>
-        <p:spPr>
-          <a:xfrm>
-            <a:off x="388955" y="338306"/>
-            <a:ext cx="8366100" cy="762600"/>
-          </a:xfrm>
-          <a:prstGeom prst="rect">
-            <a:avLst/>
-          </a:prstGeom>
-        </p:spPr>
-        <p:txBody>
-          <a:bodyPr spcFirstLastPara="1" wrap="square" lIns="91425" tIns="91425" rIns="91425" bIns="91425" anchor="ctr" anchorCtr="0">
-            <a:noAutofit/>
-          </a:bodyPr>
-          <a:lstStyle/>
-          <a:p>
-            <a:pPr marL="0" lvl="0" indent="0" algn="ctr" rtl="0">
-              <a:spcBef>
-                <a:spcPts val="0"/>
-              </a:spcBef>
-              <a:spcAft>
-                <a:spcPts val="0"/>
-              </a:spcAft>
-              <a:buNone/>
-            </a:pPr>
-            <a:r>
-              <a:rPr lang="ko-KR" altLang="en-US" dirty="0"/>
-              <a:t>미리</a:t>
-            </a:r>
-            <a:r>
-              <a:rPr lang="en-US" altLang="ko-KR" dirty="0"/>
-              <a:t> </a:t>
-            </a:r>
-            <a:r>
-              <a:rPr lang="ko-KR" altLang="en-US" dirty="0"/>
-              <a:t>드리는 공지</a:t>
-            </a:r>
-            <a:endParaRPr dirty="0"/>
-          </a:p>
-        </p:txBody>
-      </p:sp>
-      <p:sp>
-        <p:nvSpPr>
-          <p:cNvPr id="89" name="Google Shape;89;p17"/>
-          <p:cNvSpPr txBox="1">
-            <a:spLocks noGrp="1"/>
-          </p:cNvSpPr>
-          <p:nvPr>
-            <p:ph type="sldNum" idx="12"/>
-          </p:nvPr>
-        </p:nvSpPr>
-        <p:spPr>
-          <a:xfrm>
-            <a:off x="4297650" y="4419838"/>
-            <a:ext cx="548700" cy="393600"/>
-          </a:xfrm>
-          <a:prstGeom prst="rect">
-            <a:avLst/>
-          </a:prstGeom>
-        </p:spPr>
-        <p:txBody>
-          <a:bodyPr spcFirstLastPara="1" wrap="square" lIns="91425" tIns="91425" rIns="91425" bIns="91425" anchor="b" anchorCtr="0">
-            <a:noAutofit/>
-          </a:bodyPr>
-          <a:lstStyle/>
-          <a:p>
-            <a:pPr marL="0" lvl="0" indent="0" algn="ctr" rtl="0">
-              <a:spcBef>
-                <a:spcPts val="0"/>
-              </a:spcBef>
-              <a:spcAft>
-                <a:spcPts val="0"/>
-              </a:spcAft>
-              <a:buNone/>
-            </a:pPr>
-            <a:fld id="{00000000-1234-1234-1234-123412341234}" type="slidenum">
-              <a:rPr lang="en"/>
-              <a:t>19</a:t>
-            </a:fld>
-            <a:endParaRPr/>
-          </a:p>
-        </p:txBody>
-      </p:sp>
-      <p:sp>
-        <p:nvSpPr>
-          <p:cNvPr id="7" name="Google Shape;74;p15">
-            <a:extLst>
-              <a:ext uri="{FF2B5EF4-FFF2-40B4-BE49-F238E27FC236}">
-                <a16:creationId xmlns:a16="http://schemas.microsoft.com/office/drawing/2014/main" id="{A9438187-2317-4278-B597-92A738A18664}"/>
-              </a:ext>
-            </a:extLst>
-          </p:cNvPr>
-          <p:cNvSpPr txBox="1">
-            <a:spLocks/>
-          </p:cNvSpPr>
-          <p:nvPr/>
-        </p:nvSpPr>
-        <p:spPr>
-          <a:xfrm>
-            <a:off x="1619700" y="1665785"/>
-            <a:ext cx="5904600" cy="1159800"/>
-          </a:xfrm>
-          <a:prstGeom prst="rect">
-            <a:avLst/>
-          </a:prstGeom>
-          <a:noFill/>
-          <a:ln>
-            <a:noFill/>
-          </a:ln>
-        </p:spPr>
-        <p:txBody>
-          <a:bodyPr spcFirstLastPara="1" wrap="square" lIns="91425" tIns="91425" rIns="91425" bIns="91425" anchor="b" anchorCtr="0">
-            <a:noAutofit/>
-          </a:bodyPr>
-          <a:lstStyle>
-            <a:defPPr marR="0" lvl="0" algn="l" rtl="0">
-              <a:lnSpc>
-                <a:spcPct val="100000"/>
-              </a:lnSpc>
-              <a:spcBef>
-                <a:spcPts val="0"/>
-              </a:spcBef>
-              <a:spcAft>
-                <a:spcPts val="0"/>
-              </a:spcAft>
-            </a:defPPr>
-            <a:lvl1pPr marR="0" lvl="0" algn="ctr" rtl="0">
-              <a:lnSpc>
-                <a:spcPct val="100000"/>
-              </a:lnSpc>
-              <a:spcBef>
-                <a:spcPts val="0"/>
-              </a:spcBef>
-              <a:spcAft>
-                <a:spcPts val="0"/>
-              </a:spcAft>
-              <a:buClr>
-                <a:schemeClr val="dk1"/>
-              </a:buClr>
-              <a:buSzPts val="1600"/>
-              <a:buFont typeface="Playfair Display"/>
-              <a:buNone/>
-              <a:defRPr sz="1600" b="0" i="0" u="none" strike="noStrike" cap="none">
-                <a:solidFill>
-                  <a:schemeClr val="dk1"/>
-                </a:solidFill>
-                <a:highlight>
-                  <a:srgbClr val="F3F3F3"/>
-                </a:highlight>
-                <a:latin typeface="Playfair Display"/>
-                <a:ea typeface="Playfair Display"/>
-                <a:cs typeface="Playfair Display"/>
-                <a:sym typeface="Playfair Display"/>
-              </a:defRPr>
-            </a:lvl1pPr>
-            <a:lvl2pPr marR="0" lvl="1" algn="ctr" rtl="0">
-              <a:lnSpc>
-                <a:spcPct val="100000"/>
-              </a:lnSpc>
-              <a:spcBef>
-                <a:spcPts val="0"/>
-              </a:spcBef>
-              <a:spcAft>
-                <a:spcPts val="0"/>
-              </a:spcAft>
-              <a:buClr>
-                <a:schemeClr val="dk1"/>
-              </a:buClr>
-              <a:buSzPts val="1600"/>
-              <a:buFont typeface="Playfair Display"/>
-              <a:buNone/>
-              <a:defRPr sz="1600" b="0" i="0" u="none" strike="noStrike" cap="none">
-                <a:solidFill>
-                  <a:schemeClr val="dk1"/>
-                </a:solidFill>
-                <a:latin typeface="Playfair Display"/>
-                <a:ea typeface="Playfair Display"/>
-                <a:cs typeface="Playfair Display"/>
-                <a:sym typeface="Playfair Display"/>
-              </a:defRPr>
-            </a:lvl2pPr>
-            <a:lvl3pPr marR="0" lvl="2" algn="ctr" rtl="0">
-              <a:lnSpc>
-                <a:spcPct val="100000"/>
-              </a:lnSpc>
-              <a:spcBef>
-                <a:spcPts val="0"/>
-              </a:spcBef>
-              <a:spcAft>
-                <a:spcPts val="0"/>
-              </a:spcAft>
-              <a:buClr>
-                <a:schemeClr val="dk1"/>
-              </a:buClr>
-              <a:buSzPts val="1600"/>
-              <a:buFont typeface="Playfair Display"/>
-              <a:buNone/>
-              <a:defRPr sz="1600" b="0" i="0" u="none" strike="noStrike" cap="none">
-                <a:solidFill>
-                  <a:schemeClr val="dk1"/>
-                </a:solidFill>
-                <a:latin typeface="Playfair Display"/>
-                <a:ea typeface="Playfair Display"/>
-                <a:cs typeface="Playfair Display"/>
-                <a:sym typeface="Playfair Display"/>
-              </a:defRPr>
-            </a:lvl3pPr>
-            <a:lvl4pPr marR="0" lvl="3" algn="ctr" rtl="0">
-              <a:lnSpc>
-                <a:spcPct val="100000"/>
-              </a:lnSpc>
-              <a:spcBef>
-                <a:spcPts val="0"/>
-              </a:spcBef>
-              <a:spcAft>
-                <a:spcPts val="0"/>
-              </a:spcAft>
-              <a:buClr>
-                <a:schemeClr val="dk1"/>
-              </a:buClr>
-              <a:buSzPts val="1600"/>
-              <a:buFont typeface="Playfair Display"/>
-              <a:buNone/>
-              <a:defRPr sz="1600" b="0" i="0" u="none" strike="noStrike" cap="none">
-                <a:solidFill>
-                  <a:schemeClr val="dk1"/>
-                </a:solidFill>
-                <a:latin typeface="Playfair Display"/>
-                <a:ea typeface="Playfair Display"/>
-                <a:cs typeface="Playfair Display"/>
-                <a:sym typeface="Playfair Display"/>
-              </a:defRPr>
-            </a:lvl4pPr>
-            <a:lvl5pPr marR="0" lvl="4" algn="ctr" rtl="0">
-              <a:lnSpc>
-                <a:spcPct val="100000"/>
-              </a:lnSpc>
-              <a:spcBef>
-                <a:spcPts val="0"/>
-              </a:spcBef>
-              <a:spcAft>
-                <a:spcPts val="0"/>
-              </a:spcAft>
-              <a:buClr>
-                <a:schemeClr val="dk1"/>
-              </a:buClr>
-              <a:buSzPts val="1600"/>
-              <a:buFont typeface="Playfair Display"/>
-              <a:buNone/>
-              <a:defRPr sz="1600" b="0" i="0" u="none" strike="noStrike" cap="none">
-                <a:solidFill>
-                  <a:schemeClr val="dk1"/>
-                </a:solidFill>
-                <a:latin typeface="Playfair Display"/>
-                <a:ea typeface="Playfair Display"/>
-                <a:cs typeface="Playfair Display"/>
-                <a:sym typeface="Playfair Display"/>
-              </a:defRPr>
-            </a:lvl5pPr>
-            <a:lvl6pPr marR="0" lvl="5" algn="ctr" rtl="0">
-              <a:lnSpc>
-                <a:spcPct val="100000"/>
-              </a:lnSpc>
-              <a:spcBef>
-                <a:spcPts val="0"/>
-              </a:spcBef>
-              <a:spcAft>
-                <a:spcPts val="0"/>
-              </a:spcAft>
-              <a:buClr>
-                <a:schemeClr val="dk1"/>
-              </a:buClr>
-              <a:buSzPts val="1600"/>
-              <a:buFont typeface="Playfair Display"/>
-              <a:buNone/>
-              <a:defRPr sz="1600" b="0" i="0" u="none" strike="noStrike" cap="none">
-                <a:solidFill>
-                  <a:schemeClr val="dk1"/>
-                </a:solidFill>
-                <a:latin typeface="Playfair Display"/>
-                <a:ea typeface="Playfair Display"/>
-                <a:cs typeface="Playfair Display"/>
-                <a:sym typeface="Playfair Display"/>
-              </a:defRPr>
-            </a:lvl6pPr>
-            <a:lvl7pPr marR="0" lvl="6" algn="ctr" rtl="0">
-              <a:lnSpc>
-                <a:spcPct val="100000"/>
-              </a:lnSpc>
-              <a:spcBef>
-                <a:spcPts val="0"/>
-              </a:spcBef>
-              <a:spcAft>
-                <a:spcPts val="0"/>
-              </a:spcAft>
-              <a:buClr>
-                <a:schemeClr val="dk1"/>
-              </a:buClr>
-              <a:buSzPts val="1600"/>
-              <a:buFont typeface="Playfair Display"/>
-              <a:buNone/>
-              <a:defRPr sz="1600" b="0" i="0" u="none" strike="noStrike" cap="none">
-                <a:solidFill>
-                  <a:schemeClr val="dk1"/>
-                </a:solidFill>
-                <a:latin typeface="Playfair Display"/>
-                <a:ea typeface="Playfair Display"/>
-                <a:cs typeface="Playfair Display"/>
-                <a:sym typeface="Playfair Display"/>
-              </a:defRPr>
-            </a:lvl7pPr>
-            <a:lvl8pPr marR="0" lvl="7" algn="ctr" rtl="0">
-              <a:lnSpc>
-                <a:spcPct val="100000"/>
-              </a:lnSpc>
-              <a:spcBef>
-                <a:spcPts val="0"/>
-              </a:spcBef>
-              <a:spcAft>
-                <a:spcPts val="0"/>
-              </a:spcAft>
-              <a:buClr>
-                <a:schemeClr val="dk1"/>
-              </a:buClr>
-              <a:buSzPts val="1600"/>
-              <a:buFont typeface="Playfair Display"/>
-              <a:buNone/>
-              <a:defRPr sz="1600" b="0" i="0" u="none" strike="noStrike" cap="none">
-                <a:solidFill>
-                  <a:schemeClr val="dk1"/>
-                </a:solidFill>
-                <a:latin typeface="Playfair Display"/>
-                <a:ea typeface="Playfair Display"/>
-                <a:cs typeface="Playfair Display"/>
-                <a:sym typeface="Playfair Display"/>
-              </a:defRPr>
-            </a:lvl8pPr>
-            <a:lvl9pPr marR="0" lvl="8" algn="ctr" rtl="0">
-              <a:lnSpc>
-                <a:spcPct val="100000"/>
-              </a:lnSpc>
-              <a:spcBef>
-                <a:spcPts val="0"/>
-              </a:spcBef>
-              <a:spcAft>
-                <a:spcPts val="0"/>
-              </a:spcAft>
-              <a:buClr>
-                <a:schemeClr val="dk1"/>
-              </a:buClr>
-              <a:buSzPts val="1600"/>
-              <a:buFont typeface="Playfair Display"/>
-              <a:buNone/>
-              <a:defRPr sz="1600" b="0" i="0" u="none" strike="noStrike" cap="none">
-                <a:solidFill>
-                  <a:schemeClr val="dk1"/>
-                </a:solidFill>
-                <a:latin typeface="Playfair Display"/>
-                <a:ea typeface="Playfair Display"/>
-                <a:cs typeface="Playfair Display"/>
-                <a:sym typeface="Playfair Display"/>
-              </a:defRPr>
-            </a:lvl9pPr>
-          </a:lstStyle>
-          <a:p>
-            <a:r>
-              <a:rPr lang="ko-KR" altLang="en-US" sz="2400"/>
-              <a:t>결국은 라이브러리 활용</a:t>
-            </a:r>
-            <a:endParaRPr lang="ko-KR" altLang="en-US" sz="2400" dirty="0"/>
-          </a:p>
-        </p:txBody>
-      </p:sp>
-      <p:sp>
-        <p:nvSpPr>
-          <p:cNvPr id="8" name="Google Shape;76;p15">
-            <a:extLst>
-              <a:ext uri="{FF2B5EF4-FFF2-40B4-BE49-F238E27FC236}">
-                <a16:creationId xmlns:a16="http://schemas.microsoft.com/office/drawing/2014/main" id="{6C017B13-5B9D-47AB-91D9-E74D9D0A3D45}"/>
-              </a:ext>
-            </a:extLst>
-          </p:cNvPr>
-          <p:cNvSpPr txBox="1">
-            <a:spLocks/>
-          </p:cNvSpPr>
-          <p:nvPr/>
-        </p:nvSpPr>
-        <p:spPr>
-          <a:xfrm>
-            <a:off x="4297650" y="4419838"/>
-            <a:ext cx="548700" cy="393600"/>
-          </a:xfrm>
-          <a:prstGeom prst="rect">
-            <a:avLst/>
-          </a:prstGeom>
-          <a:noFill/>
-          <a:ln>
-            <a:noFill/>
-          </a:ln>
-        </p:spPr>
-        <p:txBody>
-          <a:bodyPr spcFirstLastPara="1" wrap="square" lIns="91425" tIns="91425" rIns="91425" bIns="91425" anchor="b" anchorCtr="0">
-            <a:noAutofit/>
-          </a:bodyPr>
-          <a:lstStyle>
-            <a:defPPr marR="0" lvl="0" algn="l" rtl="0">
-              <a:lnSpc>
-                <a:spcPct val="100000"/>
-              </a:lnSpc>
-              <a:spcBef>
-                <a:spcPts val="0"/>
-              </a:spcBef>
-              <a:spcAft>
-                <a:spcPts val="0"/>
-              </a:spcAft>
-            </a:defPPr>
-            <a:lvl1pPr marR="0" lvl="0" algn="ctr" rtl="0">
-              <a:lnSpc>
-                <a:spcPct val="100000"/>
-              </a:lnSpc>
-              <a:spcBef>
-                <a:spcPts val="0"/>
-              </a:spcBef>
-              <a:spcAft>
-                <a:spcPts val="0"/>
-              </a:spcAft>
-              <a:buClr>
-                <a:srgbClr val="000000"/>
-              </a:buClr>
-              <a:buFont typeface="Arial"/>
-              <a:buNone/>
-              <a:defRPr sz="1100" b="0" i="0" u="none" strike="noStrike" cap="none">
-                <a:solidFill>
-                  <a:schemeClr val="accent3"/>
-                </a:solidFill>
-                <a:latin typeface="PT Serif"/>
-                <a:ea typeface="PT Serif"/>
-                <a:cs typeface="PT Serif"/>
-                <a:sym typeface="PT Serif"/>
-              </a:defRPr>
-            </a:lvl1pPr>
-            <a:lvl2pPr marR="0" lvl="1" algn="ctr" rtl="0">
-              <a:lnSpc>
-                <a:spcPct val="100000"/>
-              </a:lnSpc>
-              <a:spcBef>
-                <a:spcPts val="0"/>
-              </a:spcBef>
-              <a:spcAft>
-                <a:spcPts val="0"/>
-              </a:spcAft>
-              <a:buClr>
-                <a:srgbClr val="000000"/>
-              </a:buClr>
-              <a:buFont typeface="Arial"/>
-              <a:buNone/>
-              <a:defRPr sz="1100" b="0" i="0" u="none" strike="noStrike" cap="none">
-                <a:solidFill>
-                  <a:schemeClr val="accent3"/>
-                </a:solidFill>
-                <a:latin typeface="PT Serif"/>
-                <a:ea typeface="PT Serif"/>
-                <a:cs typeface="PT Serif"/>
-                <a:sym typeface="PT Serif"/>
-              </a:defRPr>
-            </a:lvl2pPr>
-            <a:lvl3pPr marR="0" lvl="2" algn="ctr" rtl="0">
-              <a:lnSpc>
-                <a:spcPct val="100000"/>
-              </a:lnSpc>
-              <a:spcBef>
-                <a:spcPts val="0"/>
-              </a:spcBef>
-              <a:spcAft>
-                <a:spcPts val="0"/>
-              </a:spcAft>
-              <a:buClr>
-                <a:srgbClr val="000000"/>
-              </a:buClr>
-              <a:buFont typeface="Arial"/>
-              <a:buNone/>
-              <a:defRPr sz="1100" b="0" i="0" u="none" strike="noStrike" cap="none">
-                <a:solidFill>
-                  <a:schemeClr val="accent3"/>
-                </a:solidFill>
-                <a:latin typeface="PT Serif"/>
-                <a:ea typeface="PT Serif"/>
-                <a:cs typeface="PT Serif"/>
-                <a:sym typeface="PT Serif"/>
-              </a:defRPr>
-            </a:lvl3pPr>
-            <a:lvl4pPr marR="0" lvl="3" algn="ctr" rtl="0">
-              <a:lnSpc>
-                <a:spcPct val="100000"/>
-              </a:lnSpc>
-              <a:spcBef>
-                <a:spcPts val="0"/>
-              </a:spcBef>
-              <a:spcAft>
-                <a:spcPts val="0"/>
-              </a:spcAft>
-              <a:buClr>
-                <a:srgbClr val="000000"/>
-              </a:buClr>
-              <a:buFont typeface="Arial"/>
-              <a:buNone/>
-              <a:defRPr sz="1100" b="0" i="0" u="none" strike="noStrike" cap="none">
-                <a:solidFill>
-                  <a:schemeClr val="accent3"/>
-                </a:solidFill>
-                <a:latin typeface="PT Serif"/>
-                <a:ea typeface="PT Serif"/>
-                <a:cs typeface="PT Serif"/>
-                <a:sym typeface="PT Serif"/>
-              </a:defRPr>
-            </a:lvl4pPr>
-            <a:lvl5pPr marR="0" lvl="4" algn="ctr" rtl="0">
-              <a:lnSpc>
-                <a:spcPct val="100000"/>
-              </a:lnSpc>
-              <a:spcBef>
-                <a:spcPts val="0"/>
-              </a:spcBef>
-              <a:spcAft>
-                <a:spcPts val="0"/>
-              </a:spcAft>
-              <a:buClr>
-                <a:srgbClr val="000000"/>
-              </a:buClr>
-              <a:buFont typeface="Arial"/>
-              <a:buNone/>
-              <a:defRPr sz="1100" b="0" i="0" u="none" strike="noStrike" cap="none">
-                <a:solidFill>
-                  <a:schemeClr val="accent3"/>
-                </a:solidFill>
-                <a:latin typeface="PT Serif"/>
-                <a:ea typeface="PT Serif"/>
-                <a:cs typeface="PT Serif"/>
-                <a:sym typeface="PT Serif"/>
-              </a:defRPr>
-            </a:lvl5pPr>
-            <a:lvl6pPr marR="0" lvl="5" algn="ctr" rtl="0">
-              <a:lnSpc>
-                <a:spcPct val="100000"/>
-              </a:lnSpc>
-              <a:spcBef>
-                <a:spcPts val="0"/>
-              </a:spcBef>
-              <a:spcAft>
-                <a:spcPts val="0"/>
-              </a:spcAft>
-              <a:buClr>
-                <a:srgbClr val="000000"/>
-              </a:buClr>
-              <a:buFont typeface="Arial"/>
-              <a:buNone/>
-              <a:defRPr sz="1100" b="0" i="0" u="none" strike="noStrike" cap="none">
-                <a:solidFill>
-                  <a:schemeClr val="accent3"/>
-                </a:solidFill>
-                <a:latin typeface="PT Serif"/>
-                <a:ea typeface="PT Serif"/>
-                <a:cs typeface="PT Serif"/>
-                <a:sym typeface="PT Serif"/>
-              </a:defRPr>
-            </a:lvl6pPr>
-            <a:lvl7pPr marR="0" lvl="6" algn="ctr" rtl="0">
-              <a:lnSpc>
-                <a:spcPct val="100000"/>
-              </a:lnSpc>
-              <a:spcBef>
-                <a:spcPts val="0"/>
-              </a:spcBef>
-              <a:spcAft>
-                <a:spcPts val="0"/>
-              </a:spcAft>
-              <a:buClr>
-                <a:srgbClr val="000000"/>
-              </a:buClr>
-              <a:buFont typeface="Arial"/>
-              <a:buNone/>
-              <a:defRPr sz="1100" b="0" i="0" u="none" strike="noStrike" cap="none">
-                <a:solidFill>
-                  <a:schemeClr val="accent3"/>
-                </a:solidFill>
-                <a:latin typeface="PT Serif"/>
-                <a:ea typeface="PT Serif"/>
-                <a:cs typeface="PT Serif"/>
-                <a:sym typeface="PT Serif"/>
-              </a:defRPr>
-            </a:lvl7pPr>
-            <a:lvl8pPr marR="0" lvl="7" algn="ctr" rtl="0">
-              <a:lnSpc>
-                <a:spcPct val="100000"/>
-              </a:lnSpc>
-              <a:spcBef>
-                <a:spcPts val="0"/>
-              </a:spcBef>
-              <a:spcAft>
-                <a:spcPts val="0"/>
-              </a:spcAft>
-              <a:buClr>
-                <a:srgbClr val="000000"/>
-              </a:buClr>
-              <a:buFont typeface="Arial"/>
-              <a:buNone/>
-              <a:defRPr sz="1100" b="0" i="0" u="none" strike="noStrike" cap="none">
-                <a:solidFill>
-                  <a:schemeClr val="accent3"/>
-                </a:solidFill>
-                <a:latin typeface="PT Serif"/>
-                <a:ea typeface="PT Serif"/>
-                <a:cs typeface="PT Serif"/>
-                <a:sym typeface="PT Serif"/>
-              </a:defRPr>
-            </a:lvl8pPr>
-            <a:lvl9pPr marR="0" lvl="8" algn="ctr" rtl="0">
-              <a:lnSpc>
-                <a:spcPct val="100000"/>
-              </a:lnSpc>
-              <a:spcBef>
-                <a:spcPts val="0"/>
-              </a:spcBef>
-              <a:spcAft>
-                <a:spcPts val="0"/>
-              </a:spcAft>
-              <a:buClr>
-                <a:srgbClr val="000000"/>
-              </a:buClr>
-              <a:buFont typeface="Arial"/>
-              <a:buNone/>
-              <a:defRPr sz="1100" b="0" i="0" u="none" strike="noStrike" cap="none">
-                <a:solidFill>
-                  <a:schemeClr val="accent3"/>
-                </a:solidFill>
-                <a:latin typeface="PT Serif"/>
-                <a:ea typeface="PT Serif"/>
-                <a:cs typeface="PT Serif"/>
-                <a:sym typeface="PT Serif"/>
-              </a:defRPr>
-            </a:lvl9pPr>
-          </a:lstStyle>
-          <a:p>
-            <a:fld id="{00000000-1234-1234-1234-123412341234}" type="slidenum">
-              <a:rPr lang="en" smtClean="0"/>
-              <a:pPr/>
-              <a:t>19</a:t>
-            </a:fld>
-            <a:endParaRPr lang="en"/>
-          </a:p>
-        </p:txBody>
-      </p:sp>
-    </p:spTree>
-    <p:extLst>
-      <p:ext uri="{BB962C8B-B14F-4D97-AF65-F5344CB8AC3E}">
-        <p14:creationId xmlns:p14="http://schemas.microsoft.com/office/powerpoint/2010/main" val="3005142881"/>
       </p:ext>
     </p:extLst>
   </p:cSld>
@@ -13044,7 +11878,7 @@
         </p:nvSpPr>
         <p:spPr>
           <a:xfrm>
-            <a:off x="1619700" y="1665785"/>
+            <a:off x="1619700" y="1991850"/>
             <a:ext cx="5904600" cy="1159800"/>
           </a:xfrm>
           <a:prstGeom prst="rect">
@@ -13312,19 +12146,24 @@
           <a:p>
             <a:r>
               <a:rPr lang="ko-KR" altLang="en-US" sz="2400" dirty="0"/>
-              <a:t>결국은 </a:t>
+              <a:t>장거리 마라톤이 될 예정</a:t>
             </a:r>
-            <a:r>
-              <a:rPr lang="ko-KR" altLang="en-US" sz="2400" dirty="0">
-                <a:solidFill>
-                  <a:srgbClr val="FF0000"/>
-                </a:solidFill>
-              </a:rPr>
-              <a:t>라이브러리</a:t>
-            </a:r>
+            <a:endParaRPr lang="en-US" altLang="ko-KR" sz="2400" dirty="0"/>
+          </a:p>
+          <a:p>
+            <a:endParaRPr lang="en-US" altLang="ko-KR" sz="2400" dirty="0"/>
+          </a:p>
+          <a:p>
             <a:r>
               <a:rPr lang="ko-KR" altLang="en-US" sz="2400" dirty="0"/>
-              <a:t> 활용</a:t>
+              <a:t>누적 복습</a:t>
+            </a:r>
+            <a:endParaRPr lang="en-US" altLang="ko-KR" sz="2400" dirty="0"/>
+          </a:p>
+          <a:p>
+            <a:r>
+              <a:rPr lang="ko-KR" altLang="en-US" sz="2400" dirty="0"/>
+              <a:t>코드 및 강의자료 공개</a:t>
             </a:r>
           </a:p>
         </p:txBody>
@@ -13611,7 +12450,7 @@
     </p:spTree>
     <p:extLst>
       <p:ext uri="{BB962C8B-B14F-4D97-AF65-F5344CB8AC3E}">
-        <p14:creationId xmlns:p14="http://schemas.microsoft.com/office/powerpoint/2010/main" val="3925794603"/>
+        <p14:creationId xmlns:p14="http://schemas.microsoft.com/office/powerpoint/2010/main" val="3194523113"/>
       </p:ext>
     </p:extLst>
   </p:cSld>
@@ -14013,21 +12852,10 @@
           </a:lstStyle>
           <a:p>
             <a:r>
-              <a:rPr lang="ko-KR" altLang="en-US" sz="2400" dirty="0"/>
-              <a:t>결국은 </a:t>
+              <a:rPr lang="ko-KR" altLang="en-US" sz="2400"/>
+              <a:t>결국은 라이브러리 활용</a:t>
             </a:r>
-            <a:r>
-              <a:rPr lang="ko-KR" altLang="en-US" sz="2400" dirty="0">
-                <a:solidFill>
-                  <a:srgbClr val="FF0000"/>
-                </a:solidFill>
-              </a:rPr>
-              <a:t>이미 존재하는 코드 </a:t>
-            </a:r>
-            <a:r>
-              <a:rPr lang="ko-KR" altLang="en-US" sz="2400" dirty="0"/>
-              <a:t>활용</a:t>
-            </a:r>
+            <a:endParaRPr lang="ko-KR" altLang="en-US" sz="2400" dirty="0"/>
           </a:p>
         </p:txBody>
       </p:sp>
@@ -14313,7 +13141,7 @@
     </p:spTree>
     <p:extLst>
       <p:ext uri="{BB962C8B-B14F-4D97-AF65-F5344CB8AC3E}">
-        <p14:creationId xmlns:p14="http://schemas.microsoft.com/office/powerpoint/2010/main" val="2762962454"/>
+        <p14:creationId xmlns:p14="http://schemas.microsoft.com/office/powerpoint/2010/main" val="3005142881"/>
       </p:ext>
     </p:extLst>
   </p:cSld>
@@ -14427,6 +13255,1410 @@
             <a:fld id="{00000000-1234-1234-1234-123412341234}" type="slidenum">
               <a:rPr lang="en"/>
               <a:t>22</a:t>
+            </a:fld>
+            <a:endParaRPr/>
+          </a:p>
+        </p:txBody>
+      </p:sp>
+      <p:sp>
+        <p:nvSpPr>
+          <p:cNvPr id="7" name="Google Shape;74;p15">
+            <a:extLst>
+              <a:ext uri="{FF2B5EF4-FFF2-40B4-BE49-F238E27FC236}">
+                <a16:creationId xmlns:a16="http://schemas.microsoft.com/office/drawing/2014/main" id="{A9438187-2317-4278-B597-92A738A18664}"/>
+              </a:ext>
+            </a:extLst>
+          </p:cNvPr>
+          <p:cNvSpPr txBox="1">
+            <a:spLocks/>
+          </p:cNvSpPr>
+          <p:nvPr/>
+        </p:nvSpPr>
+        <p:spPr>
+          <a:xfrm>
+            <a:off x="1619700" y="1665785"/>
+            <a:ext cx="5904600" cy="1159800"/>
+          </a:xfrm>
+          <a:prstGeom prst="rect">
+            <a:avLst/>
+          </a:prstGeom>
+          <a:noFill/>
+          <a:ln>
+            <a:noFill/>
+          </a:ln>
+        </p:spPr>
+        <p:txBody>
+          <a:bodyPr spcFirstLastPara="1" wrap="square" lIns="91425" tIns="91425" rIns="91425" bIns="91425" anchor="b" anchorCtr="0">
+            <a:noAutofit/>
+          </a:bodyPr>
+          <a:lstStyle>
+            <a:defPPr marR="0" lvl="0" algn="l" rtl="0">
+              <a:lnSpc>
+                <a:spcPct val="100000"/>
+              </a:lnSpc>
+              <a:spcBef>
+                <a:spcPts val="0"/>
+              </a:spcBef>
+              <a:spcAft>
+                <a:spcPts val="0"/>
+              </a:spcAft>
+            </a:defPPr>
+            <a:lvl1pPr marR="0" lvl="0" algn="ctr" rtl="0">
+              <a:lnSpc>
+                <a:spcPct val="100000"/>
+              </a:lnSpc>
+              <a:spcBef>
+                <a:spcPts val="0"/>
+              </a:spcBef>
+              <a:spcAft>
+                <a:spcPts val="0"/>
+              </a:spcAft>
+              <a:buClr>
+                <a:schemeClr val="dk1"/>
+              </a:buClr>
+              <a:buSzPts val="1600"/>
+              <a:buFont typeface="Playfair Display"/>
+              <a:buNone/>
+              <a:defRPr sz="1600" b="0" i="0" u="none" strike="noStrike" cap="none">
+                <a:solidFill>
+                  <a:schemeClr val="dk1"/>
+                </a:solidFill>
+                <a:highlight>
+                  <a:srgbClr val="F3F3F3"/>
+                </a:highlight>
+                <a:latin typeface="Playfair Display"/>
+                <a:ea typeface="Playfair Display"/>
+                <a:cs typeface="Playfair Display"/>
+                <a:sym typeface="Playfair Display"/>
+              </a:defRPr>
+            </a:lvl1pPr>
+            <a:lvl2pPr marR="0" lvl="1" algn="ctr" rtl="0">
+              <a:lnSpc>
+                <a:spcPct val="100000"/>
+              </a:lnSpc>
+              <a:spcBef>
+                <a:spcPts val="0"/>
+              </a:spcBef>
+              <a:spcAft>
+                <a:spcPts val="0"/>
+              </a:spcAft>
+              <a:buClr>
+                <a:schemeClr val="dk1"/>
+              </a:buClr>
+              <a:buSzPts val="1600"/>
+              <a:buFont typeface="Playfair Display"/>
+              <a:buNone/>
+              <a:defRPr sz="1600" b="0" i="0" u="none" strike="noStrike" cap="none">
+                <a:solidFill>
+                  <a:schemeClr val="dk1"/>
+                </a:solidFill>
+                <a:latin typeface="Playfair Display"/>
+                <a:ea typeface="Playfair Display"/>
+                <a:cs typeface="Playfair Display"/>
+                <a:sym typeface="Playfair Display"/>
+              </a:defRPr>
+            </a:lvl2pPr>
+            <a:lvl3pPr marR="0" lvl="2" algn="ctr" rtl="0">
+              <a:lnSpc>
+                <a:spcPct val="100000"/>
+              </a:lnSpc>
+              <a:spcBef>
+                <a:spcPts val="0"/>
+              </a:spcBef>
+              <a:spcAft>
+                <a:spcPts val="0"/>
+              </a:spcAft>
+              <a:buClr>
+                <a:schemeClr val="dk1"/>
+              </a:buClr>
+              <a:buSzPts val="1600"/>
+              <a:buFont typeface="Playfair Display"/>
+              <a:buNone/>
+              <a:defRPr sz="1600" b="0" i="0" u="none" strike="noStrike" cap="none">
+                <a:solidFill>
+                  <a:schemeClr val="dk1"/>
+                </a:solidFill>
+                <a:latin typeface="Playfair Display"/>
+                <a:ea typeface="Playfair Display"/>
+                <a:cs typeface="Playfair Display"/>
+                <a:sym typeface="Playfair Display"/>
+              </a:defRPr>
+            </a:lvl3pPr>
+            <a:lvl4pPr marR="0" lvl="3" algn="ctr" rtl="0">
+              <a:lnSpc>
+                <a:spcPct val="100000"/>
+              </a:lnSpc>
+              <a:spcBef>
+                <a:spcPts val="0"/>
+              </a:spcBef>
+              <a:spcAft>
+                <a:spcPts val="0"/>
+              </a:spcAft>
+              <a:buClr>
+                <a:schemeClr val="dk1"/>
+              </a:buClr>
+              <a:buSzPts val="1600"/>
+              <a:buFont typeface="Playfair Display"/>
+              <a:buNone/>
+              <a:defRPr sz="1600" b="0" i="0" u="none" strike="noStrike" cap="none">
+                <a:solidFill>
+                  <a:schemeClr val="dk1"/>
+                </a:solidFill>
+                <a:latin typeface="Playfair Display"/>
+                <a:ea typeface="Playfair Display"/>
+                <a:cs typeface="Playfair Display"/>
+                <a:sym typeface="Playfair Display"/>
+              </a:defRPr>
+            </a:lvl4pPr>
+            <a:lvl5pPr marR="0" lvl="4" algn="ctr" rtl="0">
+              <a:lnSpc>
+                <a:spcPct val="100000"/>
+              </a:lnSpc>
+              <a:spcBef>
+                <a:spcPts val="0"/>
+              </a:spcBef>
+              <a:spcAft>
+                <a:spcPts val="0"/>
+              </a:spcAft>
+              <a:buClr>
+                <a:schemeClr val="dk1"/>
+              </a:buClr>
+              <a:buSzPts val="1600"/>
+              <a:buFont typeface="Playfair Display"/>
+              <a:buNone/>
+              <a:defRPr sz="1600" b="0" i="0" u="none" strike="noStrike" cap="none">
+                <a:solidFill>
+                  <a:schemeClr val="dk1"/>
+                </a:solidFill>
+                <a:latin typeface="Playfair Display"/>
+                <a:ea typeface="Playfair Display"/>
+                <a:cs typeface="Playfair Display"/>
+                <a:sym typeface="Playfair Display"/>
+              </a:defRPr>
+            </a:lvl5pPr>
+            <a:lvl6pPr marR="0" lvl="5" algn="ctr" rtl="0">
+              <a:lnSpc>
+                <a:spcPct val="100000"/>
+              </a:lnSpc>
+              <a:spcBef>
+                <a:spcPts val="0"/>
+              </a:spcBef>
+              <a:spcAft>
+                <a:spcPts val="0"/>
+              </a:spcAft>
+              <a:buClr>
+                <a:schemeClr val="dk1"/>
+              </a:buClr>
+              <a:buSzPts val="1600"/>
+              <a:buFont typeface="Playfair Display"/>
+              <a:buNone/>
+              <a:defRPr sz="1600" b="0" i="0" u="none" strike="noStrike" cap="none">
+                <a:solidFill>
+                  <a:schemeClr val="dk1"/>
+                </a:solidFill>
+                <a:latin typeface="Playfair Display"/>
+                <a:ea typeface="Playfair Display"/>
+                <a:cs typeface="Playfair Display"/>
+                <a:sym typeface="Playfair Display"/>
+              </a:defRPr>
+            </a:lvl6pPr>
+            <a:lvl7pPr marR="0" lvl="6" algn="ctr" rtl="0">
+              <a:lnSpc>
+                <a:spcPct val="100000"/>
+              </a:lnSpc>
+              <a:spcBef>
+                <a:spcPts val="0"/>
+              </a:spcBef>
+              <a:spcAft>
+                <a:spcPts val="0"/>
+              </a:spcAft>
+              <a:buClr>
+                <a:schemeClr val="dk1"/>
+              </a:buClr>
+              <a:buSzPts val="1600"/>
+              <a:buFont typeface="Playfair Display"/>
+              <a:buNone/>
+              <a:defRPr sz="1600" b="0" i="0" u="none" strike="noStrike" cap="none">
+                <a:solidFill>
+                  <a:schemeClr val="dk1"/>
+                </a:solidFill>
+                <a:latin typeface="Playfair Display"/>
+                <a:ea typeface="Playfair Display"/>
+                <a:cs typeface="Playfair Display"/>
+                <a:sym typeface="Playfair Display"/>
+              </a:defRPr>
+            </a:lvl7pPr>
+            <a:lvl8pPr marR="0" lvl="7" algn="ctr" rtl="0">
+              <a:lnSpc>
+                <a:spcPct val="100000"/>
+              </a:lnSpc>
+              <a:spcBef>
+                <a:spcPts val="0"/>
+              </a:spcBef>
+              <a:spcAft>
+                <a:spcPts val="0"/>
+              </a:spcAft>
+              <a:buClr>
+                <a:schemeClr val="dk1"/>
+              </a:buClr>
+              <a:buSzPts val="1600"/>
+              <a:buFont typeface="Playfair Display"/>
+              <a:buNone/>
+              <a:defRPr sz="1600" b="0" i="0" u="none" strike="noStrike" cap="none">
+                <a:solidFill>
+                  <a:schemeClr val="dk1"/>
+                </a:solidFill>
+                <a:latin typeface="Playfair Display"/>
+                <a:ea typeface="Playfair Display"/>
+                <a:cs typeface="Playfair Display"/>
+                <a:sym typeface="Playfair Display"/>
+              </a:defRPr>
+            </a:lvl8pPr>
+            <a:lvl9pPr marR="0" lvl="8" algn="ctr" rtl="0">
+              <a:lnSpc>
+                <a:spcPct val="100000"/>
+              </a:lnSpc>
+              <a:spcBef>
+                <a:spcPts val="0"/>
+              </a:spcBef>
+              <a:spcAft>
+                <a:spcPts val="0"/>
+              </a:spcAft>
+              <a:buClr>
+                <a:schemeClr val="dk1"/>
+              </a:buClr>
+              <a:buSzPts val="1600"/>
+              <a:buFont typeface="Playfair Display"/>
+              <a:buNone/>
+              <a:defRPr sz="1600" b="0" i="0" u="none" strike="noStrike" cap="none">
+                <a:solidFill>
+                  <a:schemeClr val="dk1"/>
+                </a:solidFill>
+                <a:latin typeface="Playfair Display"/>
+                <a:ea typeface="Playfair Display"/>
+                <a:cs typeface="Playfair Display"/>
+                <a:sym typeface="Playfair Display"/>
+              </a:defRPr>
+            </a:lvl9pPr>
+          </a:lstStyle>
+          <a:p>
+            <a:r>
+              <a:rPr lang="ko-KR" altLang="en-US" sz="2400" dirty="0"/>
+              <a:t>결국은 </a:t>
+            </a:r>
+            <a:r>
+              <a:rPr lang="ko-KR" altLang="en-US" sz="2400" dirty="0">
+                <a:solidFill>
+                  <a:srgbClr val="FF0000"/>
+                </a:solidFill>
+              </a:rPr>
+              <a:t>라이브러리</a:t>
+            </a:r>
+            <a:r>
+              <a:rPr lang="ko-KR" altLang="en-US" sz="2400" dirty="0"/>
+              <a:t> 활용</a:t>
+            </a:r>
+          </a:p>
+        </p:txBody>
+      </p:sp>
+      <p:sp>
+        <p:nvSpPr>
+          <p:cNvPr id="8" name="Google Shape;76;p15">
+            <a:extLst>
+              <a:ext uri="{FF2B5EF4-FFF2-40B4-BE49-F238E27FC236}">
+                <a16:creationId xmlns:a16="http://schemas.microsoft.com/office/drawing/2014/main" id="{6C017B13-5B9D-47AB-91D9-E74D9D0A3D45}"/>
+              </a:ext>
+            </a:extLst>
+          </p:cNvPr>
+          <p:cNvSpPr txBox="1">
+            <a:spLocks/>
+          </p:cNvSpPr>
+          <p:nvPr/>
+        </p:nvSpPr>
+        <p:spPr>
+          <a:xfrm>
+            <a:off x="4297650" y="4419838"/>
+            <a:ext cx="548700" cy="393600"/>
+          </a:xfrm>
+          <a:prstGeom prst="rect">
+            <a:avLst/>
+          </a:prstGeom>
+          <a:noFill/>
+          <a:ln>
+            <a:noFill/>
+          </a:ln>
+        </p:spPr>
+        <p:txBody>
+          <a:bodyPr spcFirstLastPara="1" wrap="square" lIns="91425" tIns="91425" rIns="91425" bIns="91425" anchor="b" anchorCtr="0">
+            <a:noAutofit/>
+          </a:bodyPr>
+          <a:lstStyle>
+            <a:defPPr marR="0" lvl="0" algn="l" rtl="0">
+              <a:lnSpc>
+                <a:spcPct val="100000"/>
+              </a:lnSpc>
+              <a:spcBef>
+                <a:spcPts val="0"/>
+              </a:spcBef>
+              <a:spcAft>
+                <a:spcPts val="0"/>
+              </a:spcAft>
+            </a:defPPr>
+            <a:lvl1pPr marR="0" lvl="0" algn="ctr" rtl="0">
+              <a:lnSpc>
+                <a:spcPct val="100000"/>
+              </a:lnSpc>
+              <a:spcBef>
+                <a:spcPts val="0"/>
+              </a:spcBef>
+              <a:spcAft>
+                <a:spcPts val="0"/>
+              </a:spcAft>
+              <a:buClr>
+                <a:srgbClr val="000000"/>
+              </a:buClr>
+              <a:buFont typeface="Arial"/>
+              <a:buNone/>
+              <a:defRPr sz="1100" b="0" i="0" u="none" strike="noStrike" cap="none">
+                <a:solidFill>
+                  <a:schemeClr val="accent3"/>
+                </a:solidFill>
+                <a:latin typeface="PT Serif"/>
+                <a:ea typeface="PT Serif"/>
+                <a:cs typeface="PT Serif"/>
+                <a:sym typeface="PT Serif"/>
+              </a:defRPr>
+            </a:lvl1pPr>
+            <a:lvl2pPr marR="0" lvl="1" algn="ctr" rtl="0">
+              <a:lnSpc>
+                <a:spcPct val="100000"/>
+              </a:lnSpc>
+              <a:spcBef>
+                <a:spcPts val="0"/>
+              </a:spcBef>
+              <a:spcAft>
+                <a:spcPts val="0"/>
+              </a:spcAft>
+              <a:buClr>
+                <a:srgbClr val="000000"/>
+              </a:buClr>
+              <a:buFont typeface="Arial"/>
+              <a:buNone/>
+              <a:defRPr sz="1100" b="0" i="0" u="none" strike="noStrike" cap="none">
+                <a:solidFill>
+                  <a:schemeClr val="accent3"/>
+                </a:solidFill>
+                <a:latin typeface="PT Serif"/>
+                <a:ea typeface="PT Serif"/>
+                <a:cs typeface="PT Serif"/>
+                <a:sym typeface="PT Serif"/>
+              </a:defRPr>
+            </a:lvl2pPr>
+            <a:lvl3pPr marR="0" lvl="2" algn="ctr" rtl="0">
+              <a:lnSpc>
+                <a:spcPct val="100000"/>
+              </a:lnSpc>
+              <a:spcBef>
+                <a:spcPts val="0"/>
+              </a:spcBef>
+              <a:spcAft>
+                <a:spcPts val="0"/>
+              </a:spcAft>
+              <a:buClr>
+                <a:srgbClr val="000000"/>
+              </a:buClr>
+              <a:buFont typeface="Arial"/>
+              <a:buNone/>
+              <a:defRPr sz="1100" b="0" i="0" u="none" strike="noStrike" cap="none">
+                <a:solidFill>
+                  <a:schemeClr val="accent3"/>
+                </a:solidFill>
+                <a:latin typeface="PT Serif"/>
+                <a:ea typeface="PT Serif"/>
+                <a:cs typeface="PT Serif"/>
+                <a:sym typeface="PT Serif"/>
+              </a:defRPr>
+            </a:lvl3pPr>
+            <a:lvl4pPr marR="0" lvl="3" algn="ctr" rtl="0">
+              <a:lnSpc>
+                <a:spcPct val="100000"/>
+              </a:lnSpc>
+              <a:spcBef>
+                <a:spcPts val="0"/>
+              </a:spcBef>
+              <a:spcAft>
+                <a:spcPts val="0"/>
+              </a:spcAft>
+              <a:buClr>
+                <a:srgbClr val="000000"/>
+              </a:buClr>
+              <a:buFont typeface="Arial"/>
+              <a:buNone/>
+              <a:defRPr sz="1100" b="0" i="0" u="none" strike="noStrike" cap="none">
+                <a:solidFill>
+                  <a:schemeClr val="accent3"/>
+                </a:solidFill>
+                <a:latin typeface="PT Serif"/>
+                <a:ea typeface="PT Serif"/>
+                <a:cs typeface="PT Serif"/>
+                <a:sym typeface="PT Serif"/>
+              </a:defRPr>
+            </a:lvl4pPr>
+            <a:lvl5pPr marR="0" lvl="4" algn="ctr" rtl="0">
+              <a:lnSpc>
+                <a:spcPct val="100000"/>
+              </a:lnSpc>
+              <a:spcBef>
+                <a:spcPts val="0"/>
+              </a:spcBef>
+              <a:spcAft>
+                <a:spcPts val="0"/>
+              </a:spcAft>
+              <a:buClr>
+                <a:srgbClr val="000000"/>
+              </a:buClr>
+              <a:buFont typeface="Arial"/>
+              <a:buNone/>
+              <a:defRPr sz="1100" b="0" i="0" u="none" strike="noStrike" cap="none">
+                <a:solidFill>
+                  <a:schemeClr val="accent3"/>
+                </a:solidFill>
+                <a:latin typeface="PT Serif"/>
+                <a:ea typeface="PT Serif"/>
+                <a:cs typeface="PT Serif"/>
+                <a:sym typeface="PT Serif"/>
+              </a:defRPr>
+            </a:lvl5pPr>
+            <a:lvl6pPr marR="0" lvl="5" algn="ctr" rtl="0">
+              <a:lnSpc>
+                <a:spcPct val="100000"/>
+              </a:lnSpc>
+              <a:spcBef>
+                <a:spcPts val="0"/>
+              </a:spcBef>
+              <a:spcAft>
+                <a:spcPts val="0"/>
+              </a:spcAft>
+              <a:buClr>
+                <a:srgbClr val="000000"/>
+              </a:buClr>
+              <a:buFont typeface="Arial"/>
+              <a:buNone/>
+              <a:defRPr sz="1100" b="0" i="0" u="none" strike="noStrike" cap="none">
+                <a:solidFill>
+                  <a:schemeClr val="accent3"/>
+                </a:solidFill>
+                <a:latin typeface="PT Serif"/>
+                <a:ea typeface="PT Serif"/>
+                <a:cs typeface="PT Serif"/>
+                <a:sym typeface="PT Serif"/>
+              </a:defRPr>
+            </a:lvl6pPr>
+            <a:lvl7pPr marR="0" lvl="6" algn="ctr" rtl="0">
+              <a:lnSpc>
+                <a:spcPct val="100000"/>
+              </a:lnSpc>
+              <a:spcBef>
+                <a:spcPts val="0"/>
+              </a:spcBef>
+              <a:spcAft>
+                <a:spcPts val="0"/>
+              </a:spcAft>
+              <a:buClr>
+                <a:srgbClr val="000000"/>
+              </a:buClr>
+              <a:buFont typeface="Arial"/>
+              <a:buNone/>
+              <a:defRPr sz="1100" b="0" i="0" u="none" strike="noStrike" cap="none">
+                <a:solidFill>
+                  <a:schemeClr val="accent3"/>
+                </a:solidFill>
+                <a:latin typeface="PT Serif"/>
+                <a:ea typeface="PT Serif"/>
+                <a:cs typeface="PT Serif"/>
+                <a:sym typeface="PT Serif"/>
+              </a:defRPr>
+            </a:lvl7pPr>
+            <a:lvl8pPr marR="0" lvl="7" algn="ctr" rtl="0">
+              <a:lnSpc>
+                <a:spcPct val="100000"/>
+              </a:lnSpc>
+              <a:spcBef>
+                <a:spcPts val="0"/>
+              </a:spcBef>
+              <a:spcAft>
+                <a:spcPts val="0"/>
+              </a:spcAft>
+              <a:buClr>
+                <a:srgbClr val="000000"/>
+              </a:buClr>
+              <a:buFont typeface="Arial"/>
+              <a:buNone/>
+              <a:defRPr sz="1100" b="0" i="0" u="none" strike="noStrike" cap="none">
+                <a:solidFill>
+                  <a:schemeClr val="accent3"/>
+                </a:solidFill>
+                <a:latin typeface="PT Serif"/>
+                <a:ea typeface="PT Serif"/>
+                <a:cs typeface="PT Serif"/>
+                <a:sym typeface="PT Serif"/>
+              </a:defRPr>
+            </a:lvl8pPr>
+            <a:lvl9pPr marR="0" lvl="8" algn="ctr" rtl="0">
+              <a:lnSpc>
+                <a:spcPct val="100000"/>
+              </a:lnSpc>
+              <a:spcBef>
+                <a:spcPts val="0"/>
+              </a:spcBef>
+              <a:spcAft>
+                <a:spcPts val="0"/>
+              </a:spcAft>
+              <a:buClr>
+                <a:srgbClr val="000000"/>
+              </a:buClr>
+              <a:buFont typeface="Arial"/>
+              <a:buNone/>
+              <a:defRPr sz="1100" b="0" i="0" u="none" strike="noStrike" cap="none">
+                <a:solidFill>
+                  <a:schemeClr val="accent3"/>
+                </a:solidFill>
+                <a:latin typeface="PT Serif"/>
+                <a:ea typeface="PT Serif"/>
+                <a:cs typeface="PT Serif"/>
+                <a:sym typeface="PT Serif"/>
+              </a:defRPr>
+            </a:lvl9pPr>
+          </a:lstStyle>
+          <a:p>
+            <a:fld id="{00000000-1234-1234-1234-123412341234}" type="slidenum">
+              <a:rPr lang="en" smtClean="0"/>
+              <a:pPr/>
+              <a:t>22</a:t>
+            </a:fld>
+            <a:endParaRPr lang="en"/>
+          </a:p>
+        </p:txBody>
+      </p:sp>
+    </p:spTree>
+    <p:extLst>
+      <p:ext uri="{BB962C8B-B14F-4D97-AF65-F5344CB8AC3E}">
+        <p14:creationId xmlns:p14="http://schemas.microsoft.com/office/powerpoint/2010/main" val="3925794603"/>
+      </p:ext>
+    </p:extLst>
+  </p:cSld>
+  <p:clrMapOvr>
+    <a:masterClrMapping/>
+  </p:clrMapOvr>
+</p:sld>
+</file>
+
+<file path=ppt/slides/slide23.xml><?xml version="1.0" encoding="utf-8"?>
+<p:sld xmlns:a="http://schemas.openxmlformats.org/drawingml/2006/main" xmlns:r="http://schemas.openxmlformats.org/officeDocument/2006/relationships" xmlns:p="http://schemas.openxmlformats.org/presentationml/2006/main">
+  <p:cSld>
+    <p:spTree>
+      <p:nvGrpSpPr>
+        <p:cNvPr id="1" name="Shape 86"/>
+        <p:cNvGrpSpPr/>
+        <p:nvPr/>
+      </p:nvGrpSpPr>
+      <p:grpSpPr>
+        <a:xfrm>
+          <a:off x="0" y="0"/>
+          <a:ext cx="0" cy="0"/>
+          <a:chOff x="0" y="0"/>
+          <a:chExt cx="0" cy="0"/>
+        </a:xfrm>
+      </p:grpSpPr>
+      <p:sp>
+        <p:nvSpPr>
+          <p:cNvPr id="87" name="Google Shape;87;p17"/>
+          <p:cNvSpPr txBox="1">
+            <a:spLocks noGrp="1"/>
+          </p:cNvSpPr>
+          <p:nvPr>
+            <p:ph type="title"/>
+          </p:nvPr>
+        </p:nvSpPr>
+        <p:spPr>
+          <a:xfrm>
+            <a:off x="388955" y="338306"/>
+            <a:ext cx="8366100" cy="762600"/>
+          </a:xfrm>
+          <a:prstGeom prst="rect">
+            <a:avLst/>
+          </a:prstGeom>
+        </p:spPr>
+        <p:txBody>
+          <a:bodyPr spcFirstLastPara="1" wrap="square" lIns="91425" tIns="91425" rIns="91425" bIns="91425" anchor="ctr" anchorCtr="0">
+            <a:noAutofit/>
+          </a:bodyPr>
+          <a:lstStyle/>
+          <a:p>
+            <a:pPr marL="0" lvl="0" indent="0" algn="ctr" rtl="0">
+              <a:spcBef>
+                <a:spcPts val="0"/>
+              </a:spcBef>
+              <a:spcAft>
+                <a:spcPts val="0"/>
+              </a:spcAft>
+              <a:buNone/>
+            </a:pPr>
+            <a:r>
+              <a:rPr lang="ko-KR" altLang="en-US" dirty="0"/>
+              <a:t>미리</a:t>
+            </a:r>
+            <a:r>
+              <a:rPr lang="en-US" altLang="ko-KR" dirty="0"/>
+              <a:t> </a:t>
+            </a:r>
+            <a:r>
+              <a:rPr lang="ko-KR" altLang="en-US" dirty="0"/>
+              <a:t>드리는 공지</a:t>
+            </a:r>
+            <a:endParaRPr dirty="0"/>
+          </a:p>
+        </p:txBody>
+      </p:sp>
+      <p:sp>
+        <p:nvSpPr>
+          <p:cNvPr id="89" name="Google Shape;89;p17"/>
+          <p:cNvSpPr txBox="1">
+            <a:spLocks noGrp="1"/>
+          </p:cNvSpPr>
+          <p:nvPr>
+            <p:ph type="sldNum" idx="12"/>
+          </p:nvPr>
+        </p:nvSpPr>
+        <p:spPr>
+          <a:xfrm>
+            <a:off x="4297650" y="4419838"/>
+            <a:ext cx="548700" cy="393600"/>
+          </a:xfrm>
+          <a:prstGeom prst="rect">
+            <a:avLst/>
+          </a:prstGeom>
+        </p:spPr>
+        <p:txBody>
+          <a:bodyPr spcFirstLastPara="1" wrap="square" lIns="91425" tIns="91425" rIns="91425" bIns="91425" anchor="b" anchorCtr="0">
+            <a:noAutofit/>
+          </a:bodyPr>
+          <a:lstStyle/>
+          <a:p>
+            <a:pPr marL="0" lvl="0" indent="0" algn="ctr" rtl="0">
+              <a:spcBef>
+                <a:spcPts val="0"/>
+              </a:spcBef>
+              <a:spcAft>
+                <a:spcPts val="0"/>
+              </a:spcAft>
+              <a:buNone/>
+            </a:pPr>
+            <a:fld id="{00000000-1234-1234-1234-123412341234}" type="slidenum">
+              <a:rPr lang="en"/>
+              <a:t>23</a:t>
+            </a:fld>
+            <a:endParaRPr/>
+          </a:p>
+        </p:txBody>
+      </p:sp>
+      <p:sp>
+        <p:nvSpPr>
+          <p:cNvPr id="7" name="Google Shape;74;p15">
+            <a:extLst>
+              <a:ext uri="{FF2B5EF4-FFF2-40B4-BE49-F238E27FC236}">
+                <a16:creationId xmlns:a16="http://schemas.microsoft.com/office/drawing/2014/main" id="{A9438187-2317-4278-B597-92A738A18664}"/>
+              </a:ext>
+            </a:extLst>
+          </p:cNvPr>
+          <p:cNvSpPr txBox="1">
+            <a:spLocks/>
+          </p:cNvSpPr>
+          <p:nvPr/>
+        </p:nvSpPr>
+        <p:spPr>
+          <a:xfrm>
+            <a:off x="1619700" y="1665785"/>
+            <a:ext cx="5904600" cy="1159800"/>
+          </a:xfrm>
+          <a:prstGeom prst="rect">
+            <a:avLst/>
+          </a:prstGeom>
+          <a:noFill/>
+          <a:ln>
+            <a:noFill/>
+          </a:ln>
+        </p:spPr>
+        <p:txBody>
+          <a:bodyPr spcFirstLastPara="1" wrap="square" lIns="91425" tIns="91425" rIns="91425" bIns="91425" anchor="b" anchorCtr="0">
+            <a:noAutofit/>
+          </a:bodyPr>
+          <a:lstStyle>
+            <a:defPPr marR="0" lvl="0" algn="l" rtl="0">
+              <a:lnSpc>
+                <a:spcPct val="100000"/>
+              </a:lnSpc>
+              <a:spcBef>
+                <a:spcPts val="0"/>
+              </a:spcBef>
+              <a:spcAft>
+                <a:spcPts val="0"/>
+              </a:spcAft>
+            </a:defPPr>
+            <a:lvl1pPr marR="0" lvl="0" algn="ctr" rtl="0">
+              <a:lnSpc>
+                <a:spcPct val="100000"/>
+              </a:lnSpc>
+              <a:spcBef>
+                <a:spcPts val="0"/>
+              </a:spcBef>
+              <a:spcAft>
+                <a:spcPts val="0"/>
+              </a:spcAft>
+              <a:buClr>
+                <a:schemeClr val="dk1"/>
+              </a:buClr>
+              <a:buSzPts val="1600"/>
+              <a:buFont typeface="Playfair Display"/>
+              <a:buNone/>
+              <a:defRPr sz="1600" b="0" i="0" u="none" strike="noStrike" cap="none">
+                <a:solidFill>
+                  <a:schemeClr val="dk1"/>
+                </a:solidFill>
+                <a:highlight>
+                  <a:srgbClr val="F3F3F3"/>
+                </a:highlight>
+                <a:latin typeface="Playfair Display"/>
+                <a:ea typeface="Playfair Display"/>
+                <a:cs typeface="Playfair Display"/>
+                <a:sym typeface="Playfair Display"/>
+              </a:defRPr>
+            </a:lvl1pPr>
+            <a:lvl2pPr marR="0" lvl="1" algn="ctr" rtl="0">
+              <a:lnSpc>
+                <a:spcPct val="100000"/>
+              </a:lnSpc>
+              <a:spcBef>
+                <a:spcPts val="0"/>
+              </a:spcBef>
+              <a:spcAft>
+                <a:spcPts val="0"/>
+              </a:spcAft>
+              <a:buClr>
+                <a:schemeClr val="dk1"/>
+              </a:buClr>
+              <a:buSzPts val="1600"/>
+              <a:buFont typeface="Playfair Display"/>
+              <a:buNone/>
+              <a:defRPr sz="1600" b="0" i="0" u="none" strike="noStrike" cap="none">
+                <a:solidFill>
+                  <a:schemeClr val="dk1"/>
+                </a:solidFill>
+                <a:latin typeface="Playfair Display"/>
+                <a:ea typeface="Playfair Display"/>
+                <a:cs typeface="Playfair Display"/>
+                <a:sym typeface="Playfair Display"/>
+              </a:defRPr>
+            </a:lvl2pPr>
+            <a:lvl3pPr marR="0" lvl="2" algn="ctr" rtl="0">
+              <a:lnSpc>
+                <a:spcPct val="100000"/>
+              </a:lnSpc>
+              <a:spcBef>
+                <a:spcPts val="0"/>
+              </a:spcBef>
+              <a:spcAft>
+                <a:spcPts val="0"/>
+              </a:spcAft>
+              <a:buClr>
+                <a:schemeClr val="dk1"/>
+              </a:buClr>
+              <a:buSzPts val="1600"/>
+              <a:buFont typeface="Playfair Display"/>
+              <a:buNone/>
+              <a:defRPr sz="1600" b="0" i="0" u="none" strike="noStrike" cap="none">
+                <a:solidFill>
+                  <a:schemeClr val="dk1"/>
+                </a:solidFill>
+                <a:latin typeface="Playfair Display"/>
+                <a:ea typeface="Playfair Display"/>
+                <a:cs typeface="Playfair Display"/>
+                <a:sym typeface="Playfair Display"/>
+              </a:defRPr>
+            </a:lvl3pPr>
+            <a:lvl4pPr marR="0" lvl="3" algn="ctr" rtl="0">
+              <a:lnSpc>
+                <a:spcPct val="100000"/>
+              </a:lnSpc>
+              <a:spcBef>
+                <a:spcPts val="0"/>
+              </a:spcBef>
+              <a:spcAft>
+                <a:spcPts val="0"/>
+              </a:spcAft>
+              <a:buClr>
+                <a:schemeClr val="dk1"/>
+              </a:buClr>
+              <a:buSzPts val="1600"/>
+              <a:buFont typeface="Playfair Display"/>
+              <a:buNone/>
+              <a:defRPr sz="1600" b="0" i="0" u="none" strike="noStrike" cap="none">
+                <a:solidFill>
+                  <a:schemeClr val="dk1"/>
+                </a:solidFill>
+                <a:latin typeface="Playfair Display"/>
+                <a:ea typeface="Playfair Display"/>
+                <a:cs typeface="Playfair Display"/>
+                <a:sym typeface="Playfair Display"/>
+              </a:defRPr>
+            </a:lvl4pPr>
+            <a:lvl5pPr marR="0" lvl="4" algn="ctr" rtl="0">
+              <a:lnSpc>
+                <a:spcPct val="100000"/>
+              </a:lnSpc>
+              <a:spcBef>
+                <a:spcPts val="0"/>
+              </a:spcBef>
+              <a:spcAft>
+                <a:spcPts val="0"/>
+              </a:spcAft>
+              <a:buClr>
+                <a:schemeClr val="dk1"/>
+              </a:buClr>
+              <a:buSzPts val="1600"/>
+              <a:buFont typeface="Playfair Display"/>
+              <a:buNone/>
+              <a:defRPr sz="1600" b="0" i="0" u="none" strike="noStrike" cap="none">
+                <a:solidFill>
+                  <a:schemeClr val="dk1"/>
+                </a:solidFill>
+                <a:latin typeface="Playfair Display"/>
+                <a:ea typeface="Playfair Display"/>
+                <a:cs typeface="Playfair Display"/>
+                <a:sym typeface="Playfair Display"/>
+              </a:defRPr>
+            </a:lvl5pPr>
+            <a:lvl6pPr marR="0" lvl="5" algn="ctr" rtl="0">
+              <a:lnSpc>
+                <a:spcPct val="100000"/>
+              </a:lnSpc>
+              <a:spcBef>
+                <a:spcPts val="0"/>
+              </a:spcBef>
+              <a:spcAft>
+                <a:spcPts val="0"/>
+              </a:spcAft>
+              <a:buClr>
+                <a:schemeClr val="dk1"/>
+              </a:buClr>
+              <a:buSzPts val="1600"/>
+              <a:buFont typeface="Playfair Display"/>
+              <a:buNone/>
+              <a:defRPr sz="1600" b="0" i="0" u="none" strike="noStrike" cap="none">
+                <a:solidFill>
+                  <a:schemeClr val="dk1"/>
+                </a:solidFill>
+                <a:latin typeface="Playfair Display"/>
+                <a:ea typeface="Playfair Display"/>
+                <a:cs typeface="Playfair Display"/>
+                <a:sym typeface="Playfair Display"/>
+              </a:defRPr>
+            </a:lvl6pPr>
+            <a:lvl7pPr marR="0" lvl="6" algn="ctr" rtl="0">
+              <a:lnSpc>
+                <a:spcPct val="100000"/>
+              </a:lnSpc>
+              <a:spcBef>
+                <a:spcPts val="0"/>
+              </a:spcBef>
+              <a:spcAft>
+                <a:spcPts val="0"/>
+              </a:spcAft>
+              <a:buClr>
+                <a:schemeClr val="dk1"/>
+              </a:buClr>
+              <a:buSzPts val="1600"/>
+              <a:buFont typeface="Playfair Display"/>
+              <a:buNone/>
+              <a:defRPr sz="1600" b="0" i="0" u="none" strike="noStrike" cap="none">
+                <a:solidFill>
+                  <a:schemeClr val="dk1"/>
+                </a:solidFill>
+                <a:latin typeface="Playfair Display"/>
+                <a:ea typeface="Playfair Display"/>
+                <a:cs typeface="Playfair Display"/>
+                <a:sym typeface="Playfair Display"/>
+              </a:defRPr>
+            </a:lvl7pPr>
+            <a:lvl8pPr marR="0" lvl="7" algn="ctr" rtl="0">
+              <a:lnSpc>
+                <a:spcPct val="100000"/>
+              </a:lnSpc>
+              <a:spcBef>
+                <a:spcPts val="0"/>
+              </a:spcBef>
+              <a:spcAft>
+                <a:spcPts val="0"/>
+              </a:spcAft>
+              <a:buClr>
+                <a:schemeClr val="dk1"/>
+              </a:buClr>
+              <a:buSzPts val="1600"/>
+              <a:buFont typeface="Playfair Display"/>
+              <a:buNone/>
+              <a:defRPr sz="1600" b="0" i="0" u="none" strike="noStrike" cap="none">
+                <a:solidFill>
+                  <a:schemeClr val="dk1"/>
+                </a:solidFill>
+                <a:latin typeface="Playfair Display"/>
+                <a:ea typeface="Playfair Display"/>
+                <a:cs typeface="Playfair Display"/>
+                <a:sym typeface="Playfair Display"/>
+              </a:defRPr>
+            </a:lvl8pPr>
+            <a:lvl9pPr marR="0" lvl="8" algn="ctr" rtl="0">
+              <a:lnSpc>
+                <a:spcPct val="100000"/>
+              </a:lnSpc>
+              <a:spcBef>
+                <a:spcPts val="0"/>
+              </a:spcBef>
+              <a:spcAft>
+                <a:spcPts val="0"/>
+              </a:spcAft>
+              <a:buClr>
+                <a:schemeClr val="dk1"/>
+              </a:buClr>
+              <a:buSzPts val="1600"/>
+              <a:buFont typeface="Playfair Display"/>
+              <a:buNone/>
+              <a:defRPr sz="1600" b="0" i="0" u="none" strike="noStrike" cap="none">
+                <a:solidFill>
+                  <a:schemeClr val="dk1"/>
+                </a:solidFill>
+                <a:latin typeface="Playfair Display"/>
+                <a:ea typeface="Playfair Display"/>
+                <a:cs typeface="Playfair Display"/>
+                <a:sym typeface="Playfair Display"/>
+              </a:defRPr>
+            </a:lvl9pPr>
+          </a:lstStyle>
+          <a:p>
+            <a:r>
+              <a:rPr lang="ko-KR" altLang="en-US" sz="2400" dirty="0"/>
+              <a:t>결국은 </a:t>
+            </a:r>
+            <a:r>
+              <a:rPr lang="ko-KR" altLang="en-US" sz="2400" dirty="0">
+                <a:solidFill>
+                  <a:srgbClr val="FF0000"/>
+                </a:solidFill>
+              </a:rPr>
+              <a:t>이미 존재하는 코드 </a:t>
+            </a:r>
+            <a:r>
+              <a:rPr lang="ko-KR" altLang="en-US" sz="2400" dirty="0"/>
+              <a:t>활용</a:t>
+            </a:r>
+          </a:p>
+        </p:txBody>
+      </p:sp>
+      <p:sp>
+        <p:nvSpPr>
+          <p:cNvPr id="8" name="Google Shape;76;p15">
+            <a:extLst>
+              <a:ext uri="{FF2B5EF4-FFF2-40B4-BE49-F238E27FC236}">
+                <a16:creationId xmlns:a16="http://schemas.microsoft.com/office/drawing/2014/main" id="{6C017B13-5B9D-47AB-91D9-E74D9D0A3D45}"/>
+              </a:ext>
+            </a:extLst>
+          </p:cNvPr>
+          <p:cNvSpPr txBox="1">
+            <a:spLocks/>
+          </p:cNvSpPr>
+          <p:nvPr/>
+        </p:nvSpPr>
+        <p:spPr>
+          <a:xfrm>
+            <a:off x="4297650" y="4419838"/>
+            <a:ext cx="548700" cy="393600"/>
+          </a:xfrm>
+          <a:prstGeom prst="rect">
+            <a:avLst/>
+          </a:prstGeom>
+          <a:noFill/>
+          <a:ln>
+            <a:noFill/>
+          </a:ln>
+        </p:spPr>
+        <p:txBody>
+          <a:bodyPr spcFirstLastPara="1" wrap="square" lIns="91425" tIns="91425" rIns="91425" bIns="91425" anchor="b" anchorCtr="0">
+            <a:noAutofit/>
+          </a:bodyPr>
+          <a:lstStyle>
+            <a:defPPr marR="0" lvl="0" algn="l" rtl="0">
+              <a:lnSpc>
+                <a:spcPct val="100000"/>
+              </a:lnSpc>
+              <a:spcBef>
+                <a:spcPts val="0"/>
+              </a:spcBef>
+              <a:spcAft>
+                <a:spcPts val="0"/>
+              </a:spcAft>
+            </a:defPPr>
+            <a:lvl1pPr marR="0" lvl="0" algn="ctr" rtl="0">
+              <a:lnSpc>
+                <a:spcPct val="100000"/>
+              </a:lnSpc>
+              <a:spcBef>
+                <a:spcPts val="0"/>
+              </a:spcBef>
+              <a:spcAft>
+                <a:spcPts val="0"/>
+              </a:spcAft>
+              <a:buClr>
+                <a:srgbClr val="000000"/>
+              </a:buClr>
+              <a:buFont typeface="Arial"/>
+              <a:buNone/>
+              <a:defRPr sz="1100" b="0" i="0" u="none" strike="noStrike" cap="none">
+                <a:solidFill>
+                  <a:schemeClr val="accent3"/>
+                </a:solidFill>
+                <a:latin typeface="PT Serif"/>
+                <a:ea typeface="PT Serif"/>
+                <a:cs typeface="PT Serif"/>
+                <a:sym typeface="PT Serif"/>
+              </a:defRPr>
+            </a:lvl1pPr>
+            <a:lvl2pPr marR="0" lvl="1" algn="ctr" rtl="0">
+              <a:lnSpc>
+                <a:spcPct val="100000"/>
+              </a:lnSpc>
+              <a:spcBef>
+                <a:spcPts val="0"/>
+              </a:spcBef>
+              <a:spcAft>
+                <a:spcPts val="0"/>
+              </a:spcAft>
+              <a:buClr>
+                <a:srgbClr val="000000"/>
+              </a:buClr>
+              <a:buFont typeface="Arial"/>
+              <a:buNone/>
+              <a:defRPr sz="1100" b="0" i="0" u="none" strike="noStrike" cap="none">
+                <a:solidFill>
+                  <a:schemeClr val="accent3"/>
+                </a:solidFill>
+                <a:latin typeface="PT Serif"/>
+                <a:ea typeface="PT Serif"/>
+                <a:cs typeface="PT Serif"/>
+                <a:sym typeface="PT Serif"/>
+              </a:defRPr>
+            </a:lvl2pPr>
+            <a:lvl3pPr marR="0" lvl="2" algn="ctr" rtl="0">
+              <a:lnSpc>
+                <a:spcPct val="100000"/>
+              </a:lnSpc>
+              <a:spcBef>
+                <a:spcPts val="0"/>
+              </a:spcBef>
+              <a:spcAft>
+                <a:spcPts val="0"/>
+              </a:spcAft>
+              <a:buClr>
+                <a:srgbClr val="000000"/>
+              </a:buClr>
+              <a:buFont typeface="Arial"/>
+              <a:buNone/>
+              <a:defRPr sz="1100" b="0" i="0" u="none" strike="noStrike" cap="none">
+                <a:solidFill>
+                  <a:schemeClr val="accent3"/>
+                </a:solidFill>
+                <a:latin typeface="PT Serif"/>
+                <a:ea typeface="PT Serif"/>
+                <a:cs typeface="PT Serif"/>
+                <a:sym typeface="PT Serif"/>
+              </a:defRPr>
+            </a:lvl3pPr>
+            <a:lvl4pPr marR="0" lvl="3" algn="ctr" rtl="0">
+              <a:lnSpc>
+                <a:spcPct val="100000"/>
+              </a:lnSpc>
+              <a:spcBef>
+                <a:spcPts val="0"/>
+              </a:spcBef>
+              <a:spcAft>
+                <a:spcPts val="0"/>
+              </a:spcAft>
+              <a:buClr>
+                <a:srgbClr val="000000"/>
+              </a:buClr>
+              <a:buFont typeface="Arial"/>
+              <a:buNone/>
+              <a:defRPr sz="1100" b="0" i="0" u="none" strike="noStrike" cap="none">
+                <a:solidFill>
+                  <a:schemeClr val="accent3"/>
+                </a:solidFill>
+                <a:latin typeface="PT Serif"/>
+                <a:ea typeface="PT Serif"/>
+                <a:cs typeface="PT Serif"/>
+                <a:sym typeface="PT Serif"/>
+              </a:defRPr>
+            </a:lvl4pPr>
+            <a:lvl5pPr marR="0" lvl="4" algn="ctr" rtl="0">
+              <a:lnSpc>
+                <a:spcPct val="100000"/>
+              </a:lnSpc>
+              <a:spcBef>
+                <a:spcPts val="0"/>
+              </a:spcBef>
+              <a:spcAft>
+                <a:spcPts val="0"/>
+              </a:spcAft>
+              <a:buClr>
+                <a:srgbClr val="000000"/>
+              </a:buClr>
+              <a:buFont typeface="Arial"/>
+              <a:buNone/>
+              <a:defRPr sz="1100" b="0" i="0" u="none" strike="noStrike" cap="none">
+                <a:solidFill>
+                  <a:schemeClr val="accent3"/>
+                </a:solidFill>
+                <a:latin typeface="PT Serif"/>
+                <a:ea typeface="PT Serif"/>
+                <a:cs typeface="PT Serif"/>
+                <a:sym typeface="PT Serif"/>
+              </a:defRPr>
+            </a:lvl5pPr>
+            <a:lvl6pPr marR="0" lvl="5" algn="ctr" rtl="0">
+              <a:lnSpc>
+                <a:spcPct val="100000"/>
+              </a:lnSpc>
+              <a:spcBef>
+                <a:spcPts val="0"/>
+              </a:spcBef>
+              <a:spcAft>
+                <a:spcPts val="0"/>
+              </a:spcAft>
+              <a:buClr>
+                <a:srgbClr val="000000"/>
+              </a:buClr>
+              <a:buFont typeface="Arial"/>
+              <a:buNone/>
+              <a:defRPr sz="1100" b="0" i="0" u="none" strike="noStrike" cap="none">
+                <a:solidFill>
+                  <a:schemeClr val="accent3"/>
+                </a:solidFill>
+                <a:latin typeface="PT Serif"/>
+                <a:ea typeface="PT Serif"/>
+                <a:cs typeface="PT Serif"/>
+                <a:sym typeface="PT Serif"/>
+              </a:defRPr>
+            </a:lvl6pPr>
+            <a:lvl7pPr marR="0" lvl="6" algn="ctr" rtl="0">
+              <a:lnSpc>
+                <a:spcPct val="100000"/>
+              </a:lnSpc>
+              <a:spcBef>
+                <a:spcPts val="0"/>
+              </a:spcBef>
+              <a:spcAft>
+                <a:spcPts val="0"/>
+              </a:spcAft>
+              <a:buClr>
+                <a:srgbClr val="000000"/>
+              </a:buClr>
+              <a:buFont typeface="Arial"/>
+              <a:buNone/>
+              <a:defRPr sz="1100" b="0" i="0" u="none" strike="noStrike" cap="none">
+                <a:solidFill>
+                  <a:schemeClr val="accent3"/>
+                </a:solidFill>
+                <a:latin typeface="PT Serif"/>
+                <a:ea typeface="PT Serif"/>
+                <a:cs typeface="PT Serif"/>
+                <a:sym typeface="PT Serif"/>
+              </a:defRPr>
+            </a:lvl7pPr>
+            <a:lvl8pPr marR="0" lvl="7" algn="ctr" rtl="0">
+              <a:lnSpc>
+                <a:spcPct val="100000"/>
+              </a:lnSpc>
+              <a:spcBef>
+                <a:spcPts val="0"/>
+              </a:spcBef>
+              <a:spcAft>
+                <a:spcPts val="0"/>
+              </a:spcAft>
+              <a:buClr>
+                <a:srgbClr val="000000"/>
+              </a:buClr>
+              <a:buFont typeface="Arial"/>
+              <a:buNone/>
+              <a:defRPr sz="1100" b="0" i="0" u="none" strike="noStrike" cap="none">
+                <a:solidFill>
+                  <a:schemeClr val="accent3"/>
+                </a:solidFill>
+                <a:latin typeface="PT Serif"/>
+                <a:ea typeface="PT Serif"/>
+                <a:cs typeface="PT Serif"/>
+                <a:sym typeface="PT Serif"/>
+              </a:defRPr>
+            </a:lvl8pPr>
+            <a:lvl9pPr marR="0" lvl="8" algn="ctr" rtl="0">
+              <a:lnSpc>
+                <a:spcPct val="100000"/>
+              </a:lnSpc>
+              <a:spcBef>
+                <a:spcPts val="0"/>
+              </a:spcBef>
+              <a:spcAft>
+                <a:spcPts val="0"/>
+              </a:spcAft>
+              <a:buClr>
+                <a:srgbClr val="000000"/>
+              </a:buClr>
+              <a:buFont typeface="Arial"/>
+              <a:buNone/>
+              <a:defRPr sz="1100" b="0" i="0" u="none" strike="noStrike" cap="none">
+                <a:solidFill>
+                  <a:schemeClr val="accent3"/>
+                </a:solidFill>
+                <a:latin typeface="PT Serif"/>
+                <a:ea typeface="PT Serif"/>
+                <a:cs typeface="PT Serif"/>
+                <a:sym typeface="PT Serif"/>
+              </a:defRPr>
+            </a:lvl9pPr>
+          </a:lstStyle>
+          <a:p>
+            <a:fld id="{00000000-1234-1234-1234-123412341234}" type="slidenum">
+              <a:rPr lang="en" smtClean="0"/>
+              <a:pPr/>
+              <a:t>23</a:t>
+            </a:fld>
+            <a:endParaRPr lang="en"/>
+          </a:p>
+        </p:txBody>
+      </p:sp>
+    </p:spTree>
+    <p:extLst>
+      <p:ext uri="{BB962C8B-B14F-4D97-AF65-F5344CB8AC3E}">
+        <p14:creationId xmlns:p14="http://schemas.microsoft.com/office/powerpoint/2010/main" val="2762962454"/>
+      </p:ext>
+    </p:extLst>
+  </p:cSld>
+  <p:clrMapOvr>
+    <a:masterClrMapping/>
+  </p:clrMapOvr>
+</p:sld>
+</file>
+
+<file path=ppt/slides/slide24.xml><?xml version="1.0" encoding="utf-8"?>
+<p:sld xmlns:a="http://schemas.openxmlformats.org/drawingml/2006/main" xmlns:r="http://schemas.openxmlformats.org/officeDocument/2006/relationships" xmlns:p="http://schemas.openxmlformats.org/presentationml/2006/main">
+  <p:cSld>
+    <p:spTree>
+      <p:nvGrpSpPr>
+        <p:cNvPr id="1" name="Shape 86"/>
+        <p:cNvGrpSpPr/>
+        <p:nvPr/>
+      </p:nvGrpSpPr>
+      <p:grpSpPr>
+        <a:xfrm>
+          <a:off x="0" y="0"/>
+          <a:ext cx="0" cy="0"/>
+          <a:chOff x="0" y="0"/>
+          <a:chExt cx="0" cy="0"/>
+        </a:xfrm>
+      </p:grpSpPr>
+      <p:sp>
+        <p:nvSpPr>
+          <p:cNvPr id="87" name="Google Shape;87;p17"/>
+          <p:cNvSpPr txBox="1">
+            <a:spLocks noGrp="1"/>
+          </p:cNvSpPr>
+          <p:nvPr>
+            <p:ph type="title"/>
+          </p:nvPr>
+        </p:nvSpPr>
+        <p:spPr>
+          <a:xfrm>
+            <a:off x="388955" y="338306"/>
+            <a:ext cx="8366100" cy="762600"/>
+          </a:xfrm>
+          <a:prstGeom prst="rect">
+            <a:avLst/>
+          </a:prstGeom>
+        </p:spPr>
+        <p:txBody>
+          <a:bodyPr spcFirstLastPara="1" wrap="square" lIns="91425" tIns="91425" rIns="91425" bIns="91425" anchor="ctr" anchorCtr="0">
+            <a:noAutofit/>
+          </a:bodyPr>
+          <a:lstStyle/>
+          <a:p>
+            <a:pPr marL="0" lvl="0" indent="0" algn="ctr" rtl="0">
+              <a:spcBef>
+                <a:spcPts val="0"/>
+              </a:spcBef>
+              <a:spcAft>
+                <a:spcPts val="0"/>
+              </a:spcAft>
+              <a:buNone/>
+            </a:pPr>
+            <a:r>
+              <a:rPr lang="ko-KR" altLang="en-US" dirty="0"/>
+              <a:t>미리</a:t>
+            </a:r>
+            <a:r>
+              <a:rPr lang="en-US" altLang="ko-KR" dirty="0"/>
+              <a:t> </a:t>
+            </a:r>
+            <a:r>
+              <a:rPr lang="ko-KR" altLang="en-US" dirty="0"/>
+              <a:t>드리는 공지</a:t>
+            </a:r>
+            <a:endParaRPr dirty="0"/>
+          </a:p>
+        </p:txBody>
+      </p:sp>
+      <p:sp>
+        <p:nvSpPr>
+          <p:cNvPr id="89" name="Google Shape;89;p17"/>
+          <p:cNvSpPr txBox="1">
+            <a:spLocks noGrp="1"/>
+          </p:cNvSpPr>
+          <p:nvPr>
+            <p:ph type="sldNum" idx="12"/>
+          </p:nvPr>
+        </p:nvSpPr>
+        <p:spPr>
+          <a:xfrm>
+            <a:off x="4297650" y="4419838"/>
+            <a:ext cx="548700" cy="393600"/>
+          </a:xfrm>
+          <a:prstGeom prst="rect">
+            <a:avLst/>
+          </a:prstGeom>
+        </p:spPr>
+        <p:txBody>
+          <a:bodyPr spcFirstLastPara="1" wrap="square" lIns="91425" tIns="91425" rIns="91425" bIns="91425" anchor="b" anchorCtr="0">
+            <a:noAutofit/>
+          </a:bodyPr>
+          <a:lstStyle/>
+          <a:p>
+            <a:pPr marL="0" lvl="0" indent="0" algn="ctr" rtl="0">
+              <a:spcBef>
+                <a:spcPts val="0"/>
+              </a:spcBef>
+              <a:spcAft>
+                <a:spcPts val="0"/>
+              </a:spcAft>
+              <a:buNone/>
+            </a:pPr>
+            <a:fld id="{00000000-1234-1234-1234-123412341234}" type="slidenum">
+              <a:rPr lang="en"/>
+              <a:t>24</a:t>
             </a:fld>
             <a:endParaRPr/>
           </a:p>
@@ -15010,7 +15242,7 @@
             <a:fld id="{00000000-1234-1234-1234-123412341234}" type="slidenum">
               <a:rPr lang="en" smtClean="0"/>
               <a:pPr/>
-              <a:t>22</a:t>
+              <a:t>24</a:t>
             </a:fld>
             <a:endParaRPr lang="en"/>
           </a:p>
@@ -15029,7 +15261,7 @@
 </p:sld>
 </file>
 
-<file path=ppt/slides/slide23.xml><?xml version="1.0" encoding="utf-8"?>
+<file path=ppt/slides/slide25.xml><?xml version="1.0" encoding="utf-8"?>
 <p:sld xmlns:a="http://schemas.openxmlformats.org/drawingml/2006/main" xmlns:r="http://schemas.openxmlformats.org/officeDocument/2006/relationships" xmlns:p="http://schemas.openxmlformats.org/presentationml/2006/main">
   <p:cSld>
     <p:spTree>
@@ -15132,7 +15364,7 @@
             </a:pPr>
             <a:fld id="{00000000-1234-1234-1234-123412341234}" type="slidenum">
               <a:rPr lang="en"/>
-              <a:t>23</a:t>
+              <a:t>25</a:t>
             </a:fld>
             <a:endParaRPr/>
           </a:p>
@@ -15717,7 +15949,7 @@
             <a:fld id="{00000000-1234-1234-1234-123412341234}" type="slidenum">
               <a:rPr lang="en" smtClean="0"/>
               <a:pPr/>
-              <a:t>23</a:t>
+              <a:t>25</a:t>
             </a:fld>
             <a:endParaRPr lang="en"/>
           </a:p>
@@ -15736,7 +15968,7 @@
 </p:sld>
 </file>
 
-<file path=ppt/slides/slide24.xml><?xml version="1.0" encoding="utf-8"?>
+<file path=ppt/slides/slide26.xml><?xml version="1.0" encoding="utf-8"?>
 <p:sld xmlns:a="http://schemas.openxmlformats.org/drawingml/2006/main" xmlns:r="http://schemas.openxmlformats.org/officeDocument/2006/relationships" xmlns:p="http://schemas.openxmlformats.org/presentationml/2006/main">
   <p:cSld>
     <p:spTree>
@@ -15831,7 +16063,7 @@
             </a:pPr>
             <a:fld id="{00000000-1234-1234-1234-123412341234}" type="slidenum">
               <a:rPr lang="en"/>
-              <a:t>24</a:t>
+              <a:t>26</a:t>
             </a:fld>
             <a:endParaRPr/>
           </a:p>
@@ -16400,7 +16632,7 @@
             <a:fld id="{00000000-1234-1234-1234-123412341234}" type="slidenum">
               <a:rPr lang="en" smtClean="0"/>
               <a:pPr/>
-              <a:t>24</a:t>
+              <a:t>26</a:t>
             </a:fld>
             <a:endParaRPr lang="en"/>
           </a:p>
@@ -16419,7 +16651,7 @@
 </p:sld>
 </file>
 
-<file path=ppt/slides/slide25.xml><?xml version="1.0" encoding="utf-8"?>
+<file path=ppt/slides/slide27.xml><?xml version="1.0" encoding="utf-8"?>
 <p:sld xmlns:a="http://schemas.openxmlformats.org/drawingml/2006/main" xmlns:r="http://schemas.openxmlformats.org/officeDocument/2006/relationships" xmlns:p="http://schemas.openxmlformats.org/presentationml/2006/main">
   <p:cSld>
     <p:spTree>
@@ -16514,7 +16746,7 @@
             </a:pPr>
             <a:fld id="{00000000-1234-1234-1234-123412341234}" type="slidenum">
               <a:rPr lang="en"/>
-              <a:t>25</a:t>
+              <a:t>27</a:t>
             </a:fld>
             <a:endParaRPr/>
           </a:p>
@@ -17079,7 +17311,7 @@
             <a:fld id="{00000000-1234-1234-1234-123412341234}" type="slidenum">
               <a:rPr lang="en" smtClean="0"/>
               <a:pPr/>
-              <a:t>25</a:t>
+              <a:t>27</a:t>
             </a:fld>
             <a:endParaRPr lang="en"/>
           </a:p>
@@ -17492,7 +17724,7 @@
 </p:sld>
 </file>
 
-<file path=ppt/slides/slide26.xml><?xml version="1.0" encoding="utf-8"?>
+<file path=ppt/slides/slide28.xml><?xml version="1.0" encoding="utf-8"?>
 <p:sld xmlns:a="http://schemas.openxmlformats.org/drawingml/2006/main" xmlns:r="http://schemas.openxmlformats.org/officeDocument/2006/relationships" xmlns:p="http://schemas.openxmlformats.org/presentationml/2006/main">
   <p:cSld>
     <p:spTree>
@@ -17587,7 +17819,7 @@
             </a:pPr>
             <a:fld id="{00000000-1234-1234-1234-123412341234}" type="slidenum">
               <a:rPr lang="en"/>
-              <a:t>26</a:t>
+              <a:t>28</a:t>
             </a:fld>
             <a:endParaRPr/>
           </a:p>
@@ -18155,7 +18387,7 @@
             <a:fld id="{00000000-1234-1234-1234-123412341234}" type="slidenum">
               <a:rPr lang="en" smtClean="0"/>
               <a:pPr/>
-              <a:t>26</a:t>
+              <a:t>28</a:t>
             </a:fld>
             <a:endParaRPr lang="en"/>
           </a:p>
@@ -18165,852 +18397,6 @@
     <p:extLst>
       <p:ext uri="{BB962C8B-B14F-4D97-AF65-F5344CB8AC3E}">
         <p14:creationId xmlns:p14="http://schemas.microsoft.com/office/powerpoint/2010/main" val="4195405721"/>
-      </p:ext>
-    </p:extLst>
-  </p:cSld>
-  <p:clrMapOvr>
-    <a:masterClrMapping/>
-  </p:clrMapOvr>
-</p:sld>
-</file>
-
-<file path=ppt/slides/slide27.xml><?xml version="1.0" encoding="utf-8"?>
-<p:sld xmlns:a="http://schemas.openxmlformats.org/drawingml/2006/main" xmlns:r="http://schemas.openxmlformats.org/officeDocument/2006/relationships" xmlns:p="http://schemas.openxmlformats.org/presentationml/2006/main">
-  <p:cSld>
-    <p:spTree>
-      <p:nvGrpSpPr>
-        <p:cNvPr id="1" name="Shape 86"/>
-        <p:cNvGrpSpPr/>
-        <p:nvPr/>
-      </p:nvGrpSpPr>
-      <p:grpSpPr>
-        <a:xfrm>
-          <a:off x="0" y="0"/>
-          <a:ext cx="0" cy="0"/>
-          <a:chOff x="0" y="0"/>
-          <a:chExt cx="0" cy="0"/>
-        </a:xfrm>
-      </p:grpSpPr>
-      <p:sp>
-        <p:nvSpPr>
-          <p:cNvPr id="87" name="Google Shape;87;p17"/>
-          <p:cNvSpPr txBox="1">
-            <a:spLocks noGrp="1"/>
-          </p:cNvSpPr>
-          <p:nvPr>
-            <p:ph type="title"/>
-          </p:nvPr>
-        </p:nvSpPr>
-        <p:spPr>
-          <a:xfrm>
-            <a:off x="388955" y="338306"/>
-            <a:ext cx="8366100" cy="762600"/>
-          </a:xfrm>
-          <a:prstGeom prst="rect">
-            <a:avLst/>
-          </a:prstGeom>
-        </p:spPr>
-        <p:txBody>
-          <a:bodyPr spcFirstLastPara="1" wrap="square" lIns="91425" tIns="91425" rIns="91425" bIns="91425" anchor="ctr" anchorCtr="0">
-            <a:noAutofit/>
-          </a:bodyPr>
-          <a:lstStyle/>
-          <a:p>
-            <a:pPr marL="0" lvl="0" indent="0" algn="ctr" rtl="0">
-              <a:spcBef>
-                <a:spcPts val="0"/>
-              </a:spcBef>
-              <a:spcAft>
-                <a:spcPts val="0"/>
-              </a:spcAft>
-              <a:buNone/>
-            </a:pPr>
-            <a:r>
-              <a:rPr lang="ko-KR" altLang="en-US" dirty="0"/>
-              <a:t>우리가 인공지능을 배워야 하는 이유</a:t>
-            </a:r>
-            <a:endParaRPr dirty="0"/>
-          </a:p>
-        </p:txBody>
-      </p:sp>
-      <p:sp>
-        <p:nvSpPr>
-          <p:cNvPr id="89" name="Google Shape;89;p17"/>
-          <p:cNvSpPr txBox="1">
-            <a:spLocks noGrp="1"/>
-          </p:cNvSpPr>
-          <p:nvPr>
-            <p:ph type="sldNum" idx="12"/>
-          </p:nvPr>
-        </p:nvSpPr>
-        <p:spPr>
-          <a:xfrm>
-            <a:off x="4297650" y="4419838"/>
-            <a:ext cx="548700" cy="393600"/>
-          </a:xfrm>
-          <a:prstGeom prst="rect">
-            <a:avLst/>
-          </a:prstGeom>
-        </p:spPr>
-        <p:txBody>
-          <a:bodyPr spcFirstLastPara="1" wrap="square" lIns="91425" tIns="91425" rIns="91425" bIns="91425" anchor="b" anchorCtr="0">
-            <a:noAutofit/>
-          </a:bodyPr>
-          <a:lstStyle/>
-          <a:p>
-            <a:pPr marL="0" lvl="0" indent="0" algn="ctr" rtl="0">
-              <a:spcBef>
-                <a:spcPts val="0"/>
-              </a:spcBef>
-              <a:spcAft>
-                <a:spcPts val="0"/>
-              </a:spcAft>
-              <a:buNone/>
-            </a:pPr>
-            <a:fld id="{00000000-1234-1234-1234-123412341234}" type="slidenum">
-              <a:rPr lang="en"/>
-              <a:t>27</a:t>
-            </a:fld>
-            <a:endParaRPr/>
-          </a:p>
-        </p:txBody>
-      </p:sp>
-      <p:sp>
-        <p:nvSpPr>
-          <p:cNvPr id="8" name="Google Shape;76;p15">
-            <a:extLst>
-              <a:ext uri="{FF2B5EF4-FFF2-40B4-BE49-F238E27FC236}">
-                <a16:creationId xmlns:a16="http://schemas.microsoft.com/office/drawing/2014/main" id="{6C017B13-5B9D-47AB-91D9-E74D9D0A3D45}"/>
-              </a:ext>
-            </a:extLst>
-          </p:cNvPr>
-          <p:cNvSpPr txBox="1">
-            <a:spLocks/>
-          </p:cNvSpPr>
-          <p:nvPr/>
-        </p:nvSpPr>
-        <p:spPr>
-          <a:xfrm>
-            <a:off x="4297650" y="4419838"/>
-            <a:ext cx="548700" cy="393600"/>
-          </a:xfrm>
-          <a:prstGeom prst="rect">
-            <a:avLst/>
-          </a:prstGeom>
-          <a:noFill/>
-          <a:ln>
-            <a:noFill/>
-          </a:ln>
-        </p:spPr>
-        <p:txBody>
-          <a:bodyPr spcFirstLastPara="1" wrap="square" lIns="91425" tIns="91425" rIns="91425" bIns="91425" anchor="b" anchorCtr="0">
-            <a:noAutofit/>
-          </a:bodyPr>
-          <a:lstStyle>
-            <a:defPPr marR="0" lvl="0" algn="l" rtl="0">
-              <a:lnSpc>
-                <a:spcPct val="100000"/>
-              </a:lnSpc>
-              <a:spcBef>
-                <a:spcPts val="0"/>
-              </a:spcBef>
-              <a:spcAft>
-                <a:spcPts val="0"/>
-              </a:spcAft>
-            </a:defPPr>
-            <a:lvl1pPr marR="0" lvl="0" algn="ctr" rtl="0">
-              <a:lnSpc>
-                <a:spcPct val="100000"/>
-              </a:lnSpc>
-              <a:spcBef>
-                <a:spcPts val="0"/>
-              </a:spcBef>
-              <a:spcAft>
-                <a:spcPts val="0"/>
-              </a:spcAft>
-              <a:buClr>
-                <a:srgbClr val="000000"/>
-              </a:buClr>
-              <a:buFont typeface="Arial"/>
-              <a:buNone/>
-              <a:defRPr sz="1100" b="0" i="0" u="none" strike="noStrike" cap="none">
-                <a:solidFill>
-                  <a:schemeClr val="accent3"/>
-                </a:solidFill>
-                <a:latin typeface="PT Serif"/>
-                <a:ea typeface="PT Serif"/>
-                <a:cs typeface="PT Serif"/>
-                <a:sym typeface="PT Serif"/>
-              </a:defRPr>
-            </a:lvl1pPr>
-            <a:lvl2pPr marR="0" lvl="1" algn="ctr" rtl="0">
-              <a:lnSpc>
-                <a:spcPct val="100000"/>
-              </a:lnSpc>
-              <a:spcBef>
-                <a:spcPts val="0"/>
-              </a:spcBef>
-              <a:spcAft>
-                <a:spcPts val="0"/>
-              </a:spcAft>
-              <a:buClr>
-                <a:srgbClr val="000000"/>
-              </a:buClr>
-              <a:buFont typeface="Arial"/>
-              <a:buNone/>
-              <a:defRPr sz="1100" b="0" i="0" u="none" strike="noStrike" cap="none">
-                <a:solidFill>
-                  <a:schemeClr val="accent3"/>
-                </a:solidFill>
-                <a:latin typeface="PT Serif"/>
-                <a:ea typeface="PT Serif"/>
-                <a:cs typeface="PT Serif"/>
-                <a:sym typeface="PT Serif"/>
-              </a:defRPr>
-            </a:lvl2pPr>
-            <a:lvl3pPr marR="0" lvl="2" algn="ctr" rtl="0">
-              <a:lnSpc>
-                <a:spcPct val="100000"/>
-              </a:lnSpc>
-              <a:spcBef>
-                <a:spcPts val="0"/>
-              </a:spcBef>
-              <a:spcAft>
-                <a:spcPts val="0"/>
-              </a:spcAft>
-              <a:buClr>
-                <a:srgbClr val="000000"/>
-              </a:buClr>
-              <a:buFont typeface="Arial"/>
-              <a:buNone/>
-              <a:defRPr sz="1100" b="0" i="0" u="none" strike="noStrike" cap="none">
-                <a:solidFill>
-                  <a:schemeClr val="accent3"/>
-                </a:solidFill>
-                <a:latin typeface="PT Serif"/>
-                <a:ea typeface="PT Serif"/>
-                <a:cs typeface="PT Serif"/>
-                <a:sym typeface="PT Serif"/>
-              </a:defRPr>
-            </a:lvl3pPr>
-            <a:lvl4pPr marR="0" lvl="3" algn="ctr" rtl="0">
-              <a:lnSpc>
-                <a:spcPct val="100000"/>
-              </a:lnSpc>
-              <a:spcBef>
-                <a:spcPts val="0"/>
-              </a:spcBef>
-              <a:spcAft>
-                <a:spcPts val="0"/>
-              </a:spcAft>
-              <a:buClr>
-                <a:srgbClr val="000000"/>
-              </a:buClr>
-              <a:buFont typeface="Arial"/>
-              <a:buNone/>
-              <a:defRPr sz="1100" b="0" i="0" u="none" strike="noStrike" cap="none">
-                <a:solidFill>
-                  <a:schemeClr val="accent3"/>
-                </a:solidFill>
-                <a:latin typeface="PT Serif"/>
-                <a:ea typeface="PT Serif"/>
-                <a:cs typeface="PT Serif"/>
-                <a:sym typeface="PT Serif"/>
-              </a:defRPr>
-            </a:lvl4pPr>
-            <a:lvl5pPr marR="0" lvl="4" algn="ctr" rtl="0">
-              <a:lnSpc>
-                <a:spcPct val="100000"/>
-              </a:lnSpc>
-              <a:spcBef>
-                <a:spcPts val="0"/>
-              </a:spcBef>
-              <a:spcAft>
-                <a:spcPts val="0"/>
-              </a:spcAft>
-              <a:buClr>
-                <a:srgbClr val="000000"/>
-              </a:buClr>
-              <a:buFont typeface="Arial"/>
-              <a:buNone/>
-              <a:defRPr sz="1100" b="0" i="0" u="none" strike="noStrike" cap="none">
-                <a:solidFill>
-                  <a:schemeClr val="accent3"/>
-                </a:solidFill>
-                <a:latin typeface="PT Serif"/>
-                <a:ea typeface="PT Serif"/>
-                <a:cs typeface="PT Serif"/>
-                <a:sym typeface="PT Serif"/>
-              </a:defRPr>
-            </a:lvl5pPr>
-            <a:lvl6pPr marR="0" lvl="5" algn="ctr" rtl="0">
-              <a:lnSpc>
-                <a:spcPct val="100000"/>
-              </a:lnSpc>
-              <a:spcBef>
-                <a:spcPts val="0"/>
-              </a:spcBef>
-              <a:spcAft>
-                <a:spcPts val="0"/>
-              </a:spcAft>
-              <a:buClr>
-                <a:srgbClr val="000000"/>
-              </a:buClr>
-              <a:buFont typeface="Arial"/>
-              <a:buNone/>
-              <a:defRPr sz="1100" b="0" i="0" u="none" strike="noStrike" cap="none">
-                <a:solidFill>
-                  <a:schemeClr val="accent3"/>
-                </a:solidFill>
-                <a:latin typeface="PT Serif"/>
-                <a:ea typeface="PT Serif"/>
-                <a:cs typeface="PT Serif"/>
-                <a:sym typeface="PT Serif"/>
-              </a:defRPr>
-            </a:lvl6pPr>
-            <a:lvl7pPr marR="0" lvl="6" algn="ctr" rtl="0">
-              <a:lnSpc>
-                <a:spcPct val="100000"/>
-              </a:lnSpc>
-              <a:spcBef>
-                <a:spcPts val="0"/>
-              </a:spcBef>
-              <a:spcAft>
-                <a:spcPts val="0"/>
-              </a:spcAft>
-              <a:buClr>
-                <a:srgbClr val="000000"/>
-              </a:buClr>
-              <a:buFont typeface="Arial"/>
-              <a:buNone/>
-              <a:defRPr sz="1100" b="0" i="0" u="none" strike="noStrike" cap="none">
-                <a:solidFill>
-                  <a:schemeClr val="accent3"/>
-                </a:solidFill>
-                <a:latin typeface="PT Serif"/>
-                <a:ea typeface="PT Serif"/>
-                <a:cs typeface="PT Serif"/>
-                <a:sym typeface="PT Serif"/>
-              </a:defRPr>
-            </a:lvl7pPr>
-            <a:lvl8pPr marR="0" lvl="7" algn="ctr" rtl="0">
-              <a:lnSpc>
-                <a:spcPct val="100000"/>
-              </a:lnSpc>
-              <a:spcBef>
-                <a:spcPts val="0"/>
-              </a:spcBef>
-              <a:spcAft>
-                <a:spcPts val="0"/>
-              </a:spcAft>
-              <a:buClr>
-                <a:srgbClr val="000000"/>
-              </a:buClr>
-              <a:buFont typeface="Arial"/>
-              <a:buNone/>
-              <a:defRPr sz="1100" b="0" i="0" u="none" strike="noStrike" cap="none">
-                <a:solidFill>
-                  <a:schemeClr val="accent3"/>
-                </a:solidFill>
-                <a:latin typeface="PT Serif"/>
-                <a:ea typeface="PT Serif"/>
-                <a:cs typeface="PT Serif"/>
-                <a:sym typeface="PT Serif"/>
-              </a:defRPr>
-            </a:lvl8pPr>
-            <a:lvl9pPr marR="0" lvl="8" algn="ctr" rtl="0">
-              <a:lnSpc>
-                <a:spcPct val="100000"/>
-              </a:lnSpc>
-              <a:spcBef>
-                <a:spcPts val="0"/>
-              </a:spcBef>
-              <a:spcAft>
-                <a:spcPts val="0"/>
-              </a:spcAft>
-              <a:buClr>
-                <a:srgbClr val="000000"/>
-              </a:buClr>
-              <a:buFont typeface="Arial"/>
-              <a:buNone/>
-              <a:defRPr sz="1100" b="0" i="0" u="none" strike="noStrike" cap="none">
-                <a:solidFill>
-                  <a:schemeClr val="accent3"/>
-                </a:solidFill>
-                <a:latin typeface="PT Serif"/>
-                <a:ea typeface="PT Serif"/>
-                <a:cs typeface="PT Serif"/>
-                <a:sym typeface="PT Serif"/>
-              </a:defRPr>
-            </a:lvl9pPr>
-          </a:lstStyle>
-          <a:p>
-            <a:fld id="{00000000-1234-1234-1234-123412341234}" type="slidenum">
-              <a:rPr lang="en" smtClean="0"/>
-              <a:pPr/>
-              <a:t>27</a:t>
-            </a:fld>
-            <a:endParaRPr lang="en"/>
-          </a:p>
-        </p:txBody>
-      </p:sp>
-      <p:pic>
-        <p:nvPicPr>
-          <p:cNvPr id="4" name="그림 3">
-            <a:extLst>
-              <a:ext uri="{FF2B5EF4-FFF2-40B4-BE49-F238E27FC236}">
-                <a16:creationId xmlns:a16="http://schemas.microsoft.com/office/drawing/2014/main" id="{A7F5C2D2-2534-461A-8C8D-0CE4CEB4EBEE}"/>
-              </a:ext>
-            </a:extLst>
-          </p:cNvPr>
-          <p:cNvPicPr>
-            <a:picLocks noChangeAspect="1"/>
-          </p:cNvPicPr>
-          <p:nvPr/>
-        </p:nvPicPr>
-        <p:blipFill>
-          <a:blip r:embed="rId3"/>
-          <a:stretch>
-            <a:fillRect/>
-          </a:stretch>
-        </p:blipFill>
-        <p:spPr>
-          <a:xfrm>
-            <a:off x="0" y="0"/>
-            <a:ext cx="9144000" cy="5143500"/>
-          </a:xfrm>
-          <a:prstGeom prst="rect">
-            <a:avLst/>
-          </a:prstGeom>
-        </p:spPr>
-      </p:pic>
-    </p:spTree>
-    <p:extLst>
-      <p:ext uri="{BB962C8B-B14F-4D97-AF65-F5344CB8AC3E}">
-        <p14:creationId xmlns:p14="http://schemas.microsoft.com/office/powerpoint/2010/main" val="2193037792"/>
-      </p:ext>
-    </p:extLst>
-  </p:cSld>
-  <p:clrMapOvr>
-    <a:masterClrMapping/>
-  </p:clrMapOvr>
-</p:sld>
-</file>
-
-<file path=ppt/slides/slide28.xml><?xml version="1.0" encoding="utf-8"?>
-<p:sld xmlns:a="http://schemas.openxmlformats.org/drawingml/2006/main" xmlns:r="http://schemas.openxmlformats.org/officeDocument/2006/relationships" xmlns:p="http://schemas.openxmlformats.org/presentationml/2006/main">
-  <p:cSld>
-    <p:spTree>
-      <p:nvGrpSpPr>
-        <p:cNvPr id="1" name="Shape 86"/>
-        <p:cNvGrpSpPr/>
-        <p:nvPr/>
-      </p:nvGrpSpPr>
-      <p:grpSpPr>
-        <a:xfrm>
-          <a:off x="0" y="0"/>
-          <a:ext cx="0" cy="0"/>
-          <a:chOff x="0" y="0"/>
-          <a:chExt cx="0" cy="0"/>
-        </a:xfrm>
-      </p:grpSpPr>
-      <p:sp>
-        <p:nvSpPr>
-          <p:cNvPr id="87" name="Google Shape;87;p17"/>
-          <p:cNvSpPr txBox="1">
-            <a:spLocks noGrp="1"/>
-          </p:cNvSpPr>
-          <p:nvPr>
-            <p:ph type="title"/>
-          </p:nvPr>
-        </p:nvSpPr>
-        <p:spPr>
-          <a:xfrm>
-            <a:off x="388955" y="338306"/>
-            <a:ext cx="8366100" cy="762600"/>
-          </a:xfrm>
-          <a:prstGeom prst="rect">
-            <a:avLst/>
-          </a:prstGeom>
-        </p:spPr>
-        <p:txBody>
-          <a:bodyPr spcFirstLastPara="1" wrap="square" lIns="91425" tIns="91425" rIns="91425" bIns="91425" anchor="ctr" anchorCtr="0">
-            <a:noAutofit/>
-          </a:bodyPr>
-          <a:lstStyle/>
-          <a:p>
-            <a:pPr marL="0" lvl="0" indent="0" algn="ctr" rtl="0">
-              <a:spcBef>
-                <a:spcPts val="0"/>
-              </a:spcBef>
-              <a:spcAft>
-                <a:spcPts val="0"/>
-              </a:spcAft>
-              <a:buNone/>
-            </a:pPr>
-            <a:r>
-              <a:rPr lang="ko-KR" altLang="en-US" dirty="0"/>
-              <a:t>우리가 인공지능을 배워야 하는 이유</a:t>
-            </a:r>
-            <a:endParaRPr dirty="0"/>
-          </a:p>
-        </p:txBody>
-      </p:sp>
-      <p:sp>
-        <p:nvSpPr>
-          <p:cNvPr id="89" name="Google Shape;89;p17"/>
-          <p:cNvSpPr txBox="1">
-            <a:spLocks noGrp="1"/>
-          </p:cNvSpPr>
-          <p:nvPr>
-            <p:ph type="sldNum" idx="12"/>
-          </p:nvPr>
-        </p:nvSpPr>
-        <p:spPr>
-          <a:xfrm>
-            <a:off x="4297650" y="4419838"/>
-            <a:ext cx="548700" cy="393600"/>
-          </a:xfrm>
-          <a:prstGeom prst="rect">
-            <a:avLst/>
-          </a:prstGeom>
-        </p:spPr>
-        <p:txBody>
-          <a:bodyPr spcFirstLastPara="1" wrap="square" lIns="91425" tIns="91425" rIns="91425" bIns="91425" anchor="b" anchorCtr="0">
-            <a:noAutofit/>
-          </a:bodyPr>
-          <a:lstStyle/>
-          <a:p>
-            <a:pPr marL="0" lvl="0" indent="0" algn="ctr" rtl="0">
-              <a:spcBef>
-                <a:spcPts val="0"/>
-              </a:spcBef>
-              <a:spcAft>
-                <a:spcPts val="0"/>
-              </a:spcAft>
-              <a:buNone/>
-            </a:pPr>
-            <a:fld id="{00000000-1234-1234-1234-123412341234}" type="slidenum">
-              <a:rPr lang="en"/>
-              <a:t>28</a:t>
-            </a:fld>
-            <a:endParaRPr/>
-          </a:p>
-        </p:txBody>
-      </p:sp>
-      <p:sp>
-        <p:nvSpPr>
-          <p:cNvPr id="8" name="Google Shape;76;p15">
-            <a:extLst>
-              <a:ext uri="{FF2B5EF4-FFF2-40B4-BE49-F238E27FC236}">
-                <a16:creationId xmlns:a16="http://schemas.microsoft.com/office/drawing/2014/main" id="{6C017B13-5B9D-47AB-91D9-E74D9D0A3D45}"/>
-              </a:ext>
-            </a:extLst>
-          </p:cNvPr>
-          <p:cNvSpPr txBox="1">
-            <a:spLocks/>
-          </p:cNvSpPr>
-          <p:nvPr/>
-        </p:nvSpPr>
-        <p:spPr>
-          <a:xfrm>
-            <a:off x="4297650" y="4419838"/>
-            <a:ext cx="548700" cy="393600"/>
-          </a:xfrm>
-          <a:prstGeom prst="rect">
-            <a:avLst/>
-          </a:prstGeom>
-          <a:noFill/>
-          <a:ln>
-            <a:noFill/>
-          </a:ln>
-        </p:spPr>
-        <p:txBody>
-          <a:bodyPr spcFirstLastPara="1" wrap="square" lIns="91425" tIns="91425" rIns="91425" bIns="91425" anchor="b" anchorCtr="0">
-            <a:noAutofit/>
-          </a:bodyPr>
-          <a:lstStyle>
-            <a:defPPr marR="0" lvl="0" algn="l" rtl="0">
-              <a:lnSpc>
-                <a:spcPct val="100000"/>
-              </a:lnSpc>
-              <a:spcBef>
-                <a:spcPts val="0"/>
-              </a:spcBef>
-              <a:spcAft>
-                <a:spcPts val="0"/>
-              </a:spcAft>
-            </a:defPPr>
-            <a:lvl1pPr marR="0" lvl="0" algn="ctr" rtl="0">
-              <a:lnSpc>
-                <a:spcPct val="100000"/>
-              </a:lnSpc>
-              <a:spcBef>
-                <a:spcPts val="0"/>
-              </a:spcBef>
-              <a:spcAft>
-                <a:spcPts val="0"/>
-              </a:spcAft>
-              <a:buClr>
-                <a:srgbClr val="000000"/>
-              </a:buClr>
-              <a:buFont typeface="Arial"/>
-              <a:buNone/>
-              <a:defRPr sz="1100" b="0" i="0" u="none" strike="noStrike" cap="none">
-                <a:solidFill>
-                  <a:schemeClr val="accent3"/>
-                </a:solidFill>
-                <a:latin typeface="PT Serif"/>
-                <a:ea typeface="PT Serif"/>
-                <a:cs typeface="PT Serif"/>
-                <a:sym typeface="PT Serif"/>
-              </a:defRPr>
-            </a:lvl1pPr>
-            <a:lvl2pPr marR="0" lvl="1" algn="ctr" rtl="0">
-              <a:lnSpc>
-                <a:spcPct val="100000"/>
-              </a:lnSpc>
-              <a:spcBef>
-                <a:spcPts val="0"/>
-              </a:spcBef>
-              <a:spcAft>
-                <a:spcPts val="0"/>
-              </a:spcAft>
-              <a:buClr>
-                <a:srgbClr val="000000"/>
-              </a:buClr>
-              <a:buFont typeface="Arial"/>
-              <a:buNone/>
-              <a:defRPr sz="1100" b="0" i="0" u="none" strike="noStrike" cap="none">
-                <a:solidFill>
-                  <a:schemeClr val="accent3"/>
-                </a:solidFill>
-                <a:latin typeface="PT Serif"/>
-                <a:ea typeface="PT Serif"/>
-                <a:cs typeface="PT Serif"/>
-                <a:sym typeface="PT Serif"/>
-              </a:defRPr>
-            </a:lvl2pPr>
-            <a:lvl3pPr marR="0" lvl="2" algn="ctr" rtl="0">
-              <a:lnSpc>
-                <a:spcPct val="100000"/>
-              </a:lnSpc>
-              <a:spcBef>
-                <a:spcPts val="0"/>
-              </a:spcBef>
-              <a:spcAft>
-                <a:spcPts val="0"/>
-              </a:spcAft>
-              <a:buClr>
-                <a:srgbClr val="000000"/>
-              </a:buClr>
-              <a:buFont typeface="Arial"/>
-              <a:buNone/>
-              <a:defRPr sz="1100" b="0" i="0" u="none" strike="noStrike" cap="none">
-                <a:solidFill>
-                  <a:schemeClr val="accent3"/>
-                </a:solidFill>
-                <a:latin typeface="PT Serif"/>
-                <a:ea typeface="PT Serif"/>
-                <a:cs typeface="PT Serif"/>
-                <a:sym typeface="PT Serif"/>
-              </a:defRPr>
-            </a:lvl3pPr>
-            <a:lvl4pPr marR="0" lvl="3" algn="ctr" rtl="0">
-              <a:lnSpc>
-                <a:spcPct val="100000"/>
-              </a:lnSpc>
-              <a:spcBef>
-                <a:spcPts val="0"/>
-              </a:spcBef>
-              <a:spcAft>
-                <a:spcPts val="0"/>
-              </a:spcAft>
-              <a:buClr>
-                <a:srgbClr val="000000"/>
-              </a:buClr>
-              <a:buFont typeface="Arial"/>
-              <a:buNone/>
-              <a:defRPr sz="1100" b="0" i="0" u="none" strike="noStrike" cap="none">
-                <a:solidFill>
-                  <a:schemeClr val="accent3"/>
-                </a:solidFill>
-                <a:latin typeface="PT Serif"/>
-                <a:ea typeface="PT Serif"/>
-                <a:cs typeface="PT Serif"/>
-                <a:sym typeface="PT Serif"/>
-              </a:defRPr>
-            </a:lvl4pPr>
-            <a:lvl5pPr marR="0" lvl="4" algn="ctr" rtl="0">
-              <a:lnSpc>
-                <a:spcPct val="100000"/>
-              </a:lnSpc>
-              <a:spcBef>
-                <a:spcPts val="0"/>
-              </a:spcBef>
-              <a:spcAft>
-                <a:spcPts val="0"/>
-              </a:spcAft>
-              <a:buClr>
-                <a:srgbClr val="000000"/>
-              </a:buClr>
-              <a:buFont typeface="Arial"/>
-              <a:buNone/>
-              <a:defRPr sz="1100" b="0" i="0" u="none" strike="noStrike" cap="none">
-                <a:solidFill>
-                  <a:schemeClr val="accent3"/>
-                </a:solidFill>
-                <a:latin typeface="PT Serif"/>
-                <a:ea typeface="PT Serif"/>
-                <a:cs typeface="PT Serif"/>
-                <a:sym typeface="PT Serif"/>
-              </a:defRPr>
-            </a:lvl5pPr>
-            <a:lvl6pPr marR="0" lvl="5" algn="ctr" rtl="0">
-              <a:lnSpc>
-                <a:spcPct val="100000"/>
-              </a:lnSpc>
-              <a:spcBef>
-                <a:spcPts val="0"/>
-              </a:spcBef>
-              <a:spcAft>
-                <a:spcPts val="0"/>
-              </a:spcAft>
-              <a:buClr>
-                <a:srgbClr val="000000"/>
-              </a:buClr>
-              <a:buFont typeface="Arial"/>
-              <a:buNone/>
-              <a:defRPr sz="1100" b="0" i="0" u="none" strike="noStrike" cap="none">
-                <a:solidFill>
-                  <a:schemeClr val="accent3"/>
-                </a:solidFill>
-                <a:latin typeface="PT Serif"/>
-                <a:ea typeface="PT Serif"/>
-                <a:cs typeface="PT Serif"/>
-                <a:sym typeface="PT Serif"/>
-              </a:defRPr>
-            </a:lvl6pPr>
-            <a:lvl7pPr marR="0" lvl="6" algn="ctr" rtl="0">
-              <a:lnSpc>
-                <a:spcPct val="100000"/>
-              </a:lnSpc>
-              <a:spcBef>
-                <a:spcPts val="0"/>
-              </a:spcBef>
-              <a:spcAft>
-                <a:spcPts val="0"/>
-              </a:spcAft>
-              <a:buClr>
-                <a:srgbClr val="000000"/>
-              </a:buClr>
-              <a:buFont typeface="Arial"/>
-              <a:buNone/>
-              <a:defRPr sz="1100" b="0" i="0" u="none" strike="noStrike" cap="none">
-                <a:solidFill>
-                  <a:schemeClr val="accent3"/>
-                </a:solidFill>
-                <a:latin typeface="PT Serif"/>
-                <a:ea typeface="PT Serif"/>
-                <a:cs typeface="PT Serif"/>
-                <a:sym typeface="PT Serif"/>
-              </a:defRPr>
-            </a:lvl7pPr>
-            <a:lvl8pPr marR="0" lvl="7" algn="ctr" rtl="0">
-              <a:lnSpc>
-                <a:spcPct val="100000"/>
-              </a:lnSpc>
-              <a:spcBef>
-                <a:spcPts val="0"/>
-              </a:spcBef>
-              <a:spcAft>
-                <a:spcPts val="0"/>
-              </a:spcAft>
-              <a:buClr>
-                <a:srgbClr val="000000"/>
-              </a:buClr>
-              <a:buFont typeface="Arial"/>
-              <a:buNone/>
-              <a:defRPr sz="1100" b="0" i="0" u="none" strike="noStrike" cap="none">
-                <a:solidFill>
-                  <a:schemeClr val="accent3"/>
-                </a:solidFill>
-                <a:latin typeface="PT Serif"/>
-                <a:ea typeface="PT Serif"/>
-                <a:cs typeface="PT Serif"/>
-                <a:sym typeface="PT Serif"/>
-              </a:defRPr>
-            </a:lvl8pPr>
-            <a:lvl9pPr marR="0" lvl="8" algn="ctr" rtl="0">
-              <a:lnSpc>
-                <a:spcPct val="100000"/>
-              </a:lnSpc>
-              <a:spcBef>
-                <a:spcPts val="0"/>
-              </a:spcBef>
-              <a:spcAft>
-                <a:spcPts val="0"/>
-              </a:spcAft>
-              <a:buClr>
-                <a:srgbClr val="000000"/>
-              </a:buClr>
-              <a:buFont typeface="Arial"/>
-              <a:buNone/>
-              <a:defRPr sz="1100" b="0" i="0" u="none" strike="noStrike" cap="none">
-                <a:solidFill>
-                  <a:schemeClr val="accent3"/>
-                </a:solidFill>
-                <a:latin typeface="PT Serif"/>
-                <a:ea typeface="PT Serif"/>
-                <a:cs typeface="PT Serif"/>
-                <a:sym typeface="PT Serif"/>
-              </a:defRPr>
-            </a:lvl9pPr>
-          </a:lstStyle>
-          <a:p>
-            <a:fld id="{00000000-1234-1234-1234-123412341234}" type="slidenum">
-              <a:rPr lang="en" smtClean="0"/>
-              <a:pPr/>
-              <a:t>28</a:t>
-            </a:fld>
-            <a:endParaRPr lang="en"/>
-          </a:p>
-        </p:txBody>
-      </p:sp>
-      <p:pic>
-        <p:nvPicPr>
-          <p:cNvPr id="3" name="그림 2">
-            <a:extLst>
-              <a:ext uri="{FF2B5EF4-FFF2-40B4-BE49-F238E27FC236}">
-                <a16:creationId xmlns:a16="http://schemas.microsoft.com/office/drawing/2014/main" id="{21B9AD1F-7B6F-4723-A436-0E9336318F5C}"/>
-              </a:ext>
-            </a:extLst>
-          </p:cNvPr>
-          <p:cNvPicPr>
-            <a:picLocks noChangeAspect="1"/>
-          </p:cNvPicPr>
-          <p:nvPr/>
-        </p:nvPicPr>
-        <p:blipFill>
-          <a:blip r:embed="rId3"/>
-          <a:stretch>
-            <a:fillRect/>
-          </a:stretch>
-        </p:blipFill>
-        <p:spPr>
-          <a:xfrm>
-            <a:off x="0" y="0"/>
-            <a:ext cx="9144000" cy="5143500"/>
-          </a:xfrm>
-          <a:prstGeom prst="rect">
-            <a:avLst/>
-          </a:prstGeom>
-        </p:spPr>
-      </p:pic>
-    </p:spTree>
-    <p:extLst>
-      <p:ext uri="{BB962C8B-B14F-4D97-AF65-F5344CB8AC3E}">
-        <p14:creationId xmlns:p14="http://schemas.microsoft.com/office/powerpoint/2010/main" val="4039644539"/>
       </p:ext>
     </p:extLst>
   </p:cSld>
@@ -19405,7 +18791,7 @@
           <p:cNvPr id="4" name="그림 3">
             <a:extLst>
               <a:ext uri="{FF2B5EF4-FFF2-40B4-BE49-F238E27FC236}">
-                <a16:creationId xmlns:a16="http://schemas.microsoft.com/office/drawing/2014/main" id="{16367A05-68F3-4627-933E-26328B0F06BD}"/>
+                <a16:creationId xmlns:a16="http://schemas.microsoft.com/office/drawing/2014/main" id="{A7F5C2D2-2534-461A-8C8D-0CE4CEB4EBEE}"/>
               </a:ext>
             </a:extLst>
           </p:cNvPr>
@@ -19433,7 +18819,7 @@
     </p:spTree>
     <p:extLst>
       <p:ext uri="{BB962C8B-B14F-4D97-AF65-F5344CB8AC3E}">
-        <p14:creationId xmlns:p14="http://schemas.microsoft.com/office/powerpoint/2010/main" val="4256742947"/>
+        <p14:creationId xmlns:p14="http://schemas.microsoft.com/office/powerpoint/2010/main" val="2193037792"/>
       </p:ext>
     </p:extLst>
   </p:cSld>
@@ -19659,299 +19045,6 @@
       </p:sp>
       <p:sp>
         <p:nvSpPr>
-          <p:cNvPr id="7" name="Google Shape;74;p15">
-            <a:extLst>
-              <a:ext uri="{FF2B5EF4-FFF2-40B4-BE49-F238E27FC236}">
-                <a16:creationId xmlns:a16="http://schemas.microsoft.com/office/drawing/2014/main" id="{A9438187-2317-4278-B597-92A738A18664}"/>
-              </a:ext>
-            </a:extLst>
-          </p:cNvPr>
-          <p:cNvSpPr txBox="1">
-            <a:spLocks/>
-          </p:cNvSpPr>
-          <p:nvPr/>
-        </p:nvSpPr>
-        <p:spPr>
-          <a:xfrm>
-            <a:off x="1619700" y="1547902"/>
-            <a:ext cx="5904600" cy="1159800"/>
-          </a:xfrm>
-          <a:prstGeom prst="rect">
-            <a:avLst/>
-          </a:prstGeom>
-          <a:noFill/>
-          <a:ln>
-            <a:noFill/>
-          </a:ln>
-        </p:spPr>
-        <p:txBody>
-          <a:bodyPr spcFirstLastPara="1" wrap="square" lIns="91425" tIns="91425" rIns="91425" bIns="91425" anchor="b" anchorCtr="0">
-            <a:noAutofit/>
-          </a:bodyPr>
-          <a:lstStyle>
-            <a:defPPr marR="0" lvl="0" algn="l" rtl="0">
-              <a:lnSpc>
-                <a:spcPct val="100000"/>
-              </a:lnSpc>
-              <a:spcBef>
-                <a:spcPts val="0"/>
-              </a:spcBef>
-              <a:spcAft>
-                <a:spcPts val="0"/>
-              </a:spcAft>
-            </a:defPPr>
-            <a:lvl1pPr marR="0" lvl="0" algn="ctr" rtl="0">
-              <a:lnSpc>
-                <a:spcPct val="100000"/>
-              </a:lnSpc>
-              <a:spcBef>
-                <a:spcPts val="0"/>
-              </a:spcBef>
-              <a:spcAft>
-                <a:spcPts val="0"/>
-              </a:spcAft>
-              <a:buClr>
-                <a:schemeClr val="dk1"/>
-              </a:buClr>
-              <a:buSzPts val="1600"/>
-              <a:buFont typeface="Playfair Display"/>
-              <a:buNone/>
-              <a:defRPr sz="1600" b="0" i="0" u="none" strike="noStrike" cap="none">
-                <a:solidFill>
-                  <a:schemeClr val="dk1"/>
-                </a:solidFill>
-                <a:highlight>
-                  <a:srgbClr val="F3F3F3"/>
-                </a:highlight>
-                <a:latin typeface="Playfair Display"/>
-                <a:ea typeface="Playfair Display"/>
-                <a:cs typeface="Playfair Display"/>
-                <a:sym typeface="Playfair Display"/>
-              </a:defRPr>
-            </a:lvl1pPr>
-            <a:lvl2pPr marR="0" lvl="1" algn="ctr" rtl="0">
-              <a:lnSpc>
-                <a:spcPct val="100000"/>
-              </a:lnSpc>
-              <a:spcBef>
-                <a:spcPts val="0"/>
-              </a:spcBef>
-              <a:spcAft>
-                <a:spcPts val="0"/>
-              </a:spcAft>
-              <a:buClr>
-                <a:schemeClr val="dk1"/>
-              </a:buClr>
-              <a:buSzPts val="1600"/>
-              <a:buFont typeface="Playfair Display"/>
-              <a:buNone/>
-              <a:defRPr sz="1600" b="0" i="0" u="none" strike="noStrike" cap="none">
-                <a:solidFill>
-                  <a:schemeClr val="dk1"/>
-                </a:solidFill>
-                <a:latin typeface="Playfair Display"/>
-                <a:ea typeface="Playfair Display"/>
-                <a:cs typeface="Playfair Display"/>
-                <a:sym typeface="Playfair Display"/>
-              </a:defRPr>
-            </a:lvl2pPr>
-            <a:lvl3pPr marR="0" lvl="2" algn="ctr" rtl="0">
-              <a:lnSpc>
-                <a:spcPct val="100000"/>
-              </a:lnSpc>
-              <a:spcBef>
-                <a:spcPts val="0"/>
-              </a:spcBef>
-              <a:spcAft>
-                <a:spcPts val="0"/>
-              </a:spcAft>
-              <a:buClr>
-                <a:schemeClr val="dk1"/>
-              </a:buClr>
-              <a:buSzPts val="1600"/>
-              <a:buFont typeface="Playfair Display"/>
-              <a:buNone/>
-              <a:defRPr sz="1600" b="0" i="0" u="none" strike="noStrike" cap="none">
-                <a:solidFill>
-                  <a:schemeClr val="dk1"/>
-                </a:solidFill>
-                <a:latin typeface="Playfair Display"/>
-                <a:ea typeface="Playfair Display"/>
-                <a:cs typeface="Playfair Display"/>
-                <a:sym typeface="Playfair Display"/>
-              </a:defRPr>
-            </a:lvl3pPr>
-            <a:lvl4pPr marR="0" lvl="3" algn="ctr" rtl="0">
-              <a:lnSpc>
-                <a:spcPct val="100000"/>
-              </a:lnSpc>
-              <a:spcBef>
-                <a:spcPts val="0"/>
-              </a:spcBef>
-              <a:spcAft>
-                <a:spcPts val="0"/>
-              </a:spcAft>
-              <a:buClr>
-                <a:schemeClr val="dk1"/>
-              </a:buClr>
-              <a:buSzPts val="1600"/>
-              <a:buFont typeface="Playfair Display"/>
-              <a:buNone/>
-              <a:defRPr sz="1600" b="0" i="0" u="none" strike="noStrike" cap="none">
-                <a:solidFill>
-                  <a:schemeClr val="dk1"/>
-                </a:solidFill>
-                <a:latin typeface="Playfair Display"/>
-                <a:ea typeface="Playfair Display"/>
-                <a:cs typeface="Playfair Display"/>
-                <a:sym typeface="Playfair Display"/>
-              </a:defRPr>
-            </a:lvl4pPr>
-            <a:lvl5pPr marR="0" lvl="4" algn="ctr" rtl="0">
-              <a:lnSpc>
-                <a:spcPct val="100000"/>
-              </a:lnSpc>
-              <a:spcBef>
-                <a:spcPts val="0"/>
-              </a:spcBef>
-              <a:spcAft>
-                <a:spcPts val="0"/>
-              </a:spcAft>
-              <a:buClr>
-                <a:schemeClr val="dk1"/>
-              </a:buClr>
-              <a:buSzPts val="1600"/>
-              <a:buFont typeface="Playfair Display"/>
-              <a:buNone/>
-              <a:defRPr sz="1600" b="0" i="0" u="none" strike="noStrike" cap="none">
-                <a:solidFill>
-                  <a:schemeClr val="dk1"/>
-                </a:solidFill>
-                <a:latin typeface="Playfair Display"/>
-                <a:ea typeface="Playfair Display"/>
-                <a:cs typeface="Playfair Display"/>
-                <a:sym typeface="Playfair Display"/>
-              </a:defRPr>
-            </a:lvl5pPr>
-            <a:lvl6pPr marR="0" lvl="5" algn="ctr" rtl="0">
-              <a:lnSpc>
-                <a:spcPct val="100000"/>
-              </a:lnSpc>
-              <a:spcBef>
-                <a:spcPts val="0"/>
-              </a:spcBef>
-              <a:spcAft>
-                <a:spcPts val="0"/>
-              </a:spcAft>
-              <a:buClr>
-                <a:schemeClr val="dk1"/>
-              </a:buClr>
-              <a:buSzPts val="1600"/>
-              <a:buFont typeface="Playfair Display"/>
-              <a:buNone/>
-              <a:defRPr sz="1600" b="0" i="0" u="none" strike="noStrike" cap="none">
-                <a:solidFill>
-                  <a:schemeClr val="dk1"/>
-                </a:solidFill>
-                <a:latin typeface="Playfair Display"/>
-                <a:ea typeface="Playfair Display"/>
-                <a:cs typeface="Playfair Display"/>
-                <a:sym typeface="Playfair Display"/>
-              </a:defRPr>
-            </a:lvl6pPr>
-            <a:lvl7pPr marR="0" lvl="6" algn="ctr" rtl="0">
-              <a:lnSpc>
-                <a:spcPct val="100000"/>
-              </a:lnSpc>
-              <a:spcBef>
-                <a:spcPts val="0"/>
-              </a:spcBef>
-              <a:spcAft>
-                <a:spcPts val="0"/>
-              </a:spcAft>
-              <a:buClr>
-                <a:schemeClr val="dk1"/>
-              </a:buClr>
-              <a:buSzPts val="1600"/>
-              <a:buFont typeface="Playfair Display"/>
-              <a:buNone/>
-              <a:defRPr sz="1600" b="0" i="0" u="none" strike="noStrike" cap="none">
-                <a:solidFill>
-                  <a:schemeClr val="dk1"/>
-                </a:solidFill>
-                <a:latin typeface="Playfair Display"/>
-                <a:ea typeface="Playfair Display"/>
-                <a:cs typeface="Playfair Display"/>
-                <a:sym typeface="Playfair Display"/>
-              </a:defRPr>
-            </a:lvl7pPr>
-            <a:lvl8pPr marR="0" lvl="7" algn="ctr" rtl="0">
-              <a:lnSpc>
-                <a:spcPct val="100000"/>
-              </a:lnSpc>
-              <a:spcBef>
-                <a:spcPts val="0"/>
-              </a:spcBef>
-              <a:spcAft>
-                <a:spcPts val="0"/>
-              </a:spcAft>
-              <a:buClr>
-                <a:schemeClr val="dk1"/>
-              </a:buClr>
-              <a:buSzPts val="1600"/>
-              <a:buFont typeface="Playfair Display"/>
-              <a:buNone/>
-              <a:defRPr sz="1600" b="0" i="0" u="none" strike="noStrike" cap="none">
-                <a:solidFill>
-                  <a:schemeClr val="dk1"/>
-                </a:solidFill>
-                <a:latin typeface="Playfair Display"/>
-                <a:ea typeface="Playfair Display"/>
-                <a:cs typeface="Playfair Display"/>
-                <a:sym typeface="Playfair Display"/>
-              </a:defRPr>
-            </a:lvl8pPr>
-            <a:lvl9pPr marR="0" lvl="8" algn="ctr" rtl="0">
-              <a:lnSpc>
-                <a:spcPct val="100000"/>
-              </a:lnSpc>
-              <a:spcBef>
-                <a:spcPts val="0"/>
-              </a:spcBef>
-              <a:spcAft>
-                <a:spcPts val="0"/>
-              </a:spcAft>
-              <a:buClr>
-                <a:schemeClr val="dk1"/>
-              </a:buClr>
-              <a:buSzPts val="1600"/>
-              <a:buFont typeface="Playfair Display"/>
-              <a:buNone/>
-              <a:defRPr sz="1600" b="0" i="0" u="none" strike="noStrike" cap="none">
-                <a:solidFill>
-                  <a:schemeClr val="dk1"/>
-                </a:solidFill>
-                <a:latin typeface="Playfair Display"/>
-                <a:ea typeface="Playfair Display"/>
-                <a:cs typeface="Playfair Display"/>
-                <a:sym typeface="Playfair Display"/>
-              </a:defRPr>
-            </a:lvl9pPr>
-          </a:lstStyle>
-          <a:p>
-            <a:r>
-              <a:rPr lang="en-US" altLang="ko-KR" sz="2400" dirty="0"/>
-              <a:t>…</a:t>
-            </a:r>
-            <a:r>
-              <a:rPr lang="ko-KR" altLang="en-US" sz="2400" dirty="0"/>
-              <a:t>어쨌든 대변혁 맞음</a:t>
-            </a:r>
-          </a:p>
-        </p:txBody>
-      </p:sp>
-      <p:sp>
-        <p:nvSpPr>
           <p:cNvPr id="8" name="Google Shape;76;p15">
             <a:extLst>
               <a:ext uri="{FF2B5EF4-FFF2-40B4-BE49-F238E27FC236}">
@@ -20229,10 +19322,40 @@
           </a:p>
         </p:txBody>
       </p:sp>
+      <p:pic>
+        <p:nvPicPr>
+          <p:cNvPr id="3" name="그림 2">
+            <a:extLst>
+              <a:ext uri="{FF2B5EF4-FFF2-40B4-BE49-F238E27FC236}">
+                <a16:creationId xmlns:a16="http://schemas.microsoft.com/office/drawing/2014/main" id="{21B9AD1F-7B6F-4723-A436-0E9336318F5C}"/>
+              </a:ext>
+            </a:extLst>
+          </p:cNvPr>
+          <p:cNvPicPr>
+            <a:picLocks noChangeAspect="1"/>
+          </p:cNvPicPr>
+          <p:nvPr/>
+        </p:nvPicPr>
+        <p:blipFill>
+          <a:blip r:embed="rId3"/>
+          <a:stretch>
+            <a:fillRect/>
+          </a:stretch>
+        </p:blipFill>
+        <p:spPr>
+          <a:xfrm>
+            <a:off x="0" y="0"/>
+            <a:ext cx="9144000" cy="5143500"/>
+          </a:xfrm>
+          <a:prstGeom prst="rect">
+            <a:avLst/>
+          </a:prstGeom>
+        </p:spPr>
+      </p:pic>
     </p:spTree>
     <p:extLst>
       <p:ext uri="{BB962C8B-B14F-4D97-AF65-F5344CB8AC3E}">
-        <p14:creationId xmlns:p14="http://schemas.microsoft.com/office/powerpoint/2010/main" val="3079426487"/>
+        <p14:creationId xmlns:p14="http://schemas.microsoft.com/office/powerpoint/2010/main" val="4039644539"/>
       </p:ext>
     </p:extLst>
   </p:cSld>
@@ -20345,303 +19468,6 @@
       </p:sp>
       <p:sp>
         <p:nvSpPr>
-          <p:cNvPr id="7" name="Google Shape;74;p15">
-            <a:extLst>
-              <a:ext uri="{FF2B5EF4-FFF2-40B4-BE49-F238E27FC236}">
-                <a16:creationId xmlns:a16="http://schemas.microsoft.com/office/drawing/2014/main" id="{A9438187-2317-4278-B597-92A738A18664}"/>
-              </a:ext>
-            </a:extLst>
-          </p:cNvPr>
-          <p:cNvSpPr txBox="1">
-            <a:spLocks/>
-          </p:cNvSpPr>
-          <p:nvPr/>
-        </p:nvSpPr>
-        <p:spPr>
-          <a:xfrm>
-            <a:off x="1619700" y="1547902"/>
-            <a:ext cx="5904600" cy="1159800"/>
-          </a:xfrm>
-          <a:prstGeom prst="rect">
-            <a:avLst/>
-          </a:prstGeom>
-          <a:noFill/>
-          <a:ln>
-            <a:noFill/>
-          </a:ln>
-        </p:spPr>
-        <p:txBody>
-          <a:bodyPr spcFirstLastPara="1" wrap="square" lIns="91425" tIns="91425" rIns="91425" bIns="91425" anchor="b" anchorCtr="0">
-            <a:noAutofit/>
-          </a:bodyPr>
-          <a:lstStyle>
-            <a:defPPr marR="0" lvl="0" algn="l" rtl="0">
-              <a:lnSpc>
-                <a:spcPct val="100000"/>
-              </a:lnSpc>
-              <a:spcBef>
-                <a:spcPts val="0"/>
-              </a:spcBef>
-              <a:spcAft>
-                <a:spcPts val="0"/>
-              </a:spcAft>
-            </a:defPPr>
-            <a:lvl1pPr marR="0" lvl="0" algn="ctr" rtl="0">
-              <a:lnSpc>
-                <a:spcPct val="100000"/>
-              </a:lnSpc>
-              <a:spcBef>
-                <a:spcPts val="0"/>
-              </a:spcBef>
-              <a:spcAft>
-                <a:spcPts val="0"/>
-              </a:spcAft>
-              <a:buClr>
-                <a:schemeClr val="dk1"/>
-              </a:buClr>
-              <a:buSzPts val="1600"/>
-              <a:buFont typeface="Playfair Display"/>
-              <a:buNone/>
-              <a:defRPr sz="1600" b="0" i="0" u="none" strike="noStrike" cap="none">
-                <a:solidFill>
-                  <a:schemeClr val="dk1"/>
-                </a:solidFill>
-                <a:highlight>
-                  <a:srgbClr val="F3F3F3"/>
-                </a:highlight>
-                <a:latin typeface="Playfair Display"/>
-                <a:ea typeface="Playfair Display"/>
-                <a:cs typeface="Playfair Display"/>
-                <a:sym typeface="Playfair Display"/>
-              </a:defRPr>
-            </a:lvl1pPr>
-            <a:lvl2pPr marR="0" lvl="1" algn="ctr" rtl="0">
-              <a:lnSpc>
-                <a:spcPct val="100000"/>
-              </a:lnSpc>
-              <a:spcBef>
-                <a:spcPts val="0"/>
-              </a:spcBef>
-              <a:spcAft>
-                <a:spcPts val="0"/>
-              </a:spcAft>
-              <a:buClr>
-                <a:schemeClr val="dk1"/>
-              </a:buClr>
-              <a:buSzPts val="1600"/>
-              <a:buFont typeface="Playfair Display"/>
-              <a:buNone/>
-              <a:defRPr sz="1600" b="0" i="0" u="none" strike="noStrike" cap="none">
-                <a:solidFill>
-                  <a:schemeClr val="dk1"/>
-                </a:solidFill>
-                <a:latin typeface="Playfair Display"/>
-                <a:ea typeface="Playfair Display"/>
-                <a:cs typeface="Playfair Display"/>
-                <a:sym typeface="Playfair Display"/>
-              </a:defRPr>
-            </a:lvl2pPr>
-            <a:lvl3pPr marR="0" lvl="2" algn="ctr" rtl="0">
-              <a:lnSpc>
-                <a:spcPct val="100000"/>
-              </a:lnSpc>
-              <a:spcBef>
-                <a:spcPts val="0"/>
-              </a:spcBef>
-              <a:spcAft>
-                <a:spcPts val="0"/>
-              </a:spcAft>
-              <a:buClr>
-                <a:schemeClr val="dk1"/>
-              </a:buClr>
-              <a:buSzPts val="1600"/>
-              <a:buFont typeface="Playfair Display"/>
-              <a:buNone/>
-              <a:defRPr sz="1600" b="0" i="0" u="none" strike="noStrike" cap="none">
-                <a:solidFill>
-                  <a:schemeClr val="dk1"/>
-                </a:solidFill>
-                <a:latin typeface="Playfair Display"/>
-                <a:ea typeface="Playfair Display"/>
-                <a:cs typeface="Playfair Display"/>
-                <a:sym typeface="Playfair Display"/>
-              </a:defRPr>
-            </a:lvl3pPr>
-            <a:lvl4pPr marR="0" lvl="3" algn="ctr" rtl="0">
-              <a:lnSpc>
-                <a:spcPct val="100000"/>
-              </a:lnSpc>
-              <a:spcBef>
-                <a:spcPts val="0"/>
-              </a:spcBef>
-              <a:spcAft>
-                <a:spcPts val="0"/>
-              </a:spcAft>
-              <a:buClr>
-                <a:schemeClr val="dk1"/>
-              </a:buClr>
-              <a:buSzPts val="1600"/>
-              <a:buFont typeface="Playfair Display"/>
-              <a:buNone/>
-              <a:defRPr sz="1600" b="0" i="0" u="none" strike="noStrike" cap="none">
-                <a:solidFill>
-                  <a:schemeClr val="dk1"/>
-                </a:solidFill>
-                <a:latin typeface="Playfair Display"/>
-                <a:ea typeface="Playfair Display"/>
-                <a:cs typeface="Playfair Display"/>
-                <a:sym typeface="Playfair Display"/>
-              </a:defRPr>
-            </a:lvl4pPr>
-            <a:lvl5pPr marR="0" lvl="4" algn="ctr" rtl="0">
-              <a:lnSpc>
-                <a:spcPct val="100000"/>
-              </a:lnSpc>
-              <a:spcBef>
-                <a:spcPts val="0"/>
-              </a:spcBef>
-              <a:spcAft>
-                <a:spcPts val="0"/>
-              </a:spcAft>
-              <a:buClr>
-                <a:schemeClr val="dk1"/>
-              </a:buClr>
-              <a:buSzPts val="1600"/>
-              <a:buFont typeface="Playfair Display"/>
-              <a:buNone/>
-              <a:defRPr sz="1600" b="0" i="0" u="none" strike="noStrike" cap="none">
-                <a:solidFill>
-                  <a:schemeClr val="dk1"/>
-                </a:solidFill>
-                <a:latin typeface="Playfair Display"/>
-                <a:ea typeface="Playfair Display"/>
-                <a:cs typeface="Playfair Display"/>
-                <a:sym typeface="Playfair Display"/>
-              </a:defRPr>
-            </a:lvl5pPr>
-            <a:lvl6pPr marR="0" lvl="5" algn="ctr" rtl="0">
-              <a:lnSpc>
-                <a:spcPct val="100000"/>
-              </a:lnSpc>
-              <a:spcBef>
-                <a:spcPts val="0"/>
-              </a:spcBef>
-              <a:spcAft>
-                <a:spcPts val="0"/>
-              </a:spcAft>
-              <a:buClr>
-                <a:schemeClr val="dk1"/>
-              </a:buClr>
-              <a:buSzPts val="1600"/>
-              <a:buFont typeface="Playfair Display"/>
-              <a:buNone/>
-              <a:defRPr sz="1600" b="0" i="0" u="none" strike="noStrike" cap="none">
-                <a:solidFill>
-                  <a:schemeClr val="dk1"/>
-                </a:solidFill>
-                <a:latin typeface="Playfair Display"/>
-                <a:ea typeface="Playfair Display"/>
-                <a:cs typeface="Playfair Display"/>
-                <a:sym typeface="Playfair Display"/>
-              </a:defRPr>
-            </a:lvl6pPr>
-            <a:lvl7pPr marR="0" lvl="6" algn="ctr" rtl="0">
-              <a:lnSpc>
-                <a:spcPct val="100000"/>
-              </a:lnSpc>
-              <a:spcBef>
-                <a:spcPts val="0"/>
-              </a:spcBef>
-              <a:spcAft>
-                <a:spcPts val="0"/>
-              </a:spcAft>
-              <a:buClr>
-                <a:schemeClr val="dk1"/>
-              </a:buClr>
-              <a:buSzPts val="1600"/>
-              <a:buFont typeface="Playfair Display"/>
-              <a:buNone/>
-              <a:defRPr sz="1600" b="0" i="0" u="none" strike="noStrike" cap="none">
-                <a:solidFill>
-                  <a:schemeClr val="dk1"/>
-                </a:solidFill>
-                <a:latin typeface="Playfair Display"/>
-                <a:ea typeface="Playfair Display"/>
-                <a:cs typeface="Playfair Display"/>
-                <a:sym typeface="Playfair Display"/>
-              </a:defRPr>
-            </a:lvl7pPr>
-            <a:lvl8pPr marR="0" lvl="7" algn="ctr" rtl="0">
-              <a:lnSpc>
-                <a:spcPct val="100000"/>
-              </a:lnSpc>
-              <a:spcBef>
-                <a:spcPts val="0"/>
-              </a:spcBef>
-              <a:spcAft>
-                <a:spcPts val="0"/>
-              </a:spcAft>
-              <a:buClr>
-                <a:schemeClr val="dk1"/>
-              </a:buClr>
-              <a:buSzPts val="1600"/>
-              <a:buFont typeface="Playfair Display"/>
-              <a:buNone/>
-              <a:defRPr sz="1600" b="0" i="0" u="none" strike="noStrike" cap="none">
-                <a:solidFill>
-                  <a:schemeClr val="dk1"/>
-                </a:solidFill>
-                <a:latin typeface="Playfair Display"/>
-                <a:ea typeface="Playfair Display"/>
-                <a:cs typeface="Playfair Display"/>
-                <a:sym typeface="Playfair Display"/>
-              </a:defRPr>
-            </a:lvl8pPr>
-            <a:lvl9pPr marR="0" lvl="8" algn="ctr" rtl="0">
-              <a:lnSpc>
-                <a:spcPct val="100000"/>
-              </a:lnSpc>
-              <a:spcBef>
-                <a:spcPts val="0"/>
-              </a:spcBef>
-              <a:spcAft>
-                <a:spcPts val="0"/>
-              </a:spcAft>
-              <a:buClr>
-                <a:schemeClr val="dk1"/>
-              </a:buClr>
-              <a:buSzPts val="1600"/>
-              <a:buFont typeface="Playfair Display"/>
-              <a:buNone/>
-              <a:defRPr sz="1600" b="0" i="0" u="none" strike="noStrike" cap="none">
-                <a:solidFill>
-                  <a:schemeClr val="dk1"/>
-                </a:solidFill>
-                <a:latin typeface="Playfair Display"/>
-                <a:ea typeface="Playfair Display"/>
-                <a:cs typeface="Playfair Display"/>
-                <a:sym typeface="Playfair Display"/>
-              </a:defRPr>
-            </a:lvl9pPr>
-          </a:lstStyle>
-          <a:p>
-            <a:r>
-              <a:rPr lang="en-US" altLang="ko-KR" sz="2400" dirty="0" err="1"/>
-              <a:t>Midde</a:t>
-            </a:r>
-            <a:r>
-              <a:rPr lang="en-US" altLang="ko-KR" sz="2400" dirty="0"/>
-              <a:t> Man </a:t>
-            </a:r>
-            <a:r>
-              <a:rPr lang="ko-KR" altLang="en-US" sz="2400" dirty="0"/>
-              <a:t>제거 작업</a:t>
-            </a:r>
-          </a:p>
-        </p:txBody>
-      </p:sp>
-      <p:sp>
-        <p:nvSpPr>
           <p:cNvPr id="8" name="Google Shape;76;p15">
             <a:extLst>
               <a:ext uri="{FF2B5EF4-FFF2-40B4-BE49-F238E27FC236}">
@@ -20919,10 +19745,40 @@
           </a:p>
         </p:txBody>
       </p:sp>
+      <p:pic>
+        <p:nvPicPr>
+          <p:cNvPr id="4" name="그림 3">
+            <a:extLst>
+              <a:ext uri="{FF2B5EF4-FFF2-40B4-BE49-F238E27FC236}">
+                <a16:creationId xmlns:a16="http://schemas.microsoft.com/office/drawing/2014/main" id="{16367A05-68F3-4627-933E-26328B0F06BD}"/>
+              </a:ext>
+            </a:extLst>
+          </p:cNvPr>
+          <p:cNvPicPr>
+            <a:picLocks noChangeAspect="1"/>
+          </p:cNvPicPr>
+          <p:nvPr/>
+        </p:nvPicPr>
+        <p:blipFill>
+          <a:blip r:embed="rId3"/>
+          <a:stretch>
+            <a:fillRect/>
+          </a:stretch>
+        </p:blipFill>
+        <p:spPr>
+          <a:xfrm>
+            <a:off x="0" y="0"/>
+            <a:ext cx="9144000" cy="5143500"/>
+          </a:xfrm>
+          <a:prstGeom prst="rect">
+            <a:avLst/>
+          </a:prstGeom>
+        </p:spPr>
+      </p:pic>
     </p:spTree>
     <p:extLst>
       <p:ext uri="{BB962C8B-B14F-4D97-AF65-F5344CB8AC3E}">
-        <p14:creationId xmlns:p14="http://schemas.microsoft.com/office/powerpoint/2010/main" val="3907210863"/>
+        <p14:creationId xmlns:p14="http://schemas.microsoft.com/office/powerpoint/2010/main" val="4256742947"/>
       </p:ext>
     </p:extLst>
   </p:cSld>
@@ -21028,6 +19884,696 @@
             <a:fld id="{00000000-1234-1234-1234-123412341234}" type="slidenum">
               <a:rPr lang="en"/>
               <a:t>32</a:t>
+            </a:fld>
+            <a:endParaRPr/>
+          </a:p>
+        </p:txBody>
+      </p:sp>
+      <p:sp>
+        <p:nvSpPr>
+          <p:cNvPr id="7" name="Google Shape;74;p15">
+            <a:extLst>
+              <a:ext uri="{FF2B5EF4-FFF2-40B4-BE49-F238E27FC236}">
+                <a16:creationId xmlns:a16="http://schemas.microsoft.com/office/drawing/2014/main" id="{A9438187-2317-4278-B597-92A738A18664}"/>
+              </a:ext>
+            </a:extLst>
+          </p:cNvPr>
+          <p:cNvSpPr txBox="1">
+            <a:spLocks/>
+          </p:cNvSpPr>
+          <p:nvPr/>
+        </p:nvSpPr>
+        <p:spPr>
+          <a:xfrm>
+            <a:off x="1619700" y="1547902"/>
+            <a:ext cx="5904600" cy="1159800"/>
+          </a:xfrm>
+          <a:prstGeom prst="rect">
+            <a:avLst/>
+          </a:prstGeom>
+          <a:noFill/>
+          <a:ln>
+            <a:noFill/>
+          </a:ln>
+        </p:spPr>
+        <p:txBody>
+          <a:bodyPr spcFirstLastPara="1" wrap="square" lIns="91425" tIns="91425" rIns="91425" bIns="91425" anchor="b" anchorCtr="0">
+            <a:noAutofit/>
+          </a:bodyPr>
+          <a:lstStyle>
+            <a:defPPr marR="0" lvl="0" algn="l" rtl="0">
+              <a:lnSpc>
+                <a:spcPct val="100000"/>
+              </a:lnSpc>
+              <a:spcBef>
+                <a:spcPts val="0"/>
+              </a:spcBef>
+              <a:spcAft>
+                <a:spcPts val="0"/>
+              </a:spcAft>
+            </a:defPPr>
+            <a:lvl1pPr marR="0" lvl="0" algn="ctr" rtl="0">
+              <a:lnSpc>
+                <a:spcPct val="100000"/>
+              </a:lnSpc>
+              <a:spcBef>
+                <a:spcPts val="0"/>
+              </a:spcBef>
+              <a:spcAft>
+                <a:spcPts val="0"/>
+              </a:spcAft>
+              <a:buClr>
+                <a:schemeClr val="dk1"/>
+              </a:buClr>
+              <a:buSzPts val="1600"/>
+              <a:buFont typeface="Playfair Display"/>
+              <a:buNone/>
+              <a:defRPr sz="1600" b="0" i="0" u="none" strike="noStrike" cap="none">
+                <a:solidFill>
+                  <a:schemeClr val="dk1"/>
+                </a:solidFill>
+                <a:highlight>
+                  <a:srgbClr val="F3F3F3"/>
+                </a:highlight>
+                <a:latin typeface="Playfair Display"/>
+                <a:ea typeface="Playfair Display"/>
+                <a:cs typeface="Playfair Display"/>
+                <a:sym typeface="Playfair Display"/>
+              </a:defRPr>
+            </a:lvl1pPr>
+            <a:lvl2pPr marR="0" lvl="1" algn="ctr" rtl="0">
+              <a:lnSpc>
+                <a:spcPct val="100000"/>
+              </a:lnSpc>
+              <a:spcBef>
+                <a:spcPts val="0"/>
+              </a:spcBef>
+              <a:spcAft>
+                <a:spcPts val="0"/>
+              </a:spcAft>
+              <a:buClr>
+                <a:schemeClr val="dk1"/>
+              </a:buClr>
+              <a:buSzPts val="1600"/>
+              <a:buFont typeface="Playfair Display"/>
+              <a:buNone/>
+              <a:defRPr sz="1600" b="0" i="0" u="none" strike="noStrike" cap="none">
+                <a:solidFill>
+                  <a:schemeClr val="dk1"/>
+                </a:solidFill>
+                <a:latin typeface="Playfair Display"/>
+                <a:ea typeface="Playfair Display"/>
+                <a:cs typeface="Playfair Display"/>
+                <a:sym typeface="Playfair Display"/>
+              </a:defRPr>
+            </a:lvl2pPr>
+            <a:lvl3pPr marR="0" lvl="2" algn="ctr" rtl="0">
+              <a:lnSpc>
+                <a:spcPct val="100000"/>
+              </a:lnSpc>
+              <a:spcBef>
+                <a:spcPts val="0"/>
+              </a:spcBef>
+              <a:spcAft>
+                <a:spcPts val="0"/>
+              </a:spcAft>
+              <a:buClr>
+                <a:schemeClr val="dk1"/>
+              </a:buClr>
+              <a:buSzPts val="1600"/>
+              <a:buFont typeface="Playfair Display"/>
+              <a:buNone/>
+              <a:defRPr sz="1600" b="0" i="0" u="none" strike="noStrike" cap="none">
+                <a:solidFill>
+                  <a:schemeClr val="dk1"/>
+                </a:solidFill>
+                <a:latin typeface="Playfair Display"/>
+                <a:ea typeface="Playfair Display"/>
+                <a:cs typeface="Playfair Display"/>
+                <a:sym typeface="Playfair Display"/>
+              </a:defRPr>
+            </a:lvl3pPr>
+            <a:lvl4pPr marR="0" lvl="3" algn="ctr" rtl="0">
+              <a:lnSpc>
+                <a:spcPct val="100000"/>
+              </a:lnSpc>
+              <a:spcBef>
+                <a:spcPts val="0"/>
+              </a:spcBef>
+              <a:spcAft>
+                <a:spcPts val="0"/>
+              </a:spcAft>
+              <a:buClr>
+                <a:schemeClr val="dk1"/>
+              </a:buClr>
+              <a:buSzPts val="1600"/>
+              <a:buFont typeface="Playfair Display"/>
+              <a:buNone/>
+              <a:defRPr sz="1600" b="0" i="0" u="none" strike="noStrike" cap="none">
+                <a:solidFill>
+                  <a:schemeClr val="dk1"/>
+                </a:solidFill>
+                <a:latin typeface="Playfair Display"/>
+                <a:ea typeface="Playfair Display"/>
+                <a:cs typeface="Playfair Display"/>
+                <a:sym typeface="Playfair Display"/>
+              </a:defRPr>
+            </a:lvl4pPr>
+            <a:lvl5pPr marR="0" lvl="4" algn="ctr" rtl="0">
+              <a:lnSpc>
+                <a:spcPct val="100000"/>
+              </a:lnSpc>
+              <a:spcBef>
+                <a:spcPts val="0"/>
+              </a:spcBef>
+              <a:spcAft>
+                <a:spcPts val="0"/>
+              </a:spcAft>
+              <a:buClr>
+                <a:schemeClr val="dk1"/>
+              </a:buClr>
+              <a:buSzPts val="1600"/>
+              <a:buFont typeface="Playfair Display"/>
+              <a:buNone/>
+              <a:defRPr sz="1600" b="0" i="0" u="none" strike="noStrike" cap="none">
+                <a:solidFill>
+                  <a:schemeClr val="dk1"/>
+                </a:solidFill>
+                <a:latin typeface="Playfair Display"/>
+                <a:ea typeface="Playfair Display"/>
+                <a:cs typeface="Playfair Display"/>
+                <a:sym typeface="Playfair Display"/>
+              </a:defRPr>
+            </a:lvl5pPr>
+            <a:lvl6pPr marR="0" lvl="5" algn="ctr" rtl="0">
+              <a:lnSpc>
+                <a:spcPct val="100000"/>
+              </a:lnSpc>
+              <a:spcBef>
+                <a:spcPts val="0"/>
+              </a:spcBef>
+              <a:spcAft>
+                <a:spcPts val="0"/>
+              </a:spcAft>
+              <a:buClr>
+                <a:schemeClr val="dk1"/>
+              </a:buClr>
+              <a:buSzPts val="1600"/>
+              <a:buFont typeface="Playfair Display"/>
+              <a:buNone/>
+              <a:defRPr sz="1600" b="0" i="0" u="none" strike="noStrike" cap="none">
+                <a:solidFill>
+                  <a:schemeClr val="dk1"/>
+                </a:solidFill>
+                <a:latin typeface="Playfair Display"/>
+                <a:ea typeface="Playfair Display"/>
+                <a:cs typeface="Playfair Display"/>
+                <a:sym typeface="Playfair Display"/>
+              </a:defRPr>
+            </a:lvl6pPr>
+            <a:lvl7pPr marR="0" lvl="6" algn="ctr" rtl="0">
+              <a:lnSpc>
+                <a:spcPct val="100000"/>
+              </a:lnSpc>
+              <a:spcBef>
+                <a:spcPts val="0"/>
+              </a:spcBef>
+              <a:spcAft>
+                <a:spcPts val="0"/>
+              </a:spcAft>
+              <a:buClr>
+                <a:schemeClr val="dk1"/>
+              </a:buClr>
+              <a:buSzPts val="1600"/>
+              <a:buFont typeface="Playfair Display"/>
+              <a:buNone/>
+              <a:defRPr sz="1600" b="0" i="0" u="none" strike="noStrike" cap="none">
+                <a:solidFill>
+                  <a:schemeClr val="dk1"/>
+                </a:solidFill>
+                <a:latin typeface="Playfair Display"/>
+                <a:ea typeface="Playfair Display"/>
+                <a:cs typeface="Playfair Display"/>
+                <a:sym typeface="Playfair Display"/>
+              </a:defRPr>
+            </a:lvl7pPr>
+            <a:lvl8pPr marR="0" lvl="7" algn="ctr" rtl="0">
+              <a:lnSpc>
+                <a:spcPct val="100000"/>
+              </a:lnSpc>
+              <a:spcBef>
+                <a:spcPts val="0"/>
+              </a:spcBef>
+              <a:spcAft>
+                <a:spcPts val="0"/>
+              </a:spcAft>
+              <a:buClr>
+                <a:schemeClr val="dk1"/>
+              </a:buClr>
+              <a:buSzPts val="1600"/>
+              <a:buFont typeface="Playfair Display"/>
+              <a:buNone/>
+              <a:defRPr sz="1600" b="0" i="0" u="none" strike="noStrike" cap="none">
+                <a:solidFill>
+                  <a:schemeClr val="dk1"/>
+                </a:solidFill>
+                <a:latin typeface="Playfair Display"/>
+                <a:ea typeface="Playfair Display"/>
+                <a:cs typeface="Playfair Display"/>
+                <a:sym typeface="Playfair Display"/>
+              </a:defRPr>
+            </a:lvl8pPr>
+            <a:lvl9pPr marR="0" lvl="8" algn="ctr" rtl="0">
+              <a:lnSpc>
+                <a:spcPct val="100000"/>
+              </a:lnSpc>
+              <a:spcBef>
+                <a:spcPts val="0"/>
+              </a:spcBef>
+              <a:spcAft>
+                <a:spcPts val="0"/>
+              </a:spcAft>
+              <a:buClr>
+                <a:schemeClr val="dk1"/>
+              </a:buClr>
+              <a:buSzPts val="1600"/>
+              <a:buFont typeface="Playfair Display"/>
+              <a:buNone/>
+              <a:defRPr sz="1600" b="0" i="0" u="none" strike="noStrike" cap="none">
+                <a:solidFill>
+                  <a:schemeClr val="dk1"/>
+                </a:solidFill>
+                <a:latin typeface="Playfair Display"/>
+                <a:ea typeface="Playfair Display"/>
+                <a:cs typeface="Playfair Display"/>
+                <a:sym typeface="Playfair Display"/>
+              </a:defRPr>
+            </a:lvl9pPr>
+          </a:lstStyle>
+          <a:p>
+            <a:r>
+              <a:rPr lang="en-US" altLang="ko-KR" sz="2400" dirty="0" err="1"/>
+              <a:t>Midde</a:t>
+            </a:r>
+            <a:r>
+              <a:rPr lang="en-US" altLang="ko-KR" sz="2400" dirty="0"/>
+              <a:t> Man </a:t>
+            </a:r>
+            <a:r>
+              <a:rPr lang="ko-KR" altLang="en-US" sz="2400" dirty="0"/>
+              <a:t>제거 작업</a:t>
+            </a:r>
+          </a:p>
+        </p:txBody>
+      </p:sp>
+      <p:sp>
+        <p:nvSpPr>
+          <p:cNvPr id="8" name="Google Shape;76;p15">
+            <a:extLst>
+              <a:ext uri="{FF2B5EF4-FFF2-40B4-BE49-F238E27FC236}">
+                <a16:creationId xmlns:a16="http://schemas.microsoft.com/office/drawing/2014/main" id="{6C017B13-5B9D-47AB-91D9-E74D9D0A3D45}"/>
+              </a:ext>
+            </a:extLst>
+          </p:cNvPr>
+          <p:cNvSpPr txBox="1">
+            <a:spLocks/>
+          </p:cNvSpPr>
+          <p:nvPr/>
+        </p:nvSpPr>
+        <p:spPr>
+          <a:xfrm>
+            <a:off x="4297650" y="4419838"/>
+            <a:ext cx="548700" cy="393600"/>
+          </a:xfrm>
+          <a:prstGeom prst="rect">
+            <a:avLst/>
+          </a:prstGeom>
+          <a:noFill/>
+          <a:ln>
+            <a:noFill/>
+          </a:ln>
+        </p:spPr>
+        <p:txBody>
+          <a:bodyPr spcFirstLastPara="1" wrap="square" lIns="91425" tIns="91425" rIns="91425" bIns="91425" anchor="b" anchorCtr="0">
+            <a:noAutofit/>
+          </a:bodyPr>
+          <a:lstStyle>
+            <a:defPPr marR="0" lvl="0" algn="l" rtl="0">
+              <a:lnSpc>
+                <a:spcPct val="100000"/>
+              </a:lnSpc>
+              <a:spcBef>
+                <a:spcPts val="0"/>
+              </a:spcBef>
+              <a:spcAft>
+                <a:spcPts val="0"/>
+              </a:spcAft>
+            </a:defPPr>
+            <a:lvl1pPr marR="0" lvl="0" algn="ctr" rtl="0">
+              <a:lnSpc>
+                <a:spcPct val="100000"/>
+              </a:lnSpc>
+              <a:spcBef>
+                <a:spcPts val="0"/>
+              </a:spcBef>
+              <a:spcAft>
+                <a:spcPts val="0"/>
+              </a:spcAft>
+              <a:buClr>
+                <a:srgbClr val="000000"/>
+              </a:buClr>
+              <a:buFont typeface="Arial"/>
+              <a:buNone/>
+              <a:defRPr sz="1100" b="0" i="0" u="none" strike="noStrike" cap="none">
+                <a:solidFill>
+                  <a:schemeClr val="accent3"/>
+                </a:solidFill>
+                <a:latin typeface="PT Serif"/>
+                <a:ea typeface="PT Serif"/>
+                <a:cs typeface="PT Serif"/>
+                <a:sym typeface="PT Serif"/>
+              </a:defRPr>
+            </a:lvl1pPr>
+            <a:lvl2pPr marR="0" lvl="1" algn="ctr" rtl="0">
+              <a:lnSpc>
+                <a:spcPct val="100000"/>
+              </a:lnSpc>
+              <a:spcBef>
+                <a:spcPts val="0"/>
+              </a:spcBef>
+              <a:spcAft>
+                <a:spcPts val="0"/>
+              </a:spcAft>
+              <a:buClr>
+                <a:srgbClr val="000000"/>
+              </a:buClr>
+              <a:buFont typeface="Arial"/>
+              <a:buNone/>
+              <a:defRPr sz="1100" b="0" i="0" u="none" strike="noStrike" cap="none">
+                <a:solidFill>
+                  <a:schemeClr val="accent3"/>
+                </a:solidFill>
+                <a:latin typeface="PT Serif"/>
+                <a:ea typeface="PT Serif"/>
+                <a:cs typeface="PT Serif"/>
+                <a:sym typeface="PT Serif"/>
+              </a:defRPr>
+            </a:lvl2pPr>
+            <a:lvl3pPr marR="0" lvl="2" algn="ctr" rtl="0">
+              <a:lnSpc>
+                <a:spcPct val="100000"/>
+              </a:lnSpc>
+              <a:spcBef>
+                <a:spcPts val="0"/>
+              </a:spcBef>
+              <a:spcAft>
+                <a:spcPts val="0"/>
+              </a:spcAft>
+              <a:buClr>
+                <a:srgbClr val="000000"/>
+              </a:buClr>
+              <a:buFont typeface="Arial"/>
+              <a:buNone/>
+              <a:defRPr sz="1100" b="0" i="0" u="none" strike="noStrike" cap="none">
+                <a:solidFill>
+                  <a:schemeClr val="accent3"/>
+                </a:solidFill>
+                <a:latin typeface="PT Serif"/>
+                <a:ea typeface="PT Serif"/>
+                <a:cs typeface="PT Serif"/>
+                <a:sym typeface="PT Serif"/>
+              </a:defRPr>
+            </a:lvl3pPr>
+            <a:lvl4pPr marR="0" lvl="3" algn="ctr" rtl="0">
+              <a:lnSpc>
+                <a:spcPct val="100000"/>
+              </a:lnSpc>
+              <a:spcBef>
+                <a:spcPts val="0"/>
+              </a:spcBef>
+              <a:spcAft>
+                <a:spcPts val="0"/>
+              </a:spcAft>
+              <a:buClr>
+                <a:srgbClr val="000000"/>
+              </a:buClr>
+              <a:buFont typeface="Arial"/>
+              <a:buNone/>
+              <a:defRPr sz="1100" b="0" i="0" u="none" strike="noStrike" cap="none">
+                <a:solidFill>
+                  <a:schemeClr val="accent3"/>
+                </a:solidFill>
+                <a:latin typeface="PT Serif"/>
+                <a:ea typeface="PT Serif"/>
+                <a:cs typeface="PT Serif"/>
+                <a:sym typeface="PT Serif"/>
+              </a:defRPr>
+            </a:lvl4pPr>
+            <a:lvl5pPr marR="0" lvl="4" algn="ctr" rtl="0">
+              <a:lnSpc>
+                <a:spcPct val="100000"/>
+              </a:lnSpc>
+              <a:spcBef>
+                <a:spcPts val="0"/>
+              </a:spcBef>
+              <a:spcAft>
+                <a:spcPts val="0"/>
+              </a:spcAft>
+              <a:buClr>
+                <a:srgbClr val="000000"/>
+              </a:buClr>
+              <a:buFont typeface="Arial"/>
+              <a:buNone/>
+              <a:defRPr sz="1100" b="0" i="0" u="none" strike="noStrike" cap="none">
+                <a:solidFill>
+                  <a:schemeClr val="accent3"/>
+                </a:solidFill>
+                <a:latin typeface="PT Serif"/>
+                <a:ea typeface="PT Serif"/>
+                <a:cs typeface="PT Serif"/>
+                <a:sym typeface="PT Serif"/>
+              </a:defRPr>
+            </a:lvl5pPr>
+            <a:lvl6pPr marR="0" lvl="5" algn="ctr" rtl="0">
+              <a:lnSpc>
+                <a:spcPct val="100000"/>
+              </a:lnSpc>
+              <a:spcBef>
+                <a:spcPts val="0"/>
+              </a:spcBef>
+              <a:spcAft>
+                <a:spcPts val="0"/>
+              </a:spcAft>
+              <a:buClr>
+                <a:srgbClr val="000000"/>
+              </a:buClr>
+              <a:buFont typeface="Arial"/>
+              <a:buNone/>
+              <a:defRPr sz="1100" b="0" i="0" u="none" strike="noStrike" cap="none">
+                <a:solidFill>
+                  <a:schemeClr val="accent3"/>
+                </a:solidFill>
+                <a:latin typeface="PT Serif"/>
+                <a:ea typeface="PT Serif"/>
+                <a:cs typeface="PT Serif"/>
+                <a:sym typeface="PT Serif"/>
+              </a:defRPr>
+            </a:lvl6pPr>
+            <a:lvl7pPr marR="0" lvl="6" algn="ctr" rtl="0">
+              <a:lnSpc>
+                <a:spcPct val="100000"/>
+              </a:lnSpc>
+              <a:spcBef>
+                <a:spcPts val="0"/>
+              </a:spcBef>
+              <a:spcAft>
+                <a:spcPts val="0"/>
+              </a:spcAft>
+              <a:buClr>
+                <a:srgbClr val="000000"/>
+              </a:buClr>
+              <a:buFont typeface="Arial"/>
+              <a:buNone/>
+              <a:defRPr sz="1100" b="0" i="0" u="none" strike="noStrike" cap="none">
+                <a:solidFill>
+                  <a:schemeClr val="accent3"/>
+                </a:solidFill>
+                <a:latin typeface="PT Serif"/>
+                <a:ea typeface="PT Serif"/>
+                <a:cs typeface="PT Serif"/>
+                <a:sym typeface="PT Serif"/>
+              </a:defRPr>
+            </a:lvl7pPr>
+            <a:lvl8pPr marR="0" lvl="7" algn="ctr" rtl="0">
+              <a:lnSpc>
+                <a:spcPct val="100000"/>
+              </a:lnSpc>
+              <a:spcBef>
+                <a:spcPts val="0"/>
+              </a:spcBef>
+              <a:spcAft>
+                <a:spcPts val="0"/>
+              </a:spcAft>
+              <a:buClr>
+                <a:srgbClr val="000000"/>
+              </a:buClr>
+              <a:buFont typeface="Arial"/>
+              <a:buNone/>
+              <a:defRPr sz="1100" b="0" i="0" u="none" strike="noStrike" cap="none">
+                <a:solidFill>
+                  <a:schemeClr val="accent3"/>
+                </a:solidFill>
+                <a:latin typeface="PT Serif"/>
+                <a:ea typeface="PT Serif"/>
+                <a:cs typeface="PT Serif"/>
+                <a:sym typeface="PT Serif"/>
+              </a:defRPr>
+            </a:lvl8pPr>
+            <a:lvl9pPr marR="0" lvl="8" algn="ctr" rtl="0">
+              <a:lnSpc>
+                <a:spcPct val="100000"/>
+              </a:lnSpc>
+              <a:spcBef>
+                <a:spcPts val="0"/>
+              </a:spcBef>
+              <a:spcAft>
+                <a:spcPts val="0"/>
+              </a:spcAft>
+              <a:buClr>
+                <a:srgbClr val="000000"/>
+              </a:buClr>
+              <a:buFont typeface="Arial"/>
+              <a:buNone/>
+              <a:defRPr sz="1100" b="0" i="0" u="none" strike="noStrike" cap="none">
+                <a:solidFill>
+                  <a:schemeClr val="accent3"/>
+                </a:solidFill>
+                <a:latin typeface="PT Serif"/>
+                <a:ea typeface="PT Serif"/>
+                <a:cs typeface="PT Serif"/>
+                <a:sym typeface="PT Serif"/>
+              </a:defRPr>
+            </a:lvl9pPr>
+          </a:lstStyle>
+          <a:p>
+            <a:fld id="{00000000-1234-1234-1234-123412341234}" type="slidenum">
+              <a:rPr lang="en" smtClean="0"/>
+              <a:pPr/>
+              <a:t>32</a:t>
+            </a:fld>
+            <a:endParaRPr lang="en"/>
+          </a:p>
+        </p:txBody>
+      </p:sp>
+    </p:spTree>
+    <p:extLst>
+      <p:ext uri="{BB962C8B-B14F-4D97-AF65-F5344CB8AC3E}">
+        <p14:creationId xmlns:p14="http://schemas.microsoft.com/office/powerpoint/2010/main" val="3907210863"/>
+      </p:ext>
+    </p:extLst>
+  </p:cSld>
+  <p:clrMapOvr>
+    <a:masterClrMapping/>
+  </p:clrMapOvr>
+</p:sld>
+</file>
+
+<file path=ppt/slides/slide33.xml><?xml version="1.0" encoding="utf-8"?>
+<p:sld xmlns:a="http://schemas.openxmlformats.org/drawingml/2006/main" xmlns:r="http://schemas.openxmlformats.org/officeDocument/2006/relationships" xmlns:p="http://schemas.openxmlformats.org/presentationml/2006/main">
+  <p:cSld>
+    <p:spTree>
+      <p:nvGrpSpPr>
+        <p:cNvPr id="1" name="Shape 86"/>
+        <p:cNvGrpSpPr/>
+        <p:nvPr/>
+      </p:nvGrpSpPr>
+      <p:grpSpPr>
+        <a:xfrm>
+          <a:off x="0" y="0"/>
+          <a:ext cx="0" cy="0"/>
+          <a:chOff x="0" y="0"/>
+          <a:chExt cx="0" cy="0"/>
+        </a:xfrm>
+      </p:grpSpPr>
+      <p:sp>
+        <p:nvSpPr>
+          <p:cNvPr id="87" name="Google Shape;87;p17"/>
+          <p:cNvSpPr txBox="1">
+            <a:spLocks noGrp="1"/>
+          </p:cNvSpPr>
+          <p:nvPr>
+            <p:ph type="title"/>
+          </p:nvPr>
+        </p:nvSpPr>
+        <p:spPr>
+          <a:xfrm>
+            <a:off x="388955" y="338306"/>
+            <a:ext cx="8366100" cy="762600"/>
+          </a:xfrm>
+          <a:prstGeom prst="rect">
+            <a:avLst/>
+          </a:prstGeom>
+        </p:spPr>
+        <p:txBody>
+          <a:bodyPr spcFirstLastPara="1" wrap="square" lIns="91425" tIns="91425" rIns="91425" bIns="91425" anchor="ctr" anchorCtr="0">
+            <a:noAutofit/>
+          </a:bodyPr>
+          <a:lstStyle/>
+          <a:p>
+            <a:pPr marL="0" lvl="0" indent="0" algn="ctr" rtl="0">
+              <a:spcBef>
+                <a:spcPts val="0"/>
+              </a:spcBef>
+              <a:spcAft>
+                <a:spcPts val="0"/>
+              </a:spcAft>
+              <a:buNone/>
+            </a:pPr>
+            <a:r>
+              <a:rPr lang="ko-KR" altLang="en-US" dirty="0"/>
+              <a:t>우리가 인공지능을 배워야 하는 이유</a:t>
+            </a:r>
+            <a:endParaRPr dirty="0"/>
+          </a:p>
+        </p:txBody>
+      </p:sp>
+      <p:sp>
+        <p:nvSpPr>
+          <p:cNvPr id="89" name="Google Shape;89;p17"/>
+          <p:cNvSpPr txBox="1">
+            <a:spLocks noGrp="1"/>
+          </p:cNvSpPr>
+          <p:nvPr>
+            <p:ph type="sldNum" idx="12"/>
+          </p:nvPr>
+        </p:nvSpPr>
+        <p:spPr>
+          <a:xfrm>
+            <a:off x="4297650" y="4419838"/>
+            <a:ext cx="548700" cy="393600"/>
+          </a:xfrm>
+          <a:prstGeom prst="rect">
+            <a:avLst/>
+          </a:prstGeom>
+        </p:spPr>
+        <p:txBody>
+          <a:bodyPr spcFirstLastPara="1" wrap="square" lIns="91425" tIns="91425" rIns="91425" bIns="91425" anchor="b" anchorCtr="0">
+            <a:noAutofit/>
+          </a:bodyPr>
+          <a:lstStyle/>
+          <a:p>
+            <a:pPr marL="0" lvl="0" indent="0" algn="ctr" rtl="0">
+              <a:spcBef>
+                <a:spcPts val="0"/>
+              </a:spcBef>
+              <a:spcAft>
+                <a:spcPts val="0"/>
+              </a:spcAft>
+              <a:buNone/>
+            </a:pPr>
+            <a:fld id="{00000000-1234-1234-1234-123412341234}" type="slidenum">
+              <a:rPr lang="en"/>
+              <a:t>33</a:t>
             </a:fld>
             <a:endParaRPr/>
           </a:p>
@@ -21606,7 +21152,7 @@
             <a:fld id="{00000000-1234-1234-1234-123412341234}" type="slidenum">
               <a:rPr lang="en" smtClean="0"/>
               <a:pPr/>
-              <a:t>32</a:t>
+              <a:t>33</a:t>
             </a:fld>
             <a:endParaRPr lang="en"/>
           </a:p>
@@ -21616,726 +21162,6 @@
     <p:extLst>
       <p:ext uri="{BB962C8B-B14F-4D97-AF65-F5344CB8AC3E}">
         <p14:creationId xmlns:p14="http://schemas.microsoft.com/office/powerpoint/2010/main" val="3374660124"/>
-      </p:ext>
-    </p:extLst>
-  </p:cSld>
-  <p:clrMapOvr>
-    <a:masterClrMapping/>
-  </p:clrMapOvr>
-</p:sld>
-</file>
-
-<file path=ppt/slides/slide33.xml><?xml version="1.0" encoding="utf-8"?>
-<p:sld xmlns:a="http://schemas.openxmlformats.org/drawingml/2006/main" xmlns:r="http://schemas.openxmlformats.org/officeDocument/2006/relationships" xmlns:p="http://schemas.openxmlformats.org/presentationml/2006/main">
-  <p:cSld>
-    <p:spTree>
-      <p:nvGrpSpPr>
-        <p:cNvPr id="1" name="Shape 86"/>
-        <p:cNvGrpSpPr/>
-        <p:nvPr/>
-      </p:nvGrpSpPr>
-      <p:grpSpPr>
-        <a:xfrm>
-          <a:off x="0" y="0"/>
-          <a:ext cx="0" cy="0"/>
-          <a:chOff x="0" y="0"/>
-          <a:chExt cx="0" cy="0"/>
-        </a:xfrm>
-      </p:grpSpPr>
-      <p:sp>
-        <p:nvSpPr>
-          <p:cNvPr id="87" name="Google Shape;87;p17"/>
-          <p:cNvSpPr txBox="1">
-            <a:spLocks noGrp="1"/>
-          </p:cNvSpPr>
-          <p:nvPr>
-            <p:ph type="title"/>
-          </p:nvPr>
-        </p:nvSpPr>
-        <p:spPr>
-          <a:xfrm>
-            <a:off x="388955" y="338306"/>
-            <a:ext cx="8366100" cy="762600"/>
-          </a:xfrm>
-          <a:prstGeom prst="rect">
-            <a:avLst/>
-          </a:prstGeom>
-        </p:spPr>
-        <p:txBody>
-          <a:bodyPr spcFirstLastPara="1" wrap="square" lIns="91425" tIns="91425" rIns="91425" bIns="91425" anchor="ctr" anchorCtr="0">
-            <a:noAutofit/>
-          </a:bodyPr>
-          <a:lstStyle/>
-          <a:p>
-            <a:pPr marL="0" lvl="0" indent="0" algn="ctr" rtl="0">
-              <a:spcBef>
-                <a:spcPts val="0"/>
-              </a:spcBef>
-              <a:spcAft>
-                <a:spcPts val="0"/>
-              </a:spcAft>
-              <a:buNone/>
-            </a:pPr>
-            <a:r>
-              <a:rPr lang="ko-KR" altLang="en-US" dirty="0"/>
-              <a:t>우리가 인공지능을 배워야 하는 이유</a:t>
-            </a:r>
-            <a:endParaRPr dirty="0"/>
-          </a:p>
-        </p:txBody>
-      </p:sp>
-      <p:sp>
-        <p:nvSpPr>
-          <p:cNvPr id="89" name="Google Shape;89;p17"/>
-          <p:cNvSpPr txBox="1">
-            <a:spLocks noGrp="1"/>
-          </p:cNvSpPr>
-          <p:nvPr>
-            <p:ph type="sldNum" idx="12"/>
-          </p:nvPr>
-        </p:nvSpPr>
-        <p:spPr>
-          <a:xfrm>
-            <a:off x="4297650" y="4419838"/>
-            <a:ext cx="548700" cy="393600"/>
-          </a:xfrm>
-          <a:prstGeom prst="rect">
-            <a:avLst/>
-          </a:prstGeom>
-        </p:spPr>
-        <p:txBody>
-          <a:bodyPr spcFirstLastPara="1" wrap="square" lIns="91425" tIns="91425" rIns="91425" bIns="91425" anchor="b" anchorCtr="0">
-            <a:noAutofit/>
-          </a:bodyPr>
-          <a:lstStyle/>
-          <a:p>
-            <a:pPr marL="0" lvl="0" indent="0" algn="ctr" rtl="0">
-              <a:spcBef>
-                <a:spcPts val="0"/>
-              </a:spcBef>
-              <a:spcAft>
-                <a:spcPts val="0"/>
-              </a:spcAft>
-              <a:buNone/>
-            </a:pPr>
-            <a:fld id="{00000000-1234-1234-1234-123412341234}" type="slidenum">
-              <a:rPr lang="en"/>
-              <a:t>33</a:t>
-            </a:fld>
-            <a:endParaRPr/>
-          </a:p>
-        </p:txBody>
-      </p:sp>
-      <p:sp>
-        <p:nvSpPr>
-          <p:cNvPr id="7" name="Google Shape;74;p15">
-            <a:extLst>
-              <a:ext uri="{FF2B5EF4-FFF2-40B4-BE49-F238E27FC236}">
-                <a16:creationId xmlns:a16="http://schemas.microsoft.com/office/drawing/2014/main" id="{A9438187-2317-4278-B597-92A738A18664}"/>
-              </a:ext>
-            </a:extLst>
-          </p:cNvPr>
-          <p:cNvSpPr txBox="1">
-            <a:spLocks/>
-          </p:cNvSpPr>
-          <p:nvPr/>
-        </p:nvSpPr>
-        <p:spPr>
-          <a:xfrm>
-            <a:off x="1619700" y="1547902"/>
-            <a:ext cx="5904600" cy="1159800"/>
-          </a:xfrm>
-          <a:prstGeom prst="rect">
-            <a:avLst/>
-          </a:prstGeom>
-          <a:noFill/>
-          <a:ln>
-            <a:noFill/>
-          </a:ln>
-        </p:spPr>
-        <p:txBody>
-          <a:bodyPr spcFirstLastPara="1" wrap="square" lIns="91425" tIns="91425" rIns="91425" bIns="91425" anchor="b" anchorCtr="0">
-            <a:noAutofit/>
-          </a:bodyPr>
-          <a:lstStyle>
-            <a:defPPr marR="0" lvl="0" algn="l" rtl="0">
-              <a:lnSpc>
-                <a:spcPct val="100000"/>
-              </a:lnSpc>
-              <a:spcBef>
-                <a:spcPts val="0"/>
-              </a:spcBef>
-              <a:spcAft>
-                <a:spcPts val="0"/>
-              </a:spcAft>
-            </a:defPPr>
-            <a:lvl1pPr marR="0" lvl="0" algn="ctr" rtl="0">
-              <a:lnSpc>
-                <a:spcPct val="100000"/>
-              </a:lnSpc>
-              <a:spcBef>
-                <a:spcPts val="0"/>
-              </a:spcBef>
-              <a:spcAft>
-                <a:spcPts val="0"/>
-              </a:spcAft>
-              <a:buClr>
-                <a:schemeClr val="dk1"/>
-              </a:buClr>
-              <a:buSzPts val="1600"/>
-              <a:buFont typeface="Playfair Display"/>
-              <a:buNone/>
-              <a:defRPr sz="1600" b="0" i="0" u="none" strike="noStrike" cap="none">
-                <a:solidFill>
-                  <a:schemeClr val="dk1"/>
-                </a:solidFill>
-                <a:highlight>
-                  <a:srgbClr val="F3F3F3"/>
-                </a:highlight>
-                <a:latin typeface="Playfair Display"/>
-                <a:ea typeface="Playfair Display"/>
-                <a:cs typeface="Playfair Display"/>
-                <a:sym typeface="Playfair Display"/>
-              </a:defRPr>
-            </a:lvl1pPr>
-            <a:lvl2pPr marR="0" lvl="1" algn="ctr" rtl="0">
-              <a:lnSpc>
-                <a:spcPct val="100000"/>
-              </a:lnSpc>
-              <a:spcBef>
-                <a:spcPts val="0"/>
-              </a:spcBef>
-              <a:spcAft>
-                <a:spcPts val="0"/>
-              </a:spcAft>
-              <a:buClr>
-                <a:schemeClr val="dk1"/>
-              </a:buClr>
-              <a:buSzPts val="1600"/>
-              <a:buFont typeface="Playfair Display"/>
-              <a:buNone/>
-              <a:defRPr sz="1600" b="0" i="0" u="none" strike="noStrike" cap="none">
-                <a:solidFill>
-                  <a:schemeClr val="dk1"/>
-                </a:solidFill>
-                <a:latin typeface="Playfair Display"/>
-                <a:ea typeface="Playfair Display"/>
-                <a:cs typeface="Playfair Display"/>
-                <a:sym typeface="Playfair Display"/>
-              </a:defRPr>
-            </a:lvl2pPr>
-            <a:lvl3pPr marR="0" lvl="2" algn="ctr" rtl="0">
-              <a:lnSpc>
-                <a:spcPct val="100000"/>
-              </a:lnSpc>
-              <a:spcBef>
-                <a:spcPts val="0"/>
-              </a:spcBef>
-              <a:spcAft>
-                <a:spcPts val="0"/>
-              </a:spcAft>
-              <a:buClr>
-                <a:schemeClr val="dk1"/>
-              </a:buClr>
-              <a:buSzPts val="1600"/>
-              <a:buFont typeface="Playfair Display"/>
-              <a:buNone/>
-              <a:defRPr sz="1600" b="0" i="0" u="none" strike="noStrike" cap="none">
-                <a:solidFill>
-                  <a:schemeClr val="dk1"/>
-                </a:solidFill>
-                <a:latin typeface="Playfair Display"/>
-                <a:ea typeface="Playfair Display"/>
-                <a:cs typeface="Playfair Display"/>
-                <a:sym typeface="Playfair Display"/>
-              </a:defRPr>
-            </a:lvl3pPr>
-            <a:lvl4pPr marR="0" lvl="3" algn="ctr" rtl="0">
-              <a:lnSpc>
-                <a:spcPct val="100000"/>
-              </a:lnSpc>
-              <a:spcBef>
-                <a:spcPts val="0"/>
-              </a:spcBef>
-              <a:spcAft>
-                <a:spcPts val="0"/>
-              </a:spcAft>
-              <a:buClr>
-                <a:schemeClr val="dk1"/>
-              </a:buClr>
-              <a:buSzPts val="1600"/>
-              <a:buFont typeface="Playfair Display"/>
-              <a:buNone/>
-              <a:defRPr sz="1600" b="0" i="0" u="none" strike="noStrike" cap="none">
-                <a:solidFill>
-                  <a:schemeClr val="dk1"/>
-                </a:solidFill>
-                <a:latin typeface="Playfair Display"/>
-                <a:ea typeface="Playfair Display"/>
-                <a:cs typeface="Playfair Display"/>
-                <a:sym typeface="Playfair Display"/>
-              </a:defRPr>
-            </a:lvl4pPr>
-            <a:lvl5pPr marR="0" lvl="4" algn="ctr" rtl="0">
-              <a:lnSpc>
-                <a:spcPct val="100000"/>
-              </a:lnSpc>
-              <a:spcBef>
-                <a:spcPts val="0"/>
-              </a:spcBef>
-              <a:spcAft>
-                <a:spcPts val="0"/>
-              </a:spcAft>
-              <a:buClr>
-                <a:schemeClr val="dk1"/>
-              </a:buClr>
-              <a:buSzPts val="1600"/>
-              <a:buFont typeface="Playfair Display"/>
-              <a:buNone/>
-              <a:defRPr sz="1600" b="0" i="0" u="none" strike="noStrike" cap="none">
-                <a:solidFill>
-                  <a:schemeClr val="dk1"/>
-                </a:solidFill>
-                <a:latin typeface="Playfair Display"/>
-                <a:ea typeface="Playfair Display"/>
-                <a:cs typeface="Playfair Display"/>
-                <a:sym typeface="Playfair Display"/>
-              </a:defRPr>
-            </a:lvl5pPr>
-            <a:lvl6pPr marR="0" lvl="5" algn="ctr" rtl="0">
-              <a:lnSpc>
-                <a:spcPct val="100000"/>
-              </a:lnSpc>
-              <a:spcBef>
-                <a:spcPts val="0"/>
-              </a:spcBef>
-              <a:spcAft>
-                <a:spcPts val="0"/>
-              </a:spcAft>
-              <a:buClr>
-                <a:schemeClr val="dk1"/>
-              </a:buClr>
-              <a:buSzPts val="1600"/>
-              <a:buFont typeface="Playfair Display"/>
-              <a:buNone/>
-              <a:defRPr sz="1600" b="0" i="0" u="none" strike="noStrike" cap="none">
-                <a:solidFill>
-                  <a:schemeClr val="dk1"/>
-                </a:solidFill>
-                <a:latin typeface="Playfair Display"/>
-                <a:ea typeface="Playfair Display"/>
-                <a:cs typeface="Playfair Display"/>
-                <a:sym typeface="Playfair Display"/>
-              </a:defRPr>
-            </a:lvl6pPr>
-            <a:lvl7pPr marR="0" lvl="6" algn="ctr" rtl="0">
-              <a:lnSpc>
-                <a:spcPct val="100000"/>
-              </a:lnSpc>
-              <a:spcBef>
-                <a:spcPts val="0"/>
-              </a:spcBef>
-              <a:spcAft>
-                <a:spcPts val="0"/>
-              </a:spcAft>
-              <a:buClr>
-                <a:schemeClr val="dk1"/>
-              </a:buClr>
-              <a:buSzPts val="1600"/>
-              <a:buFont typeface="Playfair Display"/>
-              <a:buNone/>
-              <a:defRPr sz="1600" b="0" i="0" u="none" strike="noStrike" cap="none">
-                <a:solidFill>
-                  <a:schemeClr val="dk1"/>
-                </a:solidFill>
-                <a:latin typeface="Playfair Display"/>
-                <a:ea typeface="Playfair Display"/>
-                <a:cs typeface="Playfair Display"/>
-                <a:sym typeface="Playfair Display"/>
-              </a:defRPr>
-            </a:lvl7pPr>
-            <a:lvl8pPr marR="0" lvl="7" algn="ctr" rtl="0">
-              <a:lnSpc>
-                <a:spcPct val="100000"/>
-              </a:lnSpc>
-              <a:spcBef>
-                <a:spcPts val="0"/>
-              </a:spcBef>
-              <a:spcAft>
-                <a:spcPts val="0"/>
-              </a:spcAft>
-              <a:buClr>
-                <a:schemeClr val="dk1"/>
-              </a:buClr>
-              <a:buSzPts val="1600"/>
-              <a:buFont typeface="Playfair Display"/>
-              <a:buNone/>
-              <a:defRPr sz="1600" b="0" i="0" u="none" strike="noStrike" cap="none">
-                <a:solidFill>
-                  <a:schemeClr val="dk1"/>
-                </a:solidFill>
-                <a:latin typeface="Playfair Display"/>
-                <a:ea typeface="Playfair Display"/>
-                <a:cs typeface="Playfair Display"/>
-                <a:sym typeface="Playfair Display"/>
-              </a:defRPr>
-            </a:lvl8pPr>
-            <a:lvl9pPr marR="0" lvl="8" algn="ctr" rtl="0">
-              <a:lnSpc>
-                <a:spcPct val="100000"/>
-              </a:lnSpc>
-              <a:spcBef>
-                <a:spcPts val="0"/>
-              </a:spcBef>
-              <a:spcAft>
-                <a:spcPts val="0"/>
-              </a:spcAft>
-              <a:buClr>
-                <a:schemeClr val="dk1"/>
-              </a:buClr>
-              <a:buSzPts val="1600"/>
-              <a:buFont typeface="Playfair Display"/>
-              <a:buNone/>
-              <a:defRPr sz="1600" b="0" i="0" u="none" strike="noStrike" cap="none">
-                <a:solidFill>
-                  <a:schemeClr val="dk1"/>
-                </a:solidFill>
-                <a:latin typeface="Playfair Display"/>
-                <a:ea typeface="Playfair Display"/>
-                <a:cs typeface="Playfair Display"/>
-                <a:sym typeface="Playfair Display"/>
-              </a:defRPr>
-            </a:lvl9pPr>
-          </a:lstStyle>
-          <a:p>
-            <a:r>
-              <a:rPr lang="ko-KR" altLang="en-US" sz="2400" dirty="0"/>
-              <a:t>그 시작이 자동화</a:t>
-            </a:r>
-            <a:r>
-              <a:rPr lang="en-US" altLang="ko-KR" sz="2400" dirty="0"/>
-              <a:t>/</a:t>
-            </a:r>
-            <a:r>
-              <a:rPr lang="ko-KR" altLang="en-US" sz="2400" dirty="0"/>
-              <a:t>인공지능</a:t>
-            </a:r>
-          </a:p>
-        </p:txBody>
-      </p:sp>
-      <p:sp>
-        <p:nvSpPr>
-          <p:cNvPr id="8" name="Google Shape;76;p15">
-            <a:extLst>
-              <a:ext uri="{FF2B5EF4-FFF2-40B4-BE49-F238E27FC236}">
-                <a16:creationId xmlns:a16="http://schemas.microsoft.com/office/drawing/2014/main" id="{6C017B13-5B9D-47AB-91D9-E74D9D0A3D45}"/>
-              </a:ext>
-            </a:extLst>
-          </p:cNvPr>
-          <p:cNvSpPr txBox="1">
-            <a:spLocks/>
-          </p:cNvSpPr>
-          <p:nvPr/>
-        </p:nvSpPr>
-        <p:spPr>
-          <a:xfrm>
-            <a:off x="4297650" y="4419838"/>
-            <a:ext cx="548700" cy="393600"/>
-          </a:xfrm>
-          <a:prstGeom prst="rect">
-            <a:avLst/>
-          </a:prstGeom>
-          <a:noFill/>
-          <a:ln>
-            <a:noFill/>
-          </a:ln>
-        </p:spPr>
-        <p:txBody>
-          <a:bodyPr spcFirstLastPara="1" wrap="square" lIns="91425" tIns="91425" rIns="91425" bIns="91425" anchor="b" anchorCtr="0">
-            <a:noAutofit/>
-          </a:bodyPr>
-          <a:lstStyle>
-            <a:defPPr marR="0" lvl="0" algn="l" rtl="0">
-              <a:lnSpc>
-                <a:spcPct val="100000"/>
-              </a:lnSpc>
-              <a:spcBef>
-                <a:spcPts val="0"/>
-              </a:spcBef>
-              <a:spcAft>
-                <a:spcPts val="0"/>
-              </a:spcAft>
-            </a:defPPr>
-            <a:lvl1pPr marR="0" lvl="0" algn="ctr" rtl="0">
-              <a:lnSpc>
-                <a:spcPct val="100000"/>
-              </a:lnSpc>
-              <a:spcBef>
-                <a:spcPts val="0"/>
-              </a:spcBef>
-              <a:spcAft>
-                <a:spcPts val="0"/>
-              </a:spcAft>
-              <a:buClr>
-                <a:srgbClr val="000000"/>
-              </a:buClr>
-              <a:buFont typeface="Arial"/>
-              <a:buNone/>
-              <a:defRPr sz="1100" b="0" i="0" u="none" strike="noStrike" cap="none">
-                <a:solidFill>
-                  <a:schemeClr val="accent3"/>
-                </a:solidFill>
-                <a:latin typeface="PT Serif"/>
-                <a:ea typeface="PT Serif"/>
-                <a:cs typeface="PT Serif"/>
-                <a:sym typeface="PT Serif"/>
-              </a:defRPr>
-            </a:lvl1pPr>
-            <a:lvl2pPr marR="0" lvl="1" algn="ctr" rtl="0">
-              <a:lnSpc>
-                <a:spcPct val="100000"/>
-              </a:lnSpc>
-              <a:spcBef>
-                <a:spcPts val="0"/>
-              </a:spcBef>
-              <a:spcAft>
-                <a:spcPts val="0"/>
-              </a:spcAft>
-              <a:buClr>
-                <a:srgbClr val="000000"/>
-              </a:buClr>
-              <a:buFont typeface="Arial"/>
-              <a:buNone/>
-              <a:defRPr sz="1100" b="0" i="0" u="none" strike="noStrike" cap="none">
-                <a:solidFill>
-                  <a:schemeClr val="accent3"/>
-                </a:solidFill>
-                <a:latin typeface="PT Serif"/>
-                <a:ea typeface="PT Serif"/>
-                <a:cs typeface="PT Serif"/>
-                <a:sym typeface="PT Serif"/>
-              </a:defRPr>
-            </a:lvl2pPr>
-            <a:lvl3pPr marR="0" lvl="2" algn="ctr" rtl="0">
-              <a:lnSpc>
-                <a:spcPct val="100000"/>
-              </a:lnSpc>
-              <a:spcBef>
-                <a:spcPts val="0"/>
-              </a:spcBef>
-              <a:spcAft>
-                <a:spcPts val="0"/>
-              </a:spcAft>
-              <a:buClr>
-                <a:srgbClr val="000000"/>
-              </a:buClr>
-              <a:buFont typeface="Arial"/>
-              <a:buNone/>
-              <a:defRPr sz="1100" b="0" i="0" u="none" strike="noStrike" cap="none">
-                <a:solidFill>
-                  <a:schemeClr val="accent3"/>
-                </a:solidFill>
-                <a:latin typeface="PT Serif"/>
-                <a:ea typeface="PT Serif"/>
-                <a:cs typeface="PT Serif"/>
-                <a:sym typeface="PT Serif"/>
-              </a:defRPr>
-            </a:lvl3pPr>
-            <a:lvl4pPr marR="0" lvl="3" algn="ctr" rtl="0">
-              <a:lnSpc>
-                <a:spcPct val="100000"/>
-              </a:lnSpc>
-              <a:spcBef>
-                <a:spcPts val="0"/>
-              </a:spcBef>
-              <a:spcAft>
-                <a:spcPts val="0"/>
-              </a:spcAft>
-              <a:buClr>
-                <a:srgbClr val="000000"/>
-              </a:buClr>
-              <a:buFont typeface="Arial"/>
-              <a:buNone/>
-              <a:defRPr sz="1100" b="0" i="0" u="none" strike="noStrike" cap="none">
-                <a:solidFill>
-                  <a:schemeClr val="accent3"/>
-                </a:solidFill>
-                <a:latin typeface="PT Serif"/>
-                <a:ea typeface="PT Serif"/>
-                <a:cs typeface="PT Serif"/>
-                <a:sym typeface="PT Serif"/>
-              </a:defRPr>
-            </a:lvl4pPr>
-            <a:lvl5pPr marR="0" lvl="4" algn="ctr" rtl="0">
-              <a:lnSpc>
-                <a:spcPct val="100000"/>
-              </a:lnSpc>
-              <a:spcBef>
-                <a:spcPts val="0"/>
-              </a:spcBef>
-              <a:spcAft>
-                <a:spcPts val="0"/>
-              </a:spcAft>
-              <a:buClr>
-                <a:srgbClr val="000000"/>
-              </a:buClr>
-              <a:buFont typeface="Arial"/>
-              <a:buNone/>
-              <a:defRPr sz="1100" b="0" i="0" u="none" strike="noStrike" cap="none">
-                <a:solidFill>
-                  <a:schemeClr val="accent3"/>
-                </a:solidFill>
-                <a:latin typeface="PT Serif"/>
-                <a:ea typeface="PT Serif"/>
-                <a:cs typeface="PT Serif"/>
-                <a:sym typeface="PT Serif"/>
-              </a:defRPr>
-            </a:lvl5pPr>
-            <a:lvl6pPr marR="0" lvl="5" algn="ctr" rtl="0">
-              <a:lnSpc>
-                <a:spcPct val="100000"/>
-              </a:lnSpc>
-              <a:spcBef>
-                <a:spcPts val="0"/>
-              </a:spcBef>
-              <a:spcAft>
-                <a:spcPts val="0"/>
-              </a:spcAft>
-              <a:buClr>
-                <a:srgbClr val="000000"/>
-              </a:buClr>
-              <a:buFont typeface="Arial"/>
-              <a:buNone/>
-              <a:defRPr sz="1100" b="0" i="0" u="none" strike="noStrike" cap="none">
-                <a:solidFill>
-                  <a:schemeClr val="accent3"/>
-                </a:solidFill>
-                <a:latin typeface="PT Serif"/>
-                <a:ea typeface="PT Serif"/>
-                <a:cs typeface="PT Serif"/>
-                <a:sym typeface="PT Serif"/>
-              </a:defRPr>
-            </a:lvl6pPr>
-            <a:lvl7pPr marR="0" lvl="6" algn="ctr" rtl="0">
-              <a:lnSpc>
-                <a:spcPct val="100000"/>
-              </a:lnSpc>
-              <a:spcBef>
-                <a:spcPts val="0"/>
-              </a:spcBef>
-              <a:spcAft>
-                <a:spcPts val="0"/>
-              </a:spcAft>
-              <a:buClr>
-                <a:srgbClr val="000000"/>
-              </a:buClr>
-              <a:buFont typeface="Arial"/>
-              <a:buNone/>
-              <a:defRPr sz="1100" b="0" i="0" u="none" strike="noStrike" cap="none">
-                <a:solidFill>
-                  <a:schemeClr val="accent3"/>
-                </a:solidFill>
-                <a:latin typeface="PT Serif"/>
-                <a:ea typeface="PT Serif"/>
-                <a:cs typeface="PT Serif"/>
-                <a:sym typeface="PT Serif"/>
-              </a:defRPr>
-            </a:lvl7pPr>
-            <a:lvl8pPr marR="0" lvl="7" algn="ctr" rtl="0">
-              <a:lnSpc>
-                <a:spcPct val="100000"/>
-              </a:lnSpc>
-              <a:spcBef>
-                <a:spcPts val="0"/>
-              </a:spcBef>
-              <a:spcAft>
-                <a:spcPts val="0"/>
-              </a:spcAft>
-              <a:buClr>
-                <a:srgbClr val="000000"/>
-              </a:buClr>
-              <a:buFont typeface="Arial"/>
-              <a:buNone/>
-              <a:defRPr sz="1100" b="0" i="0" u="none" strike="noStrike" cap="none">
-                <a:solidFill>
-                  <a:schemeClr val="accent3"/>
-                </a:solidFill>
-                <a:latin typeface="PT Serif"/>
-                <a:ea typeface="PT Serif"/>
-                <a:cs typeface="PT Serif"/>
-                <a:sym typeface="PT Serif"/>
-              </a:defRPr>
-            </a:lvl8pPr>
-            <a:lvl9pPr marR="0" lvl="8" algn="ctr" rtl="0">
-              <a:lnSpc>
-                <a:spcPct val="100000"/>
-              </a:lnSpc>
-              <a:spcBef>
-                <a:spcPts val="0"/>
-              </a:spcBef>
-              <a:spcAft>
-                <a:spcPts val="0"/>
-              </a:spcAft>
-              <a:buClr>
-                <a:srgbClr val="000000"/>
-              </a:buClr>
-              <a:buFont typeface="Arial"/>
-              <a:buNone/>
-              <a:defRPr sz="1100" b="0" i="0" u="none" strike="noStrike" cap="none">
-                <a:solidFill>
-                  <a:schemeClr val="accent3"/>
-                </a:solidFill>
-                <a:latin typeface="PT Serif"/>
-                <a:ea typeface="PT Serif"/>
-                <a:cs typeface="PT Serif"/>
-                <a:sym typeface="PT Serif"/>
-              </a:defRPr>
-            </a:lvl9pPr>
-          </a:lstStyle>
-          <a:p>
-            <a:fld id="{00000000-1234-1234-1234-123412341234}" type="slidenum">
-              <a:rPr lang="en" smtClean="0"/>
-              <a:pPr/>
-              <a:t>33</a:t>
-            </a:fld>
-            <a:endParaRPr lang="en"/>
-          </a:p>
-        </p:txBody>
-      </p:sp>
-      <p:pic>
-        <p:nvPicPr>
-          <p:cNvPr id="3" name="그림 2">
-            <a:extLst>
-              <a:ext uri="{FF2B5EF4-FFF2-40B4-BE49-F238E27FC236}">
-                <a16:creationId xmlns:a16="http://schemas.microsoft.com/office/drawing/2014/main" id="{D30ABEAF-979F-4572-A86B-7B572406F8EA}"/>
-              </a:ext>
-            </a:extLst>
-          </p:cNvPr>
-          <p:cNvPicPr>
-            <a:picLocks noChangeAspect="1"/>
-          </p:cNvPicPr>
-          <p:nvPr/>
-        </p:nvPicPr>
-        <p:blipFill>
-          <a:blip r:embed="rId3"/>
-          <a:stretch>
-            <a:fillRect/>
-          </a:stretch>
-        </p:blipFill>
-        <p:spPr>
-          <a:xfrm>
-            <a:off x="0" y="0"/>
-            <a:ext cx="9144000" cy="5143500"/>
-          </a:xfrm>
-          <a:prstGeom prst="rect">
-            <a:avLst/>
-          </a:prstGeom>
-        </p:spPr>
-      </p:pic>
-    </p:spTree>
-    <p:extLst>
-      <p:ext uri="{BB962C8B-B14F-4D97-AF65-F5344CB8AC3E}">
-        <p14:creationId xmlns:p14="http://schemas.microsoft.com/office/powerpoint/2010/main" val="685099286"/>
       </p:ext>
     </p:extLst>
   </p:cSld>
@@ -28035,7 +26861,11 @@
             </a:pPr>
             <a:r>
               <a:rPr lang="ko-KR" altLang="en-US" dirty="0"/>
-              <a:t>수업 소개</a:t>
+              <a:t>수업 </a:t>
+            </a:r>
+            <a:r>
+              <a:rPr lang="en-US" altLang="ko-KR" dirty="0"/>
+              <a:t>format</a:t>
             </a:r>
             <a:endParaRPr dirty="0"/>
           </a:p>
@@ -28198,7 +27028,11 @@
             </a:pPr>
             <a:r>
               <a:rPr lang="ko-KR" altLang="en-US" dirty="0"/>
-              <a:t>수업 소개</a:t>
+              <a:t>수업 </a:t>
+            </a:r>
+            <a:r>
+              <a:rPr lang="en-US" altLang="ko-KR" dirty="0"/>
+              <a:t>format</a:t>
             </a:r>
             <a:endParaRPr dirty="0"/>
           </a:p>
@@ -28586,47 +27420,6 @@
           </a:graphicData>
         </a:graphic>
       </p:graphicFrame>
-      <p:sp>
-        <p:nvSpPr>
-          <p:cNvPr id="8" name="텍스트 개체 틀 2">
-            <a:extLst>
-              <a:ext uri="{FF2B5EF4-FFF2-40B4-BE49-F238E27FC236}">
-                <a16:creationId xmlns:a16="http://schemas.microsoft.com/office/drawing/2014/main" id="{3D777CBD-C397-4741-A22D-14C15399633C}"/>
-              </a:ext>
-            </a:extLst>
-          </p:cNvPr>
-          <p:cNvSpPr>
-            <a:spLocks noGrp="1"/>
-          </p:cNvSpPr>
-          <p:nvPr>
-            <p:ph type="body" idx="1"/>
-          </p:nvPr>
-        </p:nvSpPr>
-        <p:spPr>
-          <a:xfrm>
-            <a:off x="1524000" y="759311"/>
-            <a:ext cx="3823674" cy="840419"/>
-          </a:xfrm>
-        </p:spPr>
-        <p:txBody>
-          <a:bodyPr/>
-          <a:lstStyle/>
-          <a:p>
-            <a:pPr marL="101600" indent="0">
-              <a:buNone/>
-            </a:pPr>
-            <a:r>
-              <a:rPr lang="ko-KR" altLang="en-US" dirty="0"/>
-              <a:t>수업 </a:t>
-            </a:r>
-            <a:r>
-              <a:rPr lang="en-US" altLang="ko-KR" dirty="0"/>
-              <a:t>format</a:t>
-            </a:r>
-            <a:endParaRPr lang="ko-KR" altLang="en-US" dirty="0"/>
-          </a:p>
-        </p:txBody>
-      </p:sp>
     </p:spTree>
     <p:extLst>
       <p:ext uri="{BB962C8B-B14F-4D97-AF65-F5344CB8AC3E}">
@@ -28789,15 +27582,15 @@
               <a:buNone/>
             </a:pPr>
             <a:r>
-              <a:rPr lang="en-US" altLang="ko-KR" dirty="0"/>
+              <a:rPr lang="en-US" altLang="ko-KR" sz="1600" dirty="0"/>
               <a:t>(</a:t>
             </a:r>
             <a:r>
-              <a:rPr lang="ko-KR" altLang="en-US" dirty="0"/>
+              <a:rPr lang="ko-KR" altLang="en-US" sz="1600" dirty="0"/>
               <a:t>학부생 인공지능 수업 속 내용들</a:t>
             </a:r>
             <a:r>
-              <a:rPr lang="en-US" altLang="ko-KR" dirty="0"/>
+              <a:rPr lang="en-US" altLang="ko-KR" sz="1600" dirty="0"/>
               <a:t>)</a:t>
             </a:r>
           </a:p>
